--- a/Docs/PowerPoints/PMATE-Transition(Final).pptx
+++ b/Docs/PowerPoints/PMATE-Transition(Final).pptx
@@ -5,20 +5,17 @@
     <p:sldMasterId id="2147483674" r:id="rId4"/>
   </p:sldMasterIdLst>
   <p:notesMasterIdLst>
-    <p:notesMasterId r:id="rId16"/>
+    <p:notesMasterId r:id="rId13"/>
   </p:notesMasterIdLst>
   <p:sldIdLst>
     <p:sldId id="257" r:id="rId5"/>
-    <p:sldId id="269" r:id="rId6"/>
-    <p:sldId id="271" r:id="rId7"/>
-    <p:sldId id="272" r:id="rId8"/>
-    <p:sldId id="273" r:id="rId9"/>
-    <p:sldId id="295" r:id="rId10"/>
-    <p:sldId id="264" r:id="rId11"/>
-    <p:sldId id="297" r:id="rId12"/>
-    <p:sldId id="299" r:id="rId13"/>
-    <p:sldId id="298" r:id="rId14"/>
-    <p:sldId id="261" r:id="rId15"/>
+    <p:sldId id="264" r:id="rId6"/>
+    <p:sldId id="297" r:id="rId7"/>
+    <p:sldId id="299" r:id="rId8"/>
+    <p:sldId id="298" r:id="rId9"/>
+    <p:sldId id="301" r:id="rId10"/>
+    <p:sldId id="300" r:id="rId11"/>
+    <p:sldId id="261" r:id="rId12"/>
   </p:sldIdLst>
   <p:sldSz cx="12192000" cy="6858000"/>
   <p:notesSz cx="6858000" cy="9144000"/>
@@ -6352,7 +6349,7 @@
                   <a:schemeClr val="tx1"/>
                 </a:solidFill>
               </a:rPr>
-              <a:t>Elaboration Phase</a:t>
+              <a:t>Transition Phase</a:t>
             </a:r>
           </a:p>
           <a:p>
@@ -6534,7 +6531,1885 @@
 </p:sld>
 </file>
 
-<file path=ppt/slides/slide10.xml><?xml version="1.0" encoding="utf-8"?>
+<file path=ppt/slides/slide2.xml><?xml version="1.0" encoding="utf-8"?>
+<p:sld xmlns:a="http://schemas.openxmlformats.org/drawingml/2006/main" xmlns:r="http://schemas.openxmlformats.org/officeDocument/2006/relationships" xmlns:p="http://schemas.openxmlformats.org/presentationml/2006/main">
+  <p:cSld>
+    <p:spTree>
+      <p:nvGrpSpPr>
+        <p:cNvPr id="1" name=""/>
+        <p:cNvGrpSpPr/>
+        <p:nvPr/>
+      </p:nvGrpSpPr>
+      <p:grpSpPr>
+        <a:xfrm>
+          <a:off x="0" y="0"/>
+          <a:ext cx="0" cy="0"/>
+          <a:chOff x="0" y="0"/>
+          <a:chExt cx="0" cy="0"/>
+        </a:xfrm>
+      </p:grpSpPr>
+      <p:sp>
+        <p:nvSpPr>
+          <p:cNvPr id="2" name="Title 1">
+            <a:extLst>
+              <a:ext uri="{FF2B5EF4-FFF2-40B4-BE49-F238E27FC236}">
+                <a16:creationId xmlns:a16="http://schemas.microsoft.com/office/drawing/2014/main" id="{9440C020-4DE9-472F-8CFF-8A07F3AD3D64}"/>
+              </a:ext>
+            </a:extLst>
+          </p:cNvPr>
+          <p:cNvSpPr>
+            <a:spLocks noGrp="1"/>
+          </p:cNvSpPr>
+          <p:nvPr>
+            <p:ph type="title"/>
+          </p:nvPr>
+        </p:nvSpPr>
+        <p:spPr>
+          <a:xfrm>
+            <a:off x="534141" y="413030"/>
+            <a:ext cx="10058400" cy="1371600"/>
+          </a:xfrm>
+        </p:spPr>
+        <p:txBody>
+          <a:bodyPr/>
+          <a:lstStyle/>
+          <a:p>
+            <a:r>
+              <a:rPr lang="pt-PT" b="1" dirty="0"/>
+              <a:t>Plan</a:t>
+            </a:r>
+            <a:endParaRPr lang="en-GB" b="1" dirty="0"/>
+          </a:p>
+        </p:txBody>
+      </p:sp>
+      <p:graphicFrame>
+        <p:nvGraphicFramePr>
+          <p:cNvPr id="4" name="Table 4">
+            <a:extLst>
+              <a:ext uri="{FF2B5EF4-FFF2-40B4-BE49-F238E27FC236}">
+                <a16:creationId xmlns:a16="http://schemas.microsoft.com/office/drawing/2014/main" id="{2AA371E5-E722-4B11-86DF-3AD60B6D9C6A}"/>
+              </a:ext>
+            </a:extLst>
+          </p:cNvPr>
+          <p:cNvGraphicFramePr>
+            <a:graphicFrameLocks noGrp="1"/>
+          </p:cNvGraphicFramePr>
+          <p:nvPr>
+            <p:extLst>
+              <p:ext uri="{D42A27DB-BD31-4B8C-83A1-F6EECF244321}">
+                <p14:modId xmlns:p14="http://schemas.microsoft.com/office/powerpoint/2010/main" val="4124380216"/>
+              </p:ext>
+            </p:extLst>
+          </p:nvPr>
+        </p:nvGraphicFramePr>
+        <p:xfrm>
+          <a:off x="1066388" y="1380462"/>
+          <a:ext cx="8128000" cy="4394200"/>
+        </p:xfrm>
+        <a:graphic>
+          <a:graphicData uri="http://schemas.openxmlformats.org/drawingml/2006/table">
+            <a:tbl>
+              <a:tblPr firstRow="1" bandRow="1">
+                <a:effectLst>
+                  <a:outerShdw blurRad="50800" dist="38100" dir="2700000" algn="tl" rotWithShape="0">
+                    <a:prstClr val="black">
+                      <a:alpha val="40000"/>
+                    </a:prstClr>
+                  </a:outerShdw>
+                </a:effectLst>
+                <a:tableStyleId>{5C22544A-7EE6-4342-B048-85BDC9FD1C3A}</a:tableStyleId>
+              </a:tblPr>
+              <a:tblGrid>
+                <a:gridCol w="2032000">
+                  <a:extLst>
+                    <a:ext uri="{9D8B030D-6E8A-4147-A177-3AD203B41FA5}">
+                      <a16:colId xmlns:a16="http://schemas.microsoft.com/office/drawing/2014/main" val="2989444139"/>
+                    </a:ext>
+                  </a:extLst>
+                </a:gridCol>
+                <a:gridCol w="2032000">
+                  <a:extLst>
+                    <a:ext uri="{9D8B030D-6E8A-4147-A177-3AD203B41FA5}">
+                      <a16:colId xmlns:a16="http://schemas.microsoft.com/office/drawing/2014/main" val="363588773"/>
+                    </a:ext>
+                  </a:extLst>
+                </a:gridCol>
+                <a:gridCol w="2032000">
+                  <a:extLst>
+                    <a:ext uri="{9D8B030D-6E8A-4147-A177-3AD203B41FA5}">
+                      <a16:colId xmlns:a16="http://schemas.microsoft.com/office/drawing/2014/main" val="3657889724"/>
+                    </a:ext>
+                  </a:extLst>
+                </a:gridCol>
+                <a:gridCol w="2032000">
+                  <a:extLst>
+                    <a:ext uri="{9D8B030D-6E8A-4147-A177-3AD203B41FA5}">
+                      <a16:colId xmlns:a16="http://schemas.microsoft.com/office/drawing/2014/main" val="3609038037"/>
+                    </a:ext>
+                  </a:extLst>
+                </a:gridCol>
+              </a:tblGrid>
+              <a:tr h="370840">
+                <a:tc>
+                  <a:txBody>
+                    <a:bodyPr/>
+                    <a:lstStyle/>
+                    <a:p>
+                      <a:pPr algn="ctr"/>
+                      <a:r>
+                        <a:rPr lang="pt-PT" dirty="0"/>
+                        <a:t>Feature</a:t>
+                      </a:r>
+                      <a:endParaRPr lang="en-GB" dirty="0"/>
+                    </a:p>
+                  </a:txBody>
+                  <a:tcPr/>
+                </a:tc>
+                <a:tc>
+                  <a:txBody>
+                    <a:bodyPr/>
+                    <a:lstStyle/>
+                    <a:p>
+                      <a:pPr algn="ctr"/>
+                      <a:r>
+                        <a:rPr lang="pt-PT" dirty="0"/>
+                        <a:t>Progress (%)</a:t>
+                      </a:r>
+                      <a:endParaRPr lang="en-GB" dirty="0"/>
+                    </a:p>
+                  </a:txBody>
+                  <a:tcPr/>
+                </a:tc>
+                <a:tc>
+                  <a:txBody>
+                    <a:bodyPr/>
+                    <a:lstStyle/>
+                    <a:p>
+                      <a:pPr algn="ctr"/>
+                      <a:r>
+                        <a:rPr lang="pt-PT" sz="1600" dirty="0"/>
+                        <a:t>Time until implementation</a:t>
+                      </a:r>
+                    </a:p>
+                    <a:p>
+                      <a:pPr algn="ctr"/>
+                      <a:r>
+                        <a:rPr lang="en-GB" sz="1600" dirty="0"/>
+                        <a:t>(week)</a:t>
+                      </a:r>
+                    </a:p>
+                  </a:txBody>
+                  <a:tcPr/>
+                </a:tc>
+                <a:tc>
+                  <a:txBody>
+                    <a:bodyPr/>
+                    <a:lstStyle/>
+                    <a:p>
+                      <a:pPr algn="ctr"/>
+                      <a:r>
+                        <a:rPr lang="pt-PT" dirty="0"/>
+                        <a:t>Responsible members</a:t>
+                      </a:r>
+                      <a:endParaRPr lang="en-GB" dirty="0"/>
+                    </a:p>
+                  </a:txBody>
+                  <a:tcPr/>
+                </a:tc>
+                <a:extLst>
+                  <a:ext uri="{0D108BD9-81ED-4DB2-BD59-A6C34878D82A}">
+                    <a16:rowId xmlns:a16="http://schemas.microsoft.com/office/drawing/2014/main" val="1587062829"/>
+                  </a:ext>
+                </a:extLst>
+              </a:tr>
+              <a:tr h="370840">
+                <a:tc>
+                  <a:txBody>
+                    <a:bodyPr/>
+                    <a:lstStyle/>
+                    <a:p>
+                      <a:pPr algn="ctr"/>
+                      <a:r>
+                        <a:rPr lang="en-US" dirty="0"/>
+                        <a:t>Create/ List /Delete Roles</a:t>
+                      </a:r>
+                      <a:endParaRPr lang="en-GB" dirty="0"/>
+                    </a:p>
+                  </a:txBody>
+                  <a:tcPr/>
+                </a:tc>
+                <a:tc>
+                  <a:txBody>
+                    <a:bodyPr/>
+                    <a:lstStyle/>
+                    <a:p>
+                      <a:pPr algn="ctr"/>
+                      <a:r>
+                        <a:rPr lang="pt-PT" dirty="0"/>
+                        <a:t>100</a:t>
+                      </a:r>
+                      <a:endParaRPr lang="en-GB" dirty="0"/>
+                    </a:p>
+                  </a:txBody>
+                  <a:tcPr/>
+                </a:tc>
+                <a:tc>
+                  <a:txBody>
+                    <a:bodyPr/>
+                    <a:lstStyle/>
+                    <a:p>
+                      <a:pPr algn="ctr"/>
+                      <a:r>
+                        <a:rPr lang="pt-PT" dirty="0"/>
+                        <a:t>26/04 – 02/05</a:t>
+                      </a:r>
+                      <a:endParaRPr lang="en-GB" dirty="0"/>
+                    </a:p>
+                  </a:txBody>
+                  <a:tcPr/>
+                </a:tc>
+                <a:tc>
+                  <a:txBody>
+                    <a:bodyPr/>
+                    <a:lstStyle/>
+                    <a:p>
+                      <a:pPr algn="ctr"/>
+                      <a:r>
+                        <a:rPr lang="pt-PT" dirty="0"/>
+                        <a:t> Fabio</a:t>
+                      </a:r>
+                      <a:endParaRPr lang="en-GB" dirty="0"/>
+                    </a:p>
+                  </a:txBody>
+                  <a:tcPr/>
+                </a:tc>
+                <a:extLst>
+                  <a:ext uri="{0D108BD9-81ED-4DB2-BD59-A6C34878D82A}">
+                    <a16:rowId xmlns:a16="http://schemas.microsoft.com/office/drawing/2014/main" val="385277236"/>
+                  </a:ext>
+                </a:extLst>
+              </a:tr>
+              <a:tr h="370840">
+                <a:tc>
+                  <a:txBody>
+                    <a:bodyPr/>
+                    <a:lstStyle/>
+                    <a:p>
+                      <a:pPr algn="ctr"/>
+                      <a:r>
+                        <a:rPr lang="pt-PT" dirty="0"/>
+                        <a:t>Manage access through Roles</a:t>
+                      </a:r>
+                      <a:endParaRPr lang="en-GB" dirty="0"/>
+                    </a:p>
+                  </a:txBody>
+                  <a:tcPr/>
+                </a:tc>
+                <a:tc>
+                  <a:txBody>
+                    <a:bodyPr/>
+                    <a:lstStyle/>
+                    <a:p>
+                      <a:pPr algn="ctr"/>
+                      <a:r>
+                        <a:rPr lang="pt-PT" dirty="0"/>
+                        <a:t>100</a:t>
+                      </a:r>
+                      <a:endParaRPr lang="en-GB" dirty="0"/>
+                    </a:p>
+                  </a:txBody>
+                  <a:tcPr/>
+                </a:tc>
+                <a:tc>
+                  <a:txBody>
+                    <a:bodyPr/>
+                    <a:lstStyle/>
+                    <a:p>
+                      <a:pPr algn="ctr"/>
+                      <a:r>
+                        <a:rPr lang="pt-PT" dirty="0"/>
+                        <a:t>26/04 – 02/05</a:t>
+                      </a:r>
+                      <a:endParaRPr lang="en-GB" dirty="0"/>
+                    </a:p>
+                  </a:txBody>
+                  <a:tcPr/>
+                </a:tc>
+                <a:tc>
+                  <a:txBody>
+                    <a:bodyPr/>
+                    <a:lstStyle/>
+                    <a:p>
+                      <a:pPr algn="ctr"/>
+                      <a:r>
+                        <a:rPr lang="pt-PT" dirty="0"/>
+                        <a:t>Fabio</a:t>
+                      </a:r>
+                      <a:endParaRPr lang="en-GB" dirty="0"/>
+                    </a:p>
+                  </a:txBody>
+                  <a:tcPr/>
+                </a:tc>
+                <a:extLst>
+                  <a:ext uri="{0D108BD9-81ED-4DB2-BD59-A6C34878D82A}">
+                    <a16:rowId xmlns:a16="http://schemas.microsoft.com/office/drawing/2014/main" val="2140165639"/>
+                  </a:ext>
+                </a:extLst>
+              </a:tr>
+              <a:tr h="370840">
+                <a:tc>
+                  <a:txBody>
+                    <a:bodyPr/>
+                    <a:lstStyle/>
+                    <a:p>
+                      <a:pPr algn="ctr"/>
+                      <a:r>
+                        <a:rPr lang="en-GB" dirty="0"/>
+                        <a:t>Register*/Login</a:t>
+                      </a:r>
+                    </a:p>
+                  </a:txBody>
+                  <a:tcPr/>
+                </a:tc>
+                <a:tc>
+                  <a:txBody>
+                    <a:bodyPr/>
+                    <a:lstStyle/>
+                    <a:p>
+                      <a:pPr algn="ctr"/>
+                      <a:r>
+                        <a:rPr lang="en-GB" dirty="0"/>
+                        <a:t>100</a:t>
+                      </a:r>
+                    </a:p>
+                  </a:txBody>
+                  <a:tcPr/>
+                </a:tc>
+                <a:tc>
+                  <a:txBody>
+                    <a:bodyPr/>
+                    <a:lstStyle/>
+                    <a:p>
+                      <a:pPr algn="ctr"/>
+                      <a:r>
+                        <a:rPr lang="pt-PT" dirty="0"/>
+                        <a:t>0</a:t>
+                      </a:r>
+                      <a:r>
+                        <a:rPr lang="en-GB" dirty="0"/>
+                        <a:t>3/05 – 09/05</a:t>
+                      </a:r>
+                    </a:p>
+                  </a:txBody>
+                  <a:tcPr/>
+                </a:tc>
+                <a:tc>
+                  <a:txBody>
+                    <a:bodyPr/>
+                    <a:lstStyle/>
+                    <a:p>
+                      <a:pPr algn="ctr"/>
+                      <a:r>
+                        <a:rPr lang="pt-PT" dirty="0"/>
+                        <a:t>Pedro</a:t>
+                      </a:r>
+                      <a:endParaRPr lang="en-GB" dirty="0"/>
+                    </a:p>
+                  </a:txBody>
+                  <a:tcPr/>
+                </a:tc>
+                <a:extLst>
+                  <a:ext uri="{0D108BD9-81ED-4DB2-BD59-A6C34878D82A}">
+                    <a16:rowId xmlns:a16="http://schemas.microsoft.com/office/drawing/2014/main" val="3309412754"/>
+                  </a:ext>
+                </a:extLst>
+              </a:tr>
+              <a:tr h="370840">
+                <a:tc>
+                  <a:txBody>
+                    <a:bodyPr/>
+                    <a:lstStyle/>
+                    <a:p>
+                      <a:pPr algn="ctr"/>
+                      <a:r>
+                        <a:rPr lang="pt-PT" dirty="0"/>
+                        <a:t>Register/Edit/List Schools</a:t>
+                      </a:r>
+                      <a:endParaRPr lang="en-GB" dirty="0"/>
+                    </a:p>
+                  </a:txBody>
+                  <a:tcPr/>
+                </a:tc>
+                <a:tc>
+                  <a:txBody>
+                    <a:bodyPr/>
+                    <a:lstStyle/>
+                    <a:p>
+                      <a:pPr algn="ctr"/>
+                      <a:r>
+                        <a:rPr lang="pt-PT" dirty="0"/>
+                        <a:t>100</a:t>
+                      </a:r>
+                    </a:p>
+                  </a:txBody>
+                  <a:tcPr/>
+                </a:tc>
+                <a:tc>
+                  <a:txBody>
+                    <a:bodyPr/>
+                    <a:lstStyle/>
+                    <a:p>
+                      <a:pPr algn="ctr"/>
+                      <a:r>
+                        <a:rPr lang="pt-PT" dirty="0"/>
+                        <a:t>03/05 – 09/05</a:t>
+                      </a:r>
+                      <a:endParaRPr lang="en-GB" dirty="0"/>
+                    </a:p>
+                  </a:txBody>
+                  <a:tcPr/>
+                </a:tc>
+                <a:tc>
+                  <a:txBody>
+                    <a:bodyPr/>
+                    <a:lstStyle/>
+                    <a:p>
+                      <a:pPr algn="ctr"/>
+                      <a:r>
+                        <a:rPr lang="pt-PT" dirty="0"/>
+                        <a:t>Maria</a:t>
+                      </a:r>
+                      <a:endParaRPr lang="en-GB" dirty="0"/>
+                    </a:p>
+                  </a:txBody>
+                  <a:tcPr/>
+                </a:tc>
+                <a:extLst>
+                  <a:ext uri="{0D108BD9-81ED-4DB2-BD59-A6C34878D82A}">
+                    <a16:rowId xmlns:a16="http://schemas.microsoft.com/office/drawing/2014/main" val="784145136"/>
+                  </a:ext>
+                </a:extLst>
+              </a:tr>
+              <a:tr h="370840">
+                <a:tc>
+                  <a:txBody>
+                    <a:bodyPr/>
+                    <a:lstStyle/>
+                    <a:p>
+                      <a:pPr algn="ctr"/>
+                      <a:r>
+                        <a:rPr lang="pt-PT" dirty="0"/>
+                        <a:t>Create/Edit/List</a:t>
+                      </a:r>
+                    </a:p>
+                    <a:p>
+                      <a:pPr algn="ctr"/>
+                      <a:r>
+                        <a:rPr lang="pt-PT" dirty="0"/>
+                        <a:t>Training Games</a:t>
+                      </a:r>
+                      <a:endParaRPr lang="en-GB" dirty="0"/>
+                    </a:p>
+                  </a:txBody>
+                  <a:tcPr/>
+                </a:tc>
+                <a:tc>
+                  <a:txBody>
+                    <a:bodyPr/>
+                    <a:lstStyle/>
+                    <a:p>
+                      <a:pPr algn="ctr"/>
+                      <a:r>
+                        <a:rPr lang="pt-PT" dirty="0"/>
+                        <a:t>100</a:t>
+                      </a:r>
+                    </a:p>
+                  </a:txBody>
+                  <a:tcPr/>
+                </a:tc>
+                <a:tc>
+                  <a:txBody>
+                    <a:bodyPr/>
+                    <a:lstStyle/>
+                    <a:p>
+                      <a:pPr algn="ctr"/>
+                      <a:r>
+                        <a:rPr lang="pt-PT" dirty="0"/>
+                        <a:t>03/05 – 09/05</a:t>
+                      </a:r>
+                      <a:endParaRPr lang="en-GB" dirty="0"/>
+                    </a:p>
+                  </a:txBody>
+                  <a:tcPr/>
+                </a:tc>
+                <a:tc>
+                  <a:txBody>
+                    <a:bodyPr/>
+                    <a:lstStyle/>
+                    <a:p>
+                      <a:pPr algn="ctr"/>
+                      <a:r>
+                        <a:rPr lang="pt-PT" dirty="0"/>
+                        <a:t>Diogo, Pedro</a:t>
+                      </a:r>
+                      <a:endParaRPr lang="en-GB" dirty="0"/>
+                    </a:p>
+                  </a:txBody>
+                  <a:tcPr/>
+                </a:tc>
+                <a:extLst>
+                  <a:ext uri="{0D108BD9-81ED-4DB2-BD59-A6C34878D82A}">
+                    <a16:rowId xmlns:a16="http://schemas.microsoft.com/office/drawing/2014/main" val="2768611862"/>
+                  </a:ext>
+                </a:extLst>
+              </a:tr>
+              <a:tr h="370840">
+                <a:tc>
+                  <a:txBody>
+                    <a:bodyPr/>
+                    <a:lstStyle/>
+                    <a:p>
+                      <a:pPr algn="ctr"/>
+                      <a:r>
+                        <a:rPr lang="pt-PT" dirty="0"/>
+                        <a:t>Create/Edit/List Competitions</a:t>
+                      </a:r>
+                      <a:endParaRPr lang="en-GB" dirty="0"/>
+                    </a:p>
+                  </a:txBody>
+                  <a:tcPr/>
+                </a:tc>
+                <a:tc>
+                  <a:txBody>
+                    <a:bodyPr/>
+                    <a:lstStyle/>
+                    <a:p>
+                      <a:pPr algn="ctr"/>
+                      <a:r>
+                        <a:rPr lang="pt-PT" dirty="0"/>
+                        <a:t>100</a:t>
+                      </a:r>
+                    </a:p>
+                  </a:txBody>
+                  <a:tcPr/>
+                </a:tc>
+                <a:tc>
+                  <a:txBody>
+                    <a:bodyPr/>
+                    <a:lstStyle/>
+                    <a:p>
+                      <a:pPr algn="ctr"/>
+                      <a:r>
+                        <a:rPr lang="pt-PT" dirty="0"/>
+                        <a:t>03/05 – 16/05</a:t>
+                      </a:r>
+                      <a:endParaRPr lang="en-GB" dirty="0"/>
+                    </a:p>
+                  </a:txBody>
+                  <a:tcPr/>
+                </a:tc>
+                <a:tc>
+                  <a:txBody>
+                    <a:bodyPr/>
+                    <a:lstStyle/>
+                    <a:p>
+                      <a:pPr algn="ctr"/>
+                      <a:r>
+                        <a:rPr lang="pt-PT" dirty="0"/>
+                        <a:t>Luis, Pedro</a:t>
+                      </a:r>
+                      <a:endParaRPr lang="en-GB" dirty="0"/>
+                    </a:p>
+                  </a:txBody>
+                  <a:tcPr/>
+                </a:tc>
+                <a:extLst>
+                  <a:ext uri="{0D108BD9-81ED-4DB2-BD59-A6C34878D82A}">
+                    <a16:rowId xmlns:a16="http://schemas.microsoft.com/office/drawing/2014/main" val="2908153542"/>
+                  </a:ext>
+                </a:extLst>
+              </a:tr>
+            </a:tbl>
+          </a:graphicData>
+        </a:graphic>
+      </p:graphicFrame>
+      <p:sp>
+        <p:nvSpPr>
+          <p:cNvPr id="7" name="Slide Number Placeholder 5">
+            <a:extLst>
+              <a:ext uri="{FF2B5EF4-FFF2-40B4-BE49-F238E27FC236}">
+                <a16:creationId xmlns:a16="http://schemas.microsoft.com/office/drawing/2014/main" id="{1320BE0F-4ED2-4DF9-800D-7F7AA75927CB}"/>
+              </a:ext>
+            </a:extLst>
+          </p:cNvPr>
+          <p:cNvSpPr txBox="1">
+            <a:spLocks/>
+          </p:cNvSpPr>
+          <p:nvPr/>
+        </p:nvSpPr>
+        <p:spPr>
+          <a:xfrm>
+            <a:off x="11508661" y="6492875"/>
+            <a:ext cx="683339" cy="365125"/>
+          </a:xfrm>
+          <a:prstGeom prst="rect">
+            <a:avLst/>
+          </a:prstGeom>
+        </p:spPr>
+        <p:txBody>
+          <a:bodyPr vert="horz" lIns="91440" tIns="45720" rIns="91440" bIns="45720" rtlCol="0" anchor="ctr"/>
+          <a:lstStyle>
+            <a:defPPr>
+              <a:defRPr lang="en-US"/>
+            </a:defPPr>
+            <a:lvl1pPr marL="0" algn="r" defTabSz="457200" rtl="0" eaLnBrk="1" latinLnBrk="0" hangingPunct="1">
+              <a:defRPr sz="900" kern="1200">
+                <a:solidFill>
+                  <a:schemeClr val="accent1"/>
+                </a:solidFill>
+                <a:latin typeface="+mn-lt"/>
+                <a:ea typeface="+mn-ea"/>
+                <a:cs typeface="+mn-cs"/>
+              </a:defRPr>
+            </a:lvl1pPr>
+            <a:lvl2pPr marL="457200" algn="l" defTabSz="457200" rtl="0" eaLnBrk="1" latinLnBrk="0" hangingPunct="1">
+              <a:defRPr sz="1800" kern="1200">
+                <a:solidFill>
+                  <a:schemeClr val="tx1"/>
+                </a:solidFill>
+                <a:latin typeface="+mn-lt"/>
+                <a:ea typeface="+mn-ea"/>
+                <a:cs typeface="+mn-cs"/>
+              </a:defRPr>
+            </a:lvl2pPr>
+            <a:lvl3pPr marL="914400" algn="l" defTabSz="457200" rtl="0" eaLnBrk="1" latinLnBrk="0" hangingPunct="1">
+              <a:defRPr sz="1800" kern="1200">
+                <a:solidFill>
+                  <a:schemeClr val="tx1"/>
+                </a:solidFill>
+                <a:latin typeface="+mn-lt"/>
+                <a:ea typeface="+mn-ea"/>
+                <a:cs typeface="+mn-cs"/>
+              </a:defRPr>
+            </a:lvl3pPr>
+            <a:lvl4pPr marL="1371600" algn="l" defTabSz="457200" rtl="0" eaLnBrk="1" latinLnBrk="0" hangingPunct="1">
+              <a:defRPr sz="1800" kern="1200">
+                <a:solidFill>
+                  <a:schemeClr val="tx1"/>
+                </a:solidFill>
+                <a:latin typeface="+mn-lt"/>
+                <a:ea typeface="+mn-ea"/>
+                <a:cs typeface="+mn-cs"/>
+              </a:defRPr>
+            </a:lvl4pPr>
+            <a:lvl5pPr marL="1828800" algn="l" defTabSz="457200" rtl="0" eaLnBrk="1" latinLnBrk="0" hangingPunct="1">
+              <a:defRPr sz="1800" kern="1200">
+                <a:solidFill>
+                  <a:schemeClr val="tx1"/>
+                </a:solidFill>
+                <a:latin typeface="+mn-lt"/>
+                <a:ea typeface="+mn-ea"/>
+                <a:cs typeface="+mn-cs"/>
+              </a:defRPr>
+            </a:lvl5pPr>
+            <a:lvl6pPr marL="2286000" algn="l" defTabSz="457200" rtl="0" eaLnBrk="1" latinLnBrk="0" hangingPunct="1">
+              <a:defRPr sz="1800" kern="1200">
+                <a:solidFill>
+                  <a:schemeClr val="tx1"/>
+                </a:solidFill>
+                <a:latin typeface="+mn-lt"/>
+                <a:ea typeface="+mn-ea"/>
+                <a:cs typeface="+mn-cs"/>
+              </a:defRPr>
+            </a:lvl6pPr>
+            <a:lvl7pPr marL="2743200" algn="l" defTabSz="457200" rtl="0" eaLnBrk="1" latinLnBrk="0" hangingPunct="1">
+              <a:defRPr sz="1800" kern="1200">
+                <a:solidFill>
+                  <a:schemeClr val="tx1"/>
+                </a:solidFill>
+                <a:latin typeface="+mn-lt"/>
+                <a:ea typeface="+mn-ea"/>
+                <a:cs typeface="+mn-cs"/>
+              </a:defRPr>
+            </a:lvl7pPr>
+            <a:lvl8pPr marL="3200400" algn="l" defTabSz="457200" rtl="0" eaLnBrk="1" latinLnBrk="0" hangingPunct="1">
+              <a:defRPr sz="1800" kern="1200">
+                <a:solidFill>
+                  <a:schemeClr val="tx1"/>
+                </a:solidFill>
+                <a:latin typeface="+mn-lt"/>
+                <a:ea typeface="+mn-ea"/>
+                <a:cs typeface="+mn-cs"/>
+              </a:defRPr>
+            </a:lvl8pPr>
+            <a:lvl9pPr marL="3657600" algn="l" defTabSz="457200" rtl="0" eaLnBrk="1" latinLnBrk="0" hangingPunct="1">
+              <a:defRPr sz="1800" kern="1200">
+                <a:solidFill>
+                  <a:schemeClr val="tx1"/>
+                </a:solidFill>
+                <a:latin typeface="+mn-lt"/>
+                <a:ea typeface="+mn-ea"/>
+                <a:cs typeface="+mn-cs"/>
+              </a:defRPr>
+            </a:lvl9pPr>
+          </a:lstStyle>
+          <a:p>
+            <a:fld id="{34B7E4EF-A1BD-40F4-AB7B-04F084DD991D}" type="slidenum">
+              <a:rPr lang="en-US" sz="2000" smtClean="0">
+                <a:solidFill>
+                  <a:schemeClr val="bg1"/>
+                </a:solidFill>
+              </a:rPr>
+              <a:pPr/>
+              <a:t>2</a:t>
+            </a:fld>
+            <a:endParaRPr lang="en-US" sz="2000" dirty="0">
+              <a:solidFill>
+                <a:schemeClr val="bg1"/>
+              </a:solidFill>
+            </a:endParaRPr>
+          </a:p>
+        </p:txBody>
+      </p:sp>
+    </p:spTree>
+    <p:extLst>
+      <p:ext uri="{BB962C8B-B14F-4D97-AF65-F5344CB8AC3E}">
+        <p14:creationId xmlns:p14="http://schemas.microsoft.com/office/powerpoint/2010/main" val="1125755975"/>
+      </p:ext>
+    </p:extLst>
+  </p:cSld>
+  <p:clrMapOvr>
+    <a:masterClrMapping/>
+  </p:clrMapOvr>
+</p:sld>
+</file>
+
+<file path=ppt/slides/slide3.xml><?xml version="1.0" encoding="utf-8"?>
+<p:sld xmlns:a="http://schemas.openxmlformats.org/drawingml/2006/main" xmlns:r="http://schemas.openxmlformats.org/officeDocument/2006/relationships" xmlns:p="http://schemas.openxmlformats.org/presentationml/2006/main">
+  <p:cSld>
+    <p:spTree>
+      <p:nvGrpSpPr>
+        <p:cNvPr id="1" name=""/>
+        <p:cNvGrpSpPr/>
+        <p:nvPr/>
+      </p:nvGrpSpPr>
+      <p:grpSpPr>
+        <a:xfrm>
+          <a:off x="0" y="0"/>
+          <a:ext cx="0" cy="0"/>
+          <a:chOff x="0" y="0"/>
+          <a:chExt cx="0" cy="0"/>
+        </a:xfrm>
+      </p:grpSpPr>
+      <p:sp>
+        <p:nvSpPr>
+          <p:cNvPr id="2" name="Title 1">
+            <a:extLst>
+              <a:ext uri="{FF2B5EF4-FFF2-40B4-BE49-F238E27FC236}">
+                <a16:creationId xmlns:a16="http://schemas.microsoft.com/office/drawing/2014/main" id="{9440C020-4DE9-472F-8CFF-8A07F3AD3D64}"/>
+              </a:ext>
+            </a:extLst>
+          </p:cNvPr>
+          <p:cNvSpPr>
+            <a:spLocks noGrp="1"/>
+          </p:cNvSpPr>
+          <p:nvPr>
+            <p:ph type="title"/>
+          </p:nvPr>
+        </p:nvSpPr>
+        <p:spPr>
+          <a:xfrm>
+            <a:off x="560773" y="358017"/>
+            <a:ext cx="10058400" cy="1371600"/>
+          </a:xfrm>
+        </p:spPr>
+        <p:txBody>
+          <a:bodyPr/>
+          <a:lstStyle/>
+          <a:p>
+            <a:r>
+              <a:rPr lang="pt-PT" b="1" dirty="0"/>
+              <a:t>Plan</a:t>
+            </a:r>
+            <a:endParaRPr lang="en-GB" b="1" dirty="0"/>
+          </a:p>
+        </p:txBody>
+      </p:sp>
+      <p:sp>
+        <p:nvSpPr>
+          <p:cNvPr id="6" name="Slide Number Placeholder 5">
+            <a:extLst>
+              <a:ext uri="{FF2B5EF4-FFF2-40B4-BE49-F238E27FC236}">
+                <a16:creationId xmlns:a16="http://schemas.microsoft.com/office/drawing/2014/main" id="{093ACF8D-E1CC-471F-8951-1084A22E059C}"/>
+              </a:ext>
+            </a:extLst>
+          </p:cNvPr>
+          <p:cNvSpPr>
+            <a:spLocks noGrp="1"/>
+          </p:cNvSpPr>
+          <p:nvPr>
+            <p:ph type="sldNum" sz="quarter" idx="12"/>
+          </p:nvPr>
+        </p:nvSpPr>
+        <p:spPr>
+          <a:xfrm>
+            <a:off x="11508661" y="6492875"/>
+            <a:ext cx="683339" cy="365125"/>
+          </a:xfrm>
+        </p:spPr>
+        <p:txBody>
+          <a:bodyPr/>
+          <a:lstStyle/>
+          <a:p>
+            <a:fld id="{34B7E4EF-A1BD-40F4-AB7B-04F084DD991D}" type="slidenum">
+              <a:rPr lang="en-US" sz="2000" smtClean="0">
+                <a:solidFill>
+                  <a:schemeClr val="bg1"/>
+                </a:solidFill>
+              </a:rPr>
+              <a:t>3</a:t>
+            </a:fld>
+            <a:endParaRPr lang="en-US" sz="2000" dirty="0">
+              <a:solidFill>
+                <a:schemeClr val="bg1"/>
+              </a:solidFill>
+            </a:endParaRPr>
+          </a:p>
+        </p:txBody>
+      </p:sp>
+      <p:graphicFrame>
+        <p:nvGraphicFramePr>
+          <p:cNvPr id="4" name="Table 4">
+            <a:extLst>
+              <a:ext uri="{FF2B5EF4-FFF2-40B4-BE49-F238E27FC236}">
+                <a16:creationId xmlns:a16="http://schemas.microsoft.com/office/drawing/2014/main" id="{2AA371E5-E722-4B11-86DF-3AD60B6D9C6A}"/>
+              </a:ext>
+            </a:extLst>
+          </p:cNvPr>
+          <p:cNvGraphicFramePr>
+            <a:graphicFrameLocks noGrp="1"/>
+          </p:cNvGraphicFramePr>
+          <p:nvPr>
+            <p:extLst>
+              <p:ext uri="{D42A27DB-BD31-4B8C-83A1-F6EECF244321}">
+                <p14:modId xmlns:p14="http://schemas.microsoft.com/office/powerpoint/2010/main" val="3744423622"/>
+              </p:ext>
+            </p:extLst>
+          </p:nvPr>
+        </p:nvGraphicFramePr>
+        <p:xfrm>
+          <a:off x="1155866" y="1281084"/>
+          <a:ext cx="8118136" cy="3931920"/>
+        </p:xfrm>
+        <a:graphic>
+          <a:graphicData uri="http://schemas.openxmlformats.org/drawingml/2006/table">
+            <a:tbl>
+              <a:tblPr firstRow="1" bandRow="1">
+                <a:effectLst>
+                  <a:outerShdw blurRad="50800" dist="38100" dir="2700000" algn="tl" rotWithShape="0">
+                    <a:prstClr val="black">
+                      <a:alpha val="40000"/>
+                    </a:prstClr>
+                  </a:outerShdw>
+                </a:effectLst>
+                <a:tableStyleId>{5C22544A-7EE6-4342-B048-85BDC9FD1C3A}</a:tableStyleId>
+              </a:tblPr>
+              <a:tblGrid>
+                <a:gridCol w="2022136">
+                  <a:extLst>
+                    <a:ext uri="{9D8B030D-6E8A-4147-A177-3AD203B41FA5}">
+                      <a16:colId xmlns:a16="http://schemas.microsoft.com/office/drawing/2014/main" val="2989444139"/>
+                    </a:ext>
+                  </a:extLst>
+                </a:gridCol>
+                <a:gridCol w="2032000">
+                  <a:extLst>
+                    <a:ext uri="{9D8B030D-6E8A-4147-A177-3AD203B41FA5}">
+                      <a16:colId xmlns:a16="http://schemas.microsoft.com/office/drawing/2014/main" val="363588773"/>
+                    </a:ext>
+                  </a:extLst>
+                </a:gridCol>
+                <a:gridCol w="2032000">
+                  <a:extLst>
+                    <a:ext uri="{9D8B030D-6E8A-4147-A177-3AD203B41FA5}">
+                      <a16:colId xmlns:a16="http://schemas.microsoft.com/office/drawing/2014/main" val="3657889724"/>
+                    </a:ext>
+                  </a:extLst>
+                </a:gridCol>
+                <a:gridCol w="2032000">
+                  <a:extLst>
+                    <a:ext uri="{9D8B030D-6E8A-4147-A177-3AD203B41FA5}">
+                      <a16:colId xmlns:a16="http://schemas.microsoft.com/office/drawing/2014/main" val="3609038037"/>
+                    </a:ext>
+                  </a:extLst>
+                </a:gridCol>
+              </a:tblGrid>
+              <a:tr h="318462">
+                <a:tc>
+                  <a:txBody>
+                    <a:bodyPr/>
+                    <a:lstStyle/>
+                    <a:p>
+                      <a:pPr algn="ctr"/>
+                      <a:r>
+                        <a:rPr lang="pt-PT" dirty="0"/>
+                        <a:t>Feature</a:t>
+                      </a:r>
+                      <a:endParaRPr lang="en-GB" dirty="0"/>
+                    </a:p>
+                  </a:txBody>
+                  <a:tcPr/>
+                </a:tc>
+                <a:tc>
+                  <a:txBody>
+                    <a:bodyPr/>
+                    <a:lstStyle/>
+                    <a:p>
+                      <a:pPr algn="ctr"/>
+                      <a:r>
+                        <a:rPr lang="pt-PT" dirty="0"/>
+                        <a:t>Progress (%)</a:t>
+                      </a:r>
+                      <a:endParaRPr lang="en-GB" dirty="0"/>
+                    </a:p>
+                  </a:txBody>
+                  <a:tcPr/>
+                </a:tc>
+                <a:tc>
+                  <a:txBody>
+                    <a:bodyPr/>
+                    <a:lstStyle/>
+                    <a:p>
+                      <a:pPr algn="ctr"/>
+                      <a:r>
+                        <a:rPr lang="pt-PT" sz="1600" dirty="0"/>
+                        <a:t>Time until implementation</a:t>
+                      </a:r>
+                    </a:p>
+                    <a:p>
+                      <a:pPr algn="ctr"/>
+                      <a:r>
+                        <a:rPr lang="en-GB" sz="1600" dirty="0"/>
+                        <a:t>(weeks)</a:t>
+                      </a:r>
+                    </a:p>
+                  </a:txBody>
+                  <a:tcPr/>
+                </a:tc>
+                <a:tc>
+                  <a:txBody>
+                    <a:bodyPr/>
+                    <a:lstStyle/>
+                    <a:p>
+                      <a:pPr algn="ctr"/>
+                      <a:r>
+                        <a:rPr lang="pt-PT" dirty="0"/>
+                        <a:t>Responsible members</a:t>
+                      </a:r>
+                      <a:endParaRPr lang="en-GB" dirty="0"/>
+                    </a:p>
+                  </a:txBody>
+                  <a:tcPr/>
+                </a:tc>
+                <a:extLst>
+                  <a:ext uri="{0D108BD9-81ED-4DB2-BD59-A6C34878D82A}">
+                    <a16:rowId xmlns:a16="http://schemas.microsoft.com/office/drawing/2014/main" val="1587062829"/>
+                  </a:ext>
+                </a:extLst>
+              </a:tr>
+              <a:tr h="370840">
+                <a:tc>
+                  <a:txBody>
+                    <a:bodyPr/>
+                    <a:lstStyle/>
+                    <a:p>
+                      <a:pPr algn="ctr"/>
+                      <a:r>
+                        <a:rPr lang="pt-PT" dirty="0"/>
+                        <a:t>Create/List</a:t>
+                      </a:r>
+                    </a:p>
+                    <a:p>
+                      <a:pPr algn="ctr"/>
+                      <a:r>
+                        <a:rPr lang="pt-PT" dirty="0"/>
+                        <a:t>Tests</a:t>
+                      </a:r>
+                      <a:endParaRPr lang="en-GB" dirty="0"/>
+                    </a:p>
+                  </a:txBody>
+                  <a:tcPr/>
+                </a:tc>
+                <a:tc>
+                  <a:txBody>
+                    <a:bodyPr/>
+                    <a:lstStyle/>
+                    <a:p>
+                      <a:pPr algn="ctr"/>
+                      <a:r>
+                        <a:rPr lang="pt-PT" dirty="0"/>
+                        <a:t>100</a:t>
+                      </a:r>
+                    </a:p>
+                  </a:txBody>
+                  <a:tcPr/>
+                </a:tc>
+                <a:tc>
+                  <a:txBody>
+                    <a:bodyPr/>
+                    <a:lstStyle/>
+                    <a:p>
+                      <a:pPr algn="ctr"/>
+                      <a:r>
+                        <a:rPr lang="pt-PT" dirty="0"/>
+                        <a:t>03/05 – 16/05</a:t>
+                      </a:r>
+                      <a:endParaRPr lang="en-GB" dirty="0"/>
+                    </a:p>
+                  </a:txBody>
+                  <a:tcPr/>
+                </a:tc>
+                <a:tc>
+                  <a:txBody>
+                    <a:bodyPr/>
+                    <a:lstStyle/>
+                    <a:p>
+                      <a:pPr algn="ctr"/>
+                      <a:r>
+                        <a:rPr lang="pt-PT" dirty="0"/>
+                        <a:t>Luis, Pedro</a:t>
+                      </a:r>
+                      <a:endParaRPr lang="en-GB" dirty="0"/>
+                    </a:p>
+                  </a:txBody>
+                  <a:tcPr/>
+                </a:tc>
+                <a:extLst>
+                  <a:ext uri="{0D108BD9-81ED-4DB2-BD59-A6C34878D82A}">
+                    <a16:rowId xmlns:a16="http://schemas.microsoft.com/office/drawing/2014/main" val="1373976847"/>
+                  </a:ext>
+                </a:extLst>
+              </a:tr>
+              <a:tr h="370840">
+                <a:tc>
+                  <a:txBody>
+                    <a:bodyPr/>
+                    <a:lstStyle/>
+                    <a:p>
+                      <a:pPr algn="ctr"/>
+                      <a:r>
+                        <a:rPr lang="pt-PT" dirty="0"/>
+                        <a:t>List and Search Users</a:t>
+                      </a:r>
+                      <a:endParaRPr lang="en-GB" dirty="0"/>
+                    </a:p>
+                  </a:txBody>
+                  <a:tcPr/>
+                </a:tc>
+                <a:tc>
+                  <a:txBody>
+                    <a:bodyPr/>
+                    <a:lstStyle/>
+                    <a:p>
+                      <a:pPr algn="ctr"/>
+                      <a:r>
+                        <a:rPr lang="pt-PT" dirty="0"/>
+                        <a:t>100</a:t>
+                      </a:r>
+                    </a:p>
+                  </a:txBody>
+                  <a:tcPr/>
+                </a:tc>
+                <a:tc>
+                  <a:txBody>
+                    <a:bodyPr/>
+                    <a:lstStyle/>
+                    <a:p>
+                      <a:pPr marL="0" marR="0" lvl="0" indent="0" algn="ctr" defTabSz="914400" rtl="0" eaLnBrk="1" fontAlgn="auto" latinLnBrk="0" hangingPunct="1">
+                        <a:lnSpc>
+                          <a:spcPct val="100000"/>
+                        </a:lnSpc>
+                        <a:spcBef>
+                          <a:spcPts val="0"/>
+                        </a:spcBef>
+                        <a:spcAft>
+                          <a:spcPts val="0"/>
+                        </a:spcAft>
+                        <a:buClrTx/>
+                        <a:buSzTx/>
+                        <a:buFontTx/>
+                        <a:buNone/>
+                        <a:tabLst/>
+                        <a:defRPr/>
+                      </a:pPr>
+                      <a:r>
+                        <a:rPr lang="pt-PT" dirty="0"/>
+                        <a:t>03/05 – 16/05</a:t>
+                      </a:r>
+                      <a:endParaRPr lang="en-GB" dirty="0"/>
+                    </a:p>
+                  </a:txBody>
+                  <a:tcPr/>
+                </a:tc>
+                <a:tc>
+                  <a:txBody>
+                    <a:bodyPr/>
+                    <a:lstStyle/>
+                    <a:p>
+                      <a:pPr algn="ctr"/>
+                      <a:r>
+                        <a:rPr lang="pt-PT" dirty="0"/>
+                        <a:t>Diogo</a:t>
+                      </a:r>
+                      <a:endParaRPr lang="en-GB" dirty="0"/>
+                    </a:p>
+                  </a:txBody>
+                  <a:tcPr/>
+                </a:tc>
+                <a:extLst>
+                  <a:ext uri="{0D108BD9-81ED-4DB2-BD59-A6C34878D82A}">
+                    <a16:rowId xmlns:a16="http://schemas.microsoft.com/office/drawing/2014/main" val="3138978490"/>
+                  </a:ext>
+                </a:extLst>
+              </a:tr>
+              <a:tr h="370840">
+                <a:tc>
+                  <a:txBody>
+                    <a:bodyPr/>
+                    <a:lstStyle/>
+                    <a:p>
+                      <a:pPr algn="ctr"/>
+                      <a:r>
+                        <a:rPr lang="en-GB" dirty="0"/>
+                        <a:t>Edit Users and Add/Remove their roles</a:t>
+                      </a:r>
+                    </a:p>
+                  </a:txBody>
+                  <a:tcPr/>
+                </a:tc>
+                <a:tc>
+                  <a:txBody>
+                    <a:bodyPr/>
+                    <a:lstStyle/>
+                    <a:p>
+                      <a:pPr algn="ctr"/>
+                      <a:r>
+                        <a:rPr lang="pt-PT" dirty="0"/>
+                        <a:t>100</a:t>
+                      </a:r>
+                    </a:p>
+                  </a:txBody>
+                  <a:tcPr/>
+                </a:tc>
+                <a:tc>
+                  <a:txBody>
+                    <a:bodyPr/>
+                    <a:lstStyle/>
+                    <a:p>
+                      <a:pPr marL="0" marR="0" lvl="0" indent="0" algn="ctr" defTabSz="914400" rtl="0" eaLnBrk="1" fontAlgn="auto" latinLnBrk="0" hangingPunct="1">
+                        <a:lnSpc>
+                          <a:spcPct val="100000"/>
+                        </a:lnSpc>
+                        <a:spcBef>
+                          <a:spcPts val="0"/>
+                        </a:spcBef>
+                        <a:spcAft>
+                          <a:spcPts val="0"/>
+                        </a:spcAft>
+                        <a:buClrTx/>
+                        <a:buSzTx/>
+                        <a:buFontTx/>
+                        <a:buNone/>
+                        <a:tabLst/>
+                        <a:defRPr/>
+                      </a:pPr>
+                      <a:r>
+                        <a:rPr lang="en-GB" dirty="0"/>
+                        <a:t>03/05 – 16/05</a:t>
+                      </a:r>
+                    </a:p>
+                  </a:txBody>
+                  <a:tcPr/>
+                </a:tc>
+                <a:tc>
+                  <a:txBody>
+                    <a:bodyPr/>
+                    <a:lstStyle/>
+                    <a:p>
+                      <a:pPr algn="ctr"/>
+                      <a:r>
+                        <a:rPr lang="en-GB" dirty="0"/>
+                        <a:t>Fabio</a:t>
+                      </a:r>
+                    </a:p>
+                  </a:txBody>
+                  <a:tcPr/>
+                </a:tc>
+                <a:extLst>
+                  <a:ext uri="{0D108BD9-81ED-4DB2-BD59-A6C34878D82A}">
+                    <a16:rowId xmlns:a16="http://schemas.microsoft.com/office/drawing/2014/main" val="2073879530"/>
+                  </a:ext>
+                </a:extLst>
+              </a:tr>
+              <a:tr h="370840">
+                <a:tc>
+                  <a:txBody>
+                    <a:bodyPr/>
+                    <a:lstStyle/>
+                    <a:p>
+                      <a:pPr algn="ctr"/>
+                      <a:r>
+                        <a:rPr lang="en-GB" dirty="0"/>
+                        <a:t>Show History of schools a User belonged to</a:t>
+                      </a:r>
+                    </a:p>
+                  </a:txBody>
+                  <a:tcPr/>
+                </a:tc>
+                <a:tc>
+                  <a:txBody>
+                    <a:bodyPr/>
+                    <a:lstStyle/>
+                    <a:p>
+                      <a:pPr algn="ctr"/>
+                      <a:r>
+                        <a:rPr lang="pt-PT" dirty="0"/>
+                        <a:t>100</a:t>
+                      </a:r>
+                    </a:p>
+                  </a:txBody>
+                  <a:tcPr/>
+                </a:tc>
+                <a:tc>
+                  <a:txBody>
+                    <a:bodyPr/>
+                    <a:lstStyle/>
+                    <a:p>
+                      <a:pPr marL="0" marR="0" lvl="0" indent="0" algn="ctr" defTabSz="914400" rtl="0" eaLnBrk="1" fontAlgn="auto" latinLnBrk="0" hangingPunct="1">
+                        <a:lnSpc>
+                          <a:spcPct val="100000"/>
+                        </a:lnSpc>
+                        <a:spcBef>
+                          <a:spcPts val="0"/>
+                        </a:spcBef>
+                        <a:spcAft>
+                          <a:spcPts val="0"/>
+                        </a:spcAft>
+                        <a:buClrTx/>
+                        <a:buSzTx/>
+                        <a:buFontTx/>
+                        <a:buNone/>
+                        <a:tabLst/>
+                        <a:defRPr/>
+                      </a:pPr>
+                      <a:r>
+                        <a:rPr lang="en-GB" dirty="0"/>
+                        <a:t>03/05 – 16/05</a:t>
+                      </a:r>
+                    </a:p>
+                    <a:p>
+                      <a:pPr marL="0" marR="0" lvl="0" indent="0" algn="ctr" defTabSz="914400" rtl="0" eaLnBrk="1" fontAlgn="auto" latinLnBrk="0" hangingPunct="1">
+                        <a:lnSpc>
+                          <a:spcPct val="100000"/>
+                        </a:lnSpc>
+                        <a:spcBef>
+                          <a:spcPts val="0"/>
+                        </a:spcBef>
+                        <a:spcAft>
+                          <a:spcPts val="0"/>
+                        </a:spcAft>
+                        <a:buClrTx/>
+                        <a:buSzTx/>
+                        <a:buFontTx/>
+                        <a:buNone/>
+                        <a:tabLst/>
+                        <a:defRPr/>
+                      </a:pPr>
+                      <a:endParaRPr lang="en-GB" dirty="0"/>
+                    </a:p>
+                  </a:txBody>
+                  <a:tcPr/>
+                </a:tc>
+                <a:tc>
+                  <a:txBody>
+                    <a:bodyPr/>
+                    <a:lstStyle/>
+                    <a:p>
+                      <a:pPr algn="ctr"/>
+                      <a:r>
+                        <a:rPr lang="en-GB" dirty="0"/>
+                        <a:t>Fabio</a:t>
+                      </a:r>
+                    </a:p>
+                  </a:txBody>
+                  <a:tcPr/>
+                </a:tc>
+                <a:extLst>
+                  <a:ext uri="{0D108BD9-81ED-4DB2-BD59-A6C34878D82A}">
+                    <a16:rowId xmlns:a16="http://schemas.microsoft.com/office/drawing/2014/main" val="2613799084"/>
+                  </a:ext>
+                </a:extLst>
+              </a:tr>
+            </a:tbl>
+          </a:graphicData>
+        </a:graphic>
+      </p:graphicFrame>
+    </p:spTree>
+    <p:extLst>
+      <p:ext uri="{BB962C8B-B14F-4D97-AF65-F5344CB8AC3E}">
+        <p14:creationId xmlns:p14="http://schemas.microsoft.com/office/powerpoint/2010/main" val="3573623762"/>
+      </p:ext>
+    </p:extLst>
+  </p:cSld>
+  <p:clrMapOvr>
+    <a:masterClrMapping/>
+  </p:clrMapOvr>
+</p:sld>
+</file>
+
+<file path=ppt/slides/slide4.xml><?xml version="1.0" encoding="utf-8"?>
+<p:sld xmlns:a="http://schemas.openxmlformats.org/drawingml/2006/main" xmlns:r="http://schemas.openxmlformats.org/officeDocument/2006/relationships" xmlns:p="http://schemas.openxmlformats.org/presentationml/2006/main">
+  <p:cSld>
+    <p:spTree>
+      <p:nvGrpSpPr>
+        <p:cNvPr id="1" name=""/>
+        <p:cNvGrpSpPr/>
+        <p:nvPr/>
+      </p:nvGrpSpPr>
+      <p:grpSpPr>
+        <a:xfrm>
+          <a:off x="0" y="0"/>
+          <a:ext cx="0" cy="0"/>
+          <a:chOff x="0" y="0"/>
+          <a:chExt cx="0" cy="0"/>
+        </a:xfrm>
+      </p:grpSpPr>
+      <p:sp>
+        <p:nvSpPr>
+          <p:cNvPr id="2" name="Title 1">
+            <a:extLst>
+              <a:ext uri="{FF2B5EF4-FFF2-40B4-BE49-F238E27FC236}">
+                <a16:creationId xmlns:a16="http://schemas.microsoft.com/office/drawing/2014/main" id="{9440C020-4DE9-472F-8CFF-8A07F3AD3D64}"/>
+              </a:ext>
+            </a:extLst>
+          </p:cNvPr>
+          <p:cNvSpPr>
+            <a:spLocks noGrp="1"/>
+          </p:cNvSpPr>
+          <p:nvPr>
+            <p:ph type="title"/>
+          </p:nvPr>
+        </p:nvSpPr>
+        <p:spPr>
+          <a:xfrm>
+            <a:off x="560773" y="358017"/>
+            <a:ext cx="10058400" cy="1371600"/>
+          </a:xfrm>
+        </p:spPr>
+        <p:txBody>
+          <a:bodyPr/>
+          <a:lstStyle/>
+          <a:p>
+            <a:r>
+              <a:rPr lang="pt-PT" b="1" dirty="0"/>
+              <a:t>Plan</a:t>
+            </a:r>
+            <a:endParaRPr lang="en-GB" b="1" dirty="0"/>
+          </a:p>
+        </p:txBody>
+      </p:sp>
+      <p:sp>
+        <p:nvSpPr>
+          <p:cNvPr id="6" name="Slide Number Placeholder 5">
+            <a:extLst>
+              <a:ext uri="{FF2B5EF4-FFF2-40B4-BE49-F238E27FC236}">
+                <a16:creationId xmlns:a16="http://schemas.microsoft.com/office/drawing/2014/main" id="{093ACF8D-E1CC-471F-8951-1084A22E059C}"/>
+              </a:ext>
+            </a:extLst>
+          </p:cNvPr>
+          <p:cNvSpPr>
+            <a:spLocks noGrp="1"/>
+          </p:cNvSpPr>
+          <p:nvPr>
+            <p:ph type="sldNum" sz="quarter" idx="12"/>
+          </p:nvPr>
+        </p:nvSpPr>
+        <p:spPr>
+          <a:xfrm>
+            <a:off x="11508661" y="6492875"/>
+            <a:ext cx="683339" cy="365125"/>
+          </a:xfrm>
+        </p:spPr>
+        <p:txBody>
+          <a:bodyPr/>
+          <a:lstStyle/>
+          <a:p>
+            <a:fld id="{34B7E4EF-A1BD-40F4-AB7B-04F084DD991D}" type="slidenum">
+              <a:rPr lang="en-US" sz="2000" smtClean="0">
+                <a:solidFill>
+                  <a:schemeClr val="bg1"/>
+                </a:solidFill>
+              </a:rPr>
+              <a:t>4</a:t>
+            </a:fld>
+            <a:endParaRPr lang="en-US" sz="2000" dirty="0">
+              <a:solidFill>
+                <a:schemeClr val="bg1"/>
+              </a:solidFill>
+            </a:endParaRPr>
+          </a:p>
+        </p:txBody>
+      </p:sp>
+      <p:graphicFrame>
+        <p:nvGraphicFramePr>
+          <p:cNvPr id="4" name="Table 4">
+            <a:extLst>
+              <a:ext uri="{FF2B5EF4-FFF2-40B4-BE49-F238E27FC236}">
+                <a16:creationId xmlns:a16="http://schemas.microsoft.com/office/drawing/2014/main" id="{2AA371E5-E722-4B11-86DF-3AD60B6D9C6A}"/>
+              </a:ext>
+            </a:extLst>
+          </p:cNvPr>
+          <p:cNvGraphicFramePr>
+            <a:graphicFrameLocks noGrp="1"/>
+          </p:cNvGraphicFramePr>
+          <p:nvPr>
+            <p:extLst>
+              <p:ext uri="{D42A27DB-BD31-4B8C-83A1-F6EECF244321}">
+                <p14:modId xmlns:p14="http://schemas.microsoft.com/office/powerpoint/2010/main" val="3331650364"/>
+              </p:ext>
+            </p:extLst>
+          </p:nvPr>
+        </p:nvGraphicFramePr>
+        <p:xfrm>
+          <a:off x="1155866" y="1281084"/>
+          <a:ext cx="8118136" cy="4206240"/>
+        </p:xfrm>
+        <a:graphic>
+          <a:graphicData uri="http://schemas.openxmlformats.org/drawingml/2006/table">
+            <a:tbl>
+              <a:tblPr firstRow="1" bandRow="1">
+                <a:effectLst>
+                  <a:outerShdw blurRad="50800" dist="38100" dir="2700000" algn="tl" rotWithShape="0">
+                    <a:prstClr val="black">
+                      <a:alpha val="40000"/>
+                    </a:prstClr>
+                  </a:outerShdw>
+                </a:effectLst>
+                <a:tableStyleId>{5C22544A-7EE6-4342-B048-85BDC9FD1C3A}</a:tableStyleId>
+              </a:tblPr>
+              <a:tblGrid>
+                <a:gridCol w="2022136">
+                  <a:extLst>
+                    <a:ext uri="{9D8B030D-6E8A-4147-A177-3AD203B41FA5}">
+                      <a16:colId xmlns:a16="http://schemas.microsoft.com/office/drawing/2014/main" val="2989444139"/>
+                    </a:ext>
+                  </a:extLst>
+                </a:gridCol>
+                <a:gridCol w="2032000">
+                  <a:extLst>
+                    <a:ext uri="{9D8B030D-6E8A-4147-A177-3AD203B41FA5}">
+                      <a16:colId xmlns:a16="http://schemas.microsoft.com/office/drawing/2014/main" val="363588773"/>
+                    </a:ext>
+                  </a:extLst>
+                </a:gridCol>
+                <a:gridCol w="2032000">
+                  <a:extLst>
+                    <a:ext uri="{9D8B030D-6E8A-4147-A177-3AD203B41FA5}">
+                      <a16:colId xmlns:a16="http://schemas.microsoft.com/office/drawing/2014/main" val="3657889724"/>
+                    </a:ext>
+                  </a:extLst>
+                </a:gridCol>
+                <a:gridCol w="2032000">
+                  <a:extLst>
+                    <a:ext uri="{9D8B030D-6E8A-4147-A177-3AD203B41FA5}">
+                      <a16:colId xmlns:a16="http://schemas.microsoft.com/office/drawing/2014/main" val="3609038037"/>
+                    </a:ext>
+                  </a:extLst>
+                </a:gridCol>
+              </a:tblGrid>
+              <a:tr h="318462">
+                <a:tc>
+                  <a:txBody>
+                    <a:bodyPr/>
+                    <a:lstStyle/>
+                    <a:p>
+                      <a:pPr algn="ctr"/>
+                      <a:r>
+                        <a:rPr lang="pt-PT" dirty="0"/>
+                        <a:t>Feature</a:t>
+                      </a:r>
+                      <a:endParaRPr lang="en-GB" dirty="0"/>
+                    </a:p>
+                  </a:txBody>
+                  <a:tcPr/>
+                </a:tc>
+                <a:tc>
+                  <a:txBody>
+                    <a:bodyPr/>
+                    <a:lstStyle/>
+                    <a:p>
+                      <a:pPr algn="ctr"/>
+                      <a:r>
+                        <a:rPr lang="pt-PT" dirty="0"/>
+                        <a:t>Progress (%)</a:t>
+                      </a:r>
+                      <a:endParaRPr lang="en-GB" dirty="0"/>
+                    </a:p>
+                  </a:txBody>
+                  <a:tcPr/>
+                </a:tc>
+                <a:tc>
+                  <a:txBody>
+                    <a:bodyPr/>
+                    <a:lstStyle/>
+                    <a:p>
+                      <a:pPr algn="ctr"/>
+                      <a:r>
+                        <a:rPr lang="pt-PT" sz="1600" dirty="0"/>
+                        <a:t>Time until implementation</a:t>
+                      </a:r>
+                    </a:p>
+                    <a:p>
+                      <a:pPr algn="ctr"/>
+                      <a:r>
+                        <a:rPr lang="en-GB" sz="1600" dirty="0"/>
+                        <a:t>(weeks)</a:t>
+                      </a:r>
+                    </a:p>
+                  </a:txBody>
+                  <a:tcPr/>
+                </a:tc>
+                <a:tc>
+                  <a:txBody>
+                    <a:bodyPr/>
+                    <a:lstStyle/>
+                    <a:p>
+                      <a:pPr algn="ctr"/>
+                      <a:r>
+                        <a:rPr lang="pt-PT" dirty="0"/>
+                        <a:t>Responsible members</a:t>
+                      </a:r>
+                      <a:endParaRPr lang="en-GB" dirty="0"/>
+                    </a:p>
+                  </a:txBody>
+                  <a:tcPr/>
+                </a:tc>
+                <a:extLst>
+                  <a:ext uri="{0D108BD9-81ED-4DB2-BD59-A6C34878D82A}">
+                    <a16:rowId xmlns:a16="http://schemas.microsoft.com/office/drawing/2014/main" val="1587062829"/>
+                  </a:ext>
+                </a:extLst>
+              </a:tr>
+              <a:tr h="370840">
+                <a:tc>
+                  <a:txBody>
+                    <a:bodyPr/>
+                    <a:lstStyle/>
+                    <a:p>
+                      <a:pPr algn="ctr"/>
+                      <a:r>
+                        <a:rPr lang="pt-PT" dirty="0"/>
+                        <a:t>External Authentication</a:t>
+                      </a:r>
+                    </a:p>
+                  </a:txBody>
+                  <a:tcPr/>
+                </a:tc>
+                <a:tc>
+                  <a:txBody>
+                    <a:bodyPr/>
+                    <a:lstStyle/>
+                    <a:p>
+                      <a:pPr algn="ctr"/>
+                      <a:r>
+                        <a:rPr lang="pt-PT" dirty="0"/>
+                        <a:t>~66</a:t>
+                      </a:r>
+                      <a:endParaRPr lang="en-GB" dirty="0"/>
+                    </a:p>
+                  </a:txBody>
+                  <a:tcPr/>
+                </a:tc>
+                <a:tc>
+                  <a:txBody>
+                    <a:bodyPr/>
+                    <a:lstStyle/>
+                    <a:p>
+                      <a:pPr algn="ctr"/>
+                      <a:r>
+                        <a:rPr lang="pt-PT" dirty="0"/>
+                        <a:t>03/05 – 16/05</a:t>
+                      </a:r>
+                      <a:endParaRPr lang="en-GB" dirty="0"/>
+                    </a:p>
+                  </a:txBody>
+                  <a:tcPr/>
+                </a:tc>
+                <a:tc>
+                  <a:txBody>
+                    <a:bodyPr/>
+                    <a:lstStyle/>
+                    <a:p>
+                      <a:pPr algn="ctr"/>
+                      <a:r>
+                        <a:rPr lang="pt-PT" dirty="0"/>
+                        <a:t>Fabio</a:t>
+                      </a:r>
+                      <a:endParaRPr lang="en-GB" dirty="0"/>
+                    </a:p>
+                  </a:txBody>
+                  <a:tcPr/>
+                </a:tc>
+                <a:extLst>
+                  <a:ext uri="{0D108BD9-81ED-4DB2-BD59-A6C34878D82A}">
+                    <a16:rowId xmlns:a16="http://schemas.microsoft.com/office/drawing/2014/main" val="1237313691"/>
+                  </a:ext>
+                </a:extLst>
+              </a:tr>
+              <a:tr h="370840">
+                <a:tc>
+                  <a:txBody>
+                    <a:bodyPr/>
+                    <a:lstStyle/>
+                    <a:p>
+                      <a:pPr algn="ctr"/>
+                      <a:r>
+                        <a:rPr lang="en-GB" dirty="0"/>
+                        <a:t>Associate a teacher/student to a school</a:t>
+                      </a:r>
+                    </a:p>
+                  </a:txBody>
+                  <a:tcPr/>
+                </a:tc>
+                <a:tc>
+                  <a:txBody>
+                    <a:bodyPr/>
+                    <a:lstStyle/>
+                    <a:p>
+                      <a:pPr algn="ctr"/>
+                      <a:endParaRPr lang="pt-PT" dirty="0"/>
+                    </a:p>
+                    <a:p>
+                      <a:pPr algn="ctr"/>
+                      <a:r>
+                        <a:rPr lang="pt-PT" dirty="0"/>
+                        <a:t>100</a:t>
+                      </a:r>
+                    </a:p>
+                  </a:txBody>
+                  <a:tcPr/>
+                </a:tc>
+                <a:tc>
+                  <a:txBody>
+                    <a:bodyPr/>
+                    <a:lstStyle/>
+                    <a:p>
+                      <a:pPr algn="ctr"/>
+                      <a:endParaRPr lang="pt-PT" dirty="0"/>
+                    </a:p>
+                    <a:p>
+                      <a:pPr algn="ctr"/>
+                      <a:r>
+                        <a:rPr lang="en-GB" dirty="0"/>
+                        <a:t>10/05 – 16/05</a:t>
+                      </a:r>
+                    </a:p>
+                  </a:txBody>
+                  <a:tcPr/>
+                </a:tc>
+                <a:tc>
+                  <a:txBody>
+                    <a:bodyPr/>
+                    <a:lstStyle/>
+                    <a:p>
+                      <a:pPr algn="ctr"/>
+                      <a:endParaRPr lang="pt-PT" dirty="0"/>
+                    </a:p>
+                    <a:p>
+                      <a:pPr algn="ctr"/>
+                      <a:r>
+                        <a:rPr lang="en-GB" dirty="0"/>
+                        <a:t>Maria</a:t>
+                      </a:r>
+                    </a:p>
+                  </a:txBody>
+                  <a:tcPr/>
+                </a:tc>
+                <a:extLst>
+                  <a:ext uri="{0D108BD9-81ED-4DB2-BD59-A6C34878D82A}">
+                    <a16:rowId xmlns:a16="http://schemas.microsoft.com/office/drawing/2014/main" val="3542695060"/>
+                  </a:ext>
+                </a:extLst>
+              </a:tr>
+              <a:tr h="370840">
+                <a:tc>
+                  <a:txBody>
+                    <a:bodyPr/>
+                    <a:lstStyle/>
+                    <a:p>
+                      <a:pPr algn="ctr"/>
+                      <a:r>
+                        <a:rPr lang="en-GB" dirty="0"/>
+                        <a:t>List Students and teachers by school</a:t>
+                      </a:r>
+                    </a:p>
+                  </a:txBody>
+                  <a:tcPr/>
+                </a:tc>
+                <a:tc>
+                  <a:txBody>
+                    <a:bodyPr/>
+                    <a:lstStyle/>
+                    <a:p>
+                      <a:pPr algn="ctr"/>
+                      <a:r>
+                        <a:rPr lang="pt-PT" dirty="0"/>
+                        <a:t>100</a:t>
+                      </a:r>
+                      <a:endParaRPr lang="en-GB" dirty="0"/>
+                    </a:p>
+                  </a:txBody>
+                  <a:tcPr/>
+                </a:tc>
+                <a:tc>
+                  <a:txBody>
+                    <a:bodyPr/>
+                    <a:lstStyle/>
+                    <a:p>
+                      <a:pPr algn="ctr"/>
+                      <a:r>
+                        <a:rPr lang="en-GB" sz="1800" b="0" i="0" kern="1200" dirty="0">
+                          <a:solidFill>
+                            <a:schemeClr val="dk1"/>
+                          </a:solidFill>
+                          <a:effectLst/>
+                          <a:latin typeface="+mn-lt"/>
+                          <a:ea typeface="+mn-ea"/>
+                          <a:cs typeface="+mn-cs"/>
+                        </a:rPr>
+                        <a:t>17/05 - 23/05</a:t>
+                      </a:r>
+                      <a:endParaRPr lang="en-GB" dirty="0"/>
+                    </a:p>
+                  </a:txBody>
+                  <a:tcPr/>
+                </a:tc>
+                <a:tc>
+                  <a:txBody>
+                    <a:bodyPr/>
+                    <a:lstStyle/>
+                    <a:p>
+                      <a:pPr algn="ctr"/>
+                      <a:r>
+                        <a:rPr lang="pt-PT" dirty="0"/>
+                        <a:t>Fabio</a:t>
+                      </a:r>
+                      <a:endParaRPr lang="en-GB" dirty="0"/>
+                    </a:p>
+                  </a:txBody>
+                  <a:tcPr/>
+                </a:tc>
+                <a:extLst>
+                  <a:ext uri="{0D108BD9-81ED-4DB2-BD59-A6C34878D82A}">
+                    <a16:rowId xmlns:a16="http://schemas.microsoft.com/office/drawing/2014/main" val="1861145588"/>
+                  </a:ext>
+                </a:extLst>
+              </a:tr>
+              <a:tr h="370840">
+                <a:tc>
+                  <a:txBody>
+                    <a:bodyPr/>
+                    <a:lstStyle/>
+                    <a:p>
+                      <a:pPr algn="ctr"/>
+                      <a:r>
+                        <a:rPr lang="en-GB" dirty="0"/>
+                        <a:t>Generate an HTML of a competition</a:t>
+                      </a:r>
+                    </a:p>
+                  </a:txBody>
+                  <a:tcPr/>
+                </a:tc>
+                <a:tc>
+                  <a:txBody>
+                    <a:bodyPr/>
+                    <a:lstStyle/>
+                    <a:p>
+                      <a:pPr algn="ctr"/>
+                      <a:endParaRPr lang="pt-PT" dirty="0"/>
+                    </a:p>
+                    <a:p>
+                      <a:pPr algn="ctr"/>
+                      <a:r>
+                        <a:rPr lang="pt-PT" dirty="0"/>
+                        <a:t>100</a:t>
+                      </a:r>
+                      <a:endParaRPr lang="en-GB" dirty="0"/>
+                    </a:p>
+                  </a:txBody>
+                  <a:tcPr/>
+                </a:tc>
+                <a:tc>
+                  <a:txBody>
+                    <a:bodyPr/>
+                    <a:lstStyle/>
+                    <a:p>
+                      <a:pPr algn="ctr"/>
+                      <a:endParaRPr lang="pt-PT" dirty="0"/>
+                    </a:p>
+                    <a:p>
+                      <a:pPr algn="ctr"/>
+                      <a:r>
+                        <a:rPr lang="en-GB" dirty="0"/>
+                        <a:t>17/05 – 23/05</a:t>
+                      </a:r>
+                    </a:p>
+                  </a:txBody>
+                  <a:tcPr/>
+                </a:tc>
+                <a:tc>
+                  <a:txBody>
+                    <a:bodyPr/>
+                    <a:lstStyle/>
+                    <a:p>
+                      <a:pPr algn="ctr"/>
+                      <a:endParaRPr lang="pt-PT" dirty="0"/>
+                    </a:p>
+                    <a:p>
+                      <a:pPr algn="ctr"/>
+                      <a:r>
+                        <a:rPr lang="pt-PT" dirty="0"/>
+                        <a:t>Fabio</a:t>
+                      </a:r>
+                      <a:endParaRPr lang="en-GB" dirty="0"/>
+                    </a:p>
+                  </a:txBody>
+                  <a:tcPr/>
+                </a:tc>
+                <a:extLst>
+                  <a:ext uri="{0D108BD9-81ED-4DB2-BD59-A6C34878D82A}">
+                    <a16:rowId xmlns:a16="http://schemas.microsoft.com/office/drawing/2014/main" val="3378147321"/>
+                  </a:ext>
+                </a:extLst>
+              </a:tr>
+            </a:tbl>
+          </a:graphicData>
+        </a:graphic>
+      </p:graphicFrame>
+    </p:spTree>
+    <p:extLst>
+      <p:ext uri="{BB962C8B-B14F-4D97-AF65-F5344CB8AC3E}">
+        <p14:creationId xmlns:p14="http://schemas.microsoft.com/office/powerpoint/2010/main" val="2691641579"/>
+      </p:ext>
+    </p:extLst>
+  </p:cSld>
+  <p:clrMapOvr>
+    <a:masterClrMapping/>
+  </p:clrMapOvr>
+</p:sld>
+</file>
+
+<file path=ppt/slides/slide5.xml><?xml version="1.0" encoding="utf-8"?>
 <p:sld xmlns:a="http://schemas.openxmlformats.org/drawingml/2006/main" xmlns:r="http://schemas.openxmlformats.org/officeDocument/2006/relationships" xmlns:p="http://schemas.openxmlformats.org/presentationml/2006/main">
   <p:cSld>
     <p:spTree>
@@ -7307,2396 +9182,6 @@
                   <a:schemeClr val="bg1"/>
                 </a:solidFill>
               </a:rPr>
-              <a:t>10</a:t>
-            </a:fld>
-            <a:endParaRPr lang="en-US" sz="2000" dirty="0">
-              <a:solidFill>
-                <a:schemeClr val="bg1"/>
-              </a:solidFill>
-            </a:endParaRPr>
-          </a:p>
-        </p:txBody>
-      </p:sp>
-    </p:spTree>
-    <p:extLst>
-      <p:ext uri="{BB962C8B-B14F-4D97-AF65-F5344CB8AC3E}">
-        <p14:creationId xmlns:p14="http://schemas.microsoft.com/office/powerpoint/2010/main" val="2011670256"/>
-      </p:ext>
-    </p:extLst>
-  </p:cSld>
-  <p:clrMapOvr>
-    <a:masterClrMapping/>
-  </p:clrMapOvr>
-</p:sld>
-</file>
-
-<file path=ppt/slides/slide11.xml><?xml version="1.0" encoding="utf-8"?>
-<p:sld xmlns:a="http://schemas.openxmlformats.org/drawingml/2006/main" xmlns:r="http://schemas.openxmlformats.org/officeDocument/2006/relationships" xmlns:p="http://schemas.openxmlformats.org/presentationml/2006/main">
-  <p:cSld>
-    <p:bg>
-      <p:bgPr>
-        <a:solidFill>
-          <a:schemeClr val="bg1"/>
-        </a:solidFill>
-        <a:effectLst/>
-      </p:bgPr>
-    </p:bg>
-    <p:spTree>
-      <p:nvGrpSpPr>
-        <p:cNvPr id="1" name=""/>
-        <p:cNvGrpSpPr/>
-        <p:nvPr/>
-      </p:nvGrpSpPr>
-      <p:grpSpPr>
-        <a:xfrm>
-          <a:off x="0" y="0"/>
-          <a:ext cx="0" cy="0"/>
-          <a:chOff x="0" y="0"/>
-          <a:chExt cx="0" cy="0"/>
-        </a:xfrm>
-      </p:grpSpPr>
-      <p:sp>
-        <p:nvSpPr>
-          <p:cNvPr id="2" name="Title 1">
-            <a:extLst>
-              <a:ext uri="{FF2B5EF4-FFF2-40B4-BE49-F238E27FC236}">
-                <a16:creationId xmlns:a16="http://schemas.microsoft.com/office/drawing/2014/main" id="{7A4919D0-F177-4BBA-9A0B-DBA69E2ED764}"/>
-              </a:ext>
-            </a:extLst>
-          </p:cNvPr>
-          <p:cNvSpPr>
-            <a:spLocks noGrp="1"/>
-          </p:cNvSpPr>
-          <p:nvPr>
-            <p:ph type="title"/>
-          </p:nvPr>
-        </p:nvSpPr>
-        <p:spPr>
-          <a:xfrm>
-            <a:off x="4614862" y="3114103"/>
-            <a:ext cx="2962275" cy="629793"/>
-          </a:xfrm>
-        </p:spPr>
-        <p:txBody>
-          <a:bodyPr>
-            <a:normAutofit fontScale="90000"/>
-          </a:bodyPr>
-          <a:lstStyle/>
-          <a:p>
-            <a:pPr algn="ctr"/>
-            <a:r>
-              <a:rPr lang="en-US" b="1" dirty="0"/>
-              <a:t>QUESTIONS?</a:t>
-            </a:r>
-          </a:p>
-        </p:txBody>
-      </p:sp>
-      <p:sp>
-        <p:nvSpPr>
-          <p:cNvPr id="7" name="Slide Number Placeholder 5">
-            <a:extLst>
-              <a:ext uri="{FF2B5EF4-FFF2-40B4-BE49-F238E27FC236}">
-                <a16:creationId xmlns:a16="http://schemas.microsoft.com/office/drawing/2014/main" id="{2DD08593-97EE-4778-B974-625B9AC77ACC}"/>
-              </a:ext>
-            </a:extLst>
-          </p:cNvPr>
-          <p:cNvSpPr txBox="1">
-            <a:spLocks/>
-          </p:cNvSpPr>
-          <p:nvPr/>
-        </p:nvSpPr>
-        <p:spPr>
-          <a:xfrm>
-            <a:off x="11508661" y="6492875"/>
-            <a:ext cx="683339" cy="365125"/>
-          </a:xfrm>
-          <a:prstGeom prst="rect">
-            <a:avLst/>
-          </a:prstGeom>
-        </p:spPr>
-        <p:txBody>
-          <a:bodyPr vert="horz" lIns="91440" tIns="45720" rIns="91440" bIns="45720" rtlCol="0" anchor="ctr"/>
-          <a:lstStyle>
-            <a:defPPr>
-              <a:defRPr lang="en-US"/>
-            </a:defPPr>
-            <a:lvl1pPr marL="0" algn="r" defTabSz="457200" rtl="0" eaLnBrk="1" latinLnBrk="0" hangingPunct="1">
-              <a:defRPr sz="900" kern="1200">
-                <a:solidFill>
-                  <a:schemeClr val="accent1"/>
-                </a:solidFill>
-                <a:latin typeface="+mn-lt"/>
-                <a:ea typeface="+mn-ea"/>
-                <a:cs typeface="+mn-cs"/>
-              </a:defRPr>
-            </a:lvl1pPr>
-            <a:lvl2pPr marL="457200" algn="l" defTabSz="457200" rtl="0" eaLnBrk="1" latinLnBrk="0" hangingPunct="1">
-              <a:defRPr sz="1800" kern="1200">
-                <a:solidFill>
-                  <a:schemeClr val="tx1"/>
-                </a:solidFill>
-                <a:latin typeface="+mn-lt"/>
-                <a:ea typeface="+mn-ea"/>
-                <a:cs typeface="+mn-cs"/>
-              </a:defRPr>
-            </a:lvl2pPr>
-            <a:lvl3pPr marL="914400" algn="l" defTabSz="457200" rtl="0" eaLnBrk="1" latinLnBrk="0" hangingPunct="1">
-              <a:defRPr sz="1800" kern="1200">
-                <a:solidFill>
-                  <a:schemeClr val="tx1"/>
-                </a:solidFill>
-                <a:latin typeface="+mn-lt"/>
-                <a:ea typeface="+mn-ea"/>
-                <a:cs typeface="+mn-cs"/>
-              </a:defRPr>
-            </a:lvl3pPr>
-            <a:lvl4pPr marL="1371600" algn="l" defTabSz="457200" rtl="0" eaLnBrk="1" latinLnBrk="0" hangingPunct="1">
-              <a:defRPr sz="1800" kern="1200">
-                <a:solidFill>
-                  <a:schemeClr val="tx1"/>
-                </a:solidFill>
-                <a:latin typeface="+mn-lt"/>
-                <a:ea typeface="+mn-ea"/>
-                <a:cs typeface="+mn-cs"/>
-              </a:defRPr>
-            </a:lvl4pPr>
-            <a:lvl5pPr marL="1828800" algn="l" defTabSz="457200" rtl="0" eaLnBrk="1" latinLnBrk="0" hangingPunct="1">
-              <a:defRPr sz="1800" kern="1200">
-                <a:solidFill>
-                  <a:schemeClr val="tx1"/>
-                </a:solidFill>
-                <a:latin typeface="+mn-lt"/>
-                <a:ea typeface="+mn-ea"/>
-                <a:cs typeface="+mn-cs"/>
-              </a:defRPr>
-            </a:lvl5pPr>
-            <a:lvl6pPr marL="2286000" algn="l" defTabSz="457200" rtl="0" eaLnBrk="1" latinLnBrk="0" hangingPunct="1">
-              <a:defRPr sz="1800" kern="1200">
-                <a:solidFill>
-                  <a:schemeClr val="tx1"/>
-                </a:solidFill>
-                <a:latin typeface="+mn-lt"/>
-                <a:ea typeface="+mn-ea"/>
-                <a:cs typeface="+mn-cs"/>
-              </a:defRPr>
-            </a:lvl6pPr>
-            <a:lvl7pPr marL="2743200" algn="l" defTabSz="457200" rtl="0" eaLnBrk="1" latinLnBrk="0" hangingPunct="1">
-              <a:defRPr sz="1800" kern="1200">
-                <a:solidFill>
-                  <a:schemeClr val="tx1"/>
-                </a:solidFill>
-                <a:latin typeface="+mn-lt"/>
-                <a:ea typeface="+mn-ea"/>
-                <a:cs typeface="+mn-cs"/>
-              </a:defRPr>
-            </a:lvl7pPr>
-            <a:lvl8pPr marL="3200400" algn="l" defTabSz="457200" rtl="0" eaLnBrk="1" latinLnBrk="0" hangingPunct="1">
-              <a:defRPr sz="1800" kern="1200">
-                <a:solidFill>
-                  <a:schemeClr val="tx1"/>
-                </a:solidFill>
-                <a:latin typeface="+mn-lt"/>
-                <a:ea typeface="+mn-ea"/>
-                <a:cs typeface="+mn-cs"/>
-              </a:defRPr>
-            </a:lvl8pPr>
-            <a:lvl9pPr marL="3657600" algn="l" defTabSz="457200" rtl="0" eaLnBrk="1" latinLnBrk="0" hangingPunct="1">
-              <a:defRPr sz="1800" kern="1200">
-                <a:solidFill>
-                  <a:schemeClr val="tx1"/>
-                </a:solidFill>
-                <a:latin typeface="+mn-lt"/>
-                <a:ea typeface="+mn-ea"/>
-                <a:cs typeface="+mn-cs"/>
-              </a:defRPr>
-            </a:lvl9pPr>
-          </a:lstStyle>
-          <a:p>
-            <a:fld id="{34B7E4EF-A1BD-40F4-AB7B-04F084DD991D}" type="slidenum">
-              <a:rPr lang="en-US" sz="2000" smtClean="0">
-                <a:solidFill>
-                  <a:schemeClr val="bg1"/>
-                </a:solidFill>
-              </a:rPr>
-              <a:pPr/>
-              <a:t>11</a:t>
-            </a:fld>
-            <a:endParaRPr lang="en-US" sz="2000" dirty="0">
-              <a:solidFill>
-                <a:schemeClr val="bg1"/>
-              </a:solidFill>
-            </a:endParaRPr>
-          </a:p>
-        </p:txBody>
-      </p:sp>
-    </p:spTree>
-    <p:extLst>
-      <p:ext uri="{BB962C8B-B14F-4D97-AF65-F5344CB8AC3E}">
-        <p14:creationId xmlns:p14="http://schemas.microsoft.com/office/powerpoint/2010/main" val="183243182"/>
-      </p:ext>
-    </p:extLst>
-  </p:cSld>
-  <p:clrMapOvr>
-    <a:masterClrMapping/>
-  </p:clrMapOvr>
-</p:sld>
-</file>
-
-<file path=ppt/slides/slide2.xml><?xml version="1.0" encoding="utf-8"?>
-<p:sld xmlns:a="http://schemas.openxmlformats.org/drawingml/2006/main" xmlns:r="http://schemas.openxmlformats.org/officeDocument/2006/relationships" xmlns:p="http://schemas.openxmlformats.org/presentationml/2006/main">
-  <p:cSld>
-    <p:spTree>
-      <p:nvGrpSpPr>
-        <p:cNvPr id="1" name=""/>
-        <p:cNvGrpSpPr/>
-        <p:nvPr/>
-      </p:nvGrpSpPr>
-      <p:grpSpPr>
-        <a:xfrm>
-          <a:off x="0" y="0"/>
-          <a:ext cx="0" cy="0"/>
-          <a:chOff x="0" y="0"/>
-          <a:chExt cx="0" cy="0"/>
-        </a:xfrm>
-      </p:grpSpPr>
-      <p:sp>
-        <p:nvSpPr>
-          <p:cNvPr id="10" name="CaixaDeTexto 9">
-            <a:extLst>
-              <a:ext uri="{FF2B5EF4-FFF2-40B4-BE49-F238E27FC236}">
-                <a16:creationId xmlns:a16="http://schemas.microsoft.com/office/drawing/2014/main" id="{03F0B877-9715-46E4-BD4F-4FD142109BAD}"/>
-              </a:ext>
-            </a:extLst>
-          </p:cNvPr>
-          <p:cNvSpPr txBox="1"/>
-          <p:nvPr/>
-        </p:nvSpPr>
-        <p:spPr>
-          <a:xfrm>
-            <a:off x="6348589" y="804937"/>
-            <a:ext cx="2699072" cy="1354217"/>
-          </a:xfrm>
-          <a:prstGeom prst="rect">
-            <a:avLst/>
-          </a:prstGeom>
-          <a:noFill/>
-        </p:spPr>
-        <p:txBody>
-          <a:bodyPr wrap="none" rtlCol="0">
-            <a:spAutoFit/>
-          </a:bodyPr>
-          <a:lstStyle/>
-          <a:p>
-            <a:r>
-              <a:rPr lang="pt-PT" b="1" i="0" dirty="0">
-                <a:effectLst/>
-                <a:latin typeface="Whitney"/>
-              </a:rPr>
-              <a:t>Progress Label:</a:t>
-            </a:r>
-            <a:endParaRPr lang="pt-PT" sz="1600" b="1" i="0" dirty="0">
-              <a:effectLst/>
-              <a:latin typeface="Whitney"/>
-            </a:endParaRPr>
-          </a:p>
-          <a:p>
-            <a:r>
-              <a:rPr lang="pt-PT" sz="1600" dirty="0">
-                <a:latin typeface="Whitney"/>
-              </a:rPr>
-              <a:t>	 </a:t>
-            </a:r>
-            <a:r>
-              <a:rPr lang="pt-PT" sz="1600" b="0" i="0" dirty="0">
-                <a:effectLst/>
-                <a:latin typeface="Whitney"/>
-              </a:rPr>
-              <a:t>1 </a:t>
-            </a:r>
-            <a:r>
-              <a:rPr lang="pt-PT" sz="1600" dirty="0">
-                <a:latin typeface="Whitney"/>
-              </a:rPr>
-              <a:t>–</a:t>
-            </a:r>
-            <a:r>
-              <a:rPr lang="pt-PT" sz="1600" b="0" i="0" dirty="0">
-                <a:effectLst/>
-                <a:latin typeface="Whitney"/>
-              </a:rPr>
-              <a:t> To Do (0%)</a:t>
-            </a:r>
-          </a:p>
-          <a:p>
-            <a:r>
-              <a:rPr lang="pt-PT" sz="1600" b="0" i="0" dirty="0">
-                <a:effectLst/>
-                <a:latin typeface="Whitney"/>
-              </a:rPr>
-              <a:t> 	 2 </a:t>
-            </a:r>
-            <a:r>
-              <a:rPr lang="pt-PT" sz="1600" dirty="0">
-                <a:latin typeface="Whitney"/>
-              </a:rPr>
-              <a:t>–</a:t>
-            </a:r>
-            <a:r>
-              <a:rPr lang="pt-PT" sz="1600" b="0" i="0" dirty="0">
-                <a:effectLst/>
-                <a:latin typeface="Whitney"/>
-              </a:rPr>
-              <a:t> Started (~33%)</a:t>
-            </a:r>
-          </a:p>
-          <a:p>
-            <a:r>
-              <a:rPr lang="pt-PT" sz="1600" b="0" i="0" dirty="0">
-                <a:effectLst/>
-                <a:latin typeface="Whitney"/>
-              </a:rPr>
-              <a:t>	 3 – </a:t>
-            </a:r>
-            <a:r>
-              <a:rPr lang="pt-PT" sz="1600" dirty="0">
-                <a:latin typeface="Whitney"/>
-              </a:rPr>
-              <a:t>Almost Done (~66%)</a:t>
-            </a:r>
-            <a:endParaRPr lang="pt-PT" sz="1600" b="0" i="0" dirty="0">
-              <a:effectLst/>
-              <a:latin typeface="Whitney"/>
-            </a:endParaRPr>
-          </a:p>
-          <a:p>
-            <a:r>
-              <a:rPr lang="pt-PT" sz="1600" b="0" i="0" dirty="0">
-                <a:effectLst/>
-                <a:latin typeface="Whitney"/>
-              </a:rPr>
-              <a:t> 	 4 – </a:t>
-            </a:r>
-            <a:r>
-              <a:rPr lang="pt-PT" sz="1600" dirty="0">
-                <a:latin typeface="Whitney"/>
-              </a:rPr>
-              <a:t>Done (~100%)</a:t>
-            </a:r>
-            <a:endParaRPr lang="en-US" sz="1600" b="1" dirty="0"/>
-          </a:p>
-        </p:txBody>
-      </p:sp>
-      <p:sp>
-        <p:nvSpPr>
-          <p:cNvPr id="2" name="Title 1">
-            <a:extLst>
-              <a:ext uri="{FF2B5EF4-FFF2-40B4-BE49-F238E27FC236}">
-                <a16:creationId xmlns:a16="http://schemas.microsoft.com/office/drawing/2014/main" id="{5C0A0D56-D5C1-4BEA-BD18-6788B6979C5D}"/>
-              </a:ext>
-            </a:extLst>
-          </p:cNvPr>
-          <p:cNvSpPr>
-            <a:spLocks noGrp="1"/>
-          </p:cNvSpPr>
-          <p:nvPr>
-            <p:ph type="title"/>
-          </p:nvPr>
-        </p:nvSpPr>
-        <p:spPr>
-          <a:xfrm>
-            <a:off x="371608" y="189027"/>
-            <a:ext cx="5876792" cy="864467"/>
-          </a:xfrm>
-        </p:spPr>
-        <p:txBody>
-          <a:bodyPr/>
-          <a:lstStyle/>
-          <a:p>
-            <a:r>
-              <a:rPr lang="en-US" b="1" dirty="0"/>
-              <a:t>Functional Requirements</a:t>
-            </a:r>
-            <a:endParaRPr lang="pt-PT" b="1" dirty="0"/>
-          </a:p>
-        </p:txBody>
-      </p:sp>
-      <p:sp>
-        <p:nvSpPr>
-          <p:cNvPr id="3" name="Content Placeholder 2">
-            <a:extLst>
-              <a:ext uri="{FF2B5EF4-FFF2-40B4-BE49-F238E27FC236}">
-                <a16:creationId xmlns:a16="http://schemas.microsoft.com/office/drawing/2014/main" id="{AA8C2E4B-FBE1-484C-BA42-615A0BBC6F74}"/>
-              </a:ext>
-            </a:extLst>
-          </p:cNvPr>
-          <p:cNvSpPr>
-            <a:spLocks noGrp="1"/>
-          </p:cNvSpPr>
-          <p:nvPr>
-            <p:ph idx="1"/>
-          </p:nvPr>
-        </p:nvSpPr>
-        <p:spPr>
-          <a:xfrm>
-            <a:off x="285867" y="2948034"/>
-            <a:ext cx="10438726" cy="3560005"/>
-          </a:xfrm>
-        </p:spPr>
-        <p:txBody>
-          <a:bodyPr>
-            <a:normAutofit/>
-          </a:bodyPr>
-          <a:lstStyle/>
-          <a:p>
-            <a:pPr>
-              <a:buFont typeface="Wingdings" panose="05000000000000000000" pitchFamily="2" charset="2"/>
-              <a:buChar char="v"/>
-            </a:pPr>
-            <a:r>
-              <a:rPr lang="en-US" dirty="0"/>
-              <a:t> Authorization Levels	</a:t>
-            </a:r>
-          </a:p>
-          <a:p>
-            <a:pPr marL="1076325" lvl="1" indent="-457200">
-              <a:buFont typeface="+mj-lt"/>
-              <a:buAutoNum type="arabicPeriod"/>
-            </a:pPr>
-            <a:r>
-              <a:rPr lang="en-US" sz="2200" dirty="0">
-                <a:solidFill>
-                  <a:srgbClr val="00B050"/>
-                </a:solidFill>
-              </a:rPr>
-              <a:t>There are different roles with different privileges (admin, teacher, student)</a:t>
-            </a:r>
-          </a:p>
-          <a:p>
-            <a:pPr marL="1076325" lvl="1" indent="-457200">
-              <a:buFont typeface="+mj-lt"/>
-              <a:buAutoNum type="arabicPeriod"/>
-            </a:pPr>
-            <a:r>
-              <a:rPr lang="en-US" sz="2200" dirty="0">
-                <a:solidFill>
-                  <a:srgbClr val="00B050"/>
-                </a:solidFill>
-              </a:rPr>
-              <a:t>Only possessors of the admin role can access the BackOffice</a:t>
-            </a:r>
-          </a:p>
-          <a:p>
-            <a:pPr marL="914400" lvl="2" indent="0">
-              <a:buNone/>
-            </a:pPr>
-            <a:endParaRPr lang="pt-PT" dirty="0">
-              <a:solidFill>
-                <a:srgbClr val="00B050"/>
-              </a:solidFill>
-            </a:endParaRPr>
-          </a:p>
-        </p:txBody>
-      </p:sp>
-      <p:pic>
-        <p:nvPicPr>
-          <p:cNvPr id="9" name="Imagem 8">
-            <a:extLst>
-              <a:ext uri="{FF2B5EF4-FFF2-40B4-BE49-F238E27FC236}">
-                <a16:creationId xmlns:a16="http://schemas.microsoft.com/office/drawing/2014/main" id="{4EDEB422-E7FB-41DE-9F7B-2F2EB00094B7}"/>
-              </a:ext>
-            </a:extLst>
-          </p:cNvPr>
-          <p:cNvPicPr>
-            <a:picLocks noChangeAspect="1"/>
-          </p:cNvPicPr>
-          <p:nvPr/>
-        </p:nvPicPr>
-        <p:blipFill>
-          <a:blip r:embed="rId2"/>
-          <a:stretch>
-            <a:fillRect/>
-          </a:stretch>
-        </p:blipFill>
-        <p:spPr>
-          <a:xfrm>
-            <a:off x="6709137" y="1919475"/>
-            <a:ext cx="167781" cy="162953"/>
-          </a:xfrm>
-          <a:prstGeom prst="rect">
-            <a:avLst/>
-          </a:prstGeom>
-        </p:spPr>
-      </p:pic>
-      <p:pic>
-        <p:nvPicPr>
-          <p:cNvPr id="12" name="Imagem 11">
-            <a:extLst>
-              <a:ext uri="{FF2B5EF4-FFF2-40B4-BE49-F238E27FC236}">
-                <a16:creationId xmlns:a16="http://schemas.microsoft.com/office/drawing/2014/main" id="{DC590F39-E5B1-4D7C-B35A-9CBB46593B62}"/>
-              </a:ext>
-            </a:extLst>
-          </p:cNvPr>
-          <p:cNvPicPr>
-            <a:picLocks noChangeAspect="1"/>
-          </p:cNvPicPr>
-          <p:nvPr/>
-        </p:nvPicPr>
-        <p:blipFill rotWithShape="1">
-          <a:blip r:embed="rId3"/>
-          <a:srcRect l="3681" t="-4162" b="-1"/>
-          <a:stretch/>
-        </p:blipFill>
-        <p:spPr>
-          <a:xfrm>
-            <a:off x="6709136" y="1400436"/>
-            <a:ext cx="167780" cy="169736"/>
-          </a:xfrm>
-          <a:prstGeom prst="rect">
-            <a:avLst/>
-          </a:prstGeom>
-        </p:spPr>
-      </p:pic>
-      <p:pic>
-        <p:nvPicPr>
-          <p:cNvPr id="14" name="Imagem 13">
-            <a:extLst>
-              <a:ext uri="{FF2B5EF4-FFF2-40B4-BE49-F238E27FC236}">
-                <a16:creationId xmlns:a16="http://schemas.microsoft.com/office/drawing/2014/main" id="{EE4C1DCC-7E3D-44AE-AF3F-78A93BBE0C70}"/>
-              </a:ext>
-            </a:extLst>
-          </p:cNvPr>
-          <p:cNvPicPr>
-            <a:picLocks noChangeAspect="1"/>
-          </p:cNvPicPr>
-          <p:nvPr/>
-        </p:nvPicPr>
-        <p:blipFill rotWithShape="1">
-          <a:blip r:embed="rId4"/>
-          <a:srcRect l="3680" t="2921"/>
-          <a:stretch/>
-        </p:blipFill>
-        <p:spPr>
-          <a:xfrm>
-            <a:off x="6709136" y="1670542"/>
-            <a:ext cx="167781" cy="162954"/>
-          </a:xfrm>
-          <a:prstGeom prst="rect">
-            <a:avLst/>
-          </a:prstGeom>
-        </p:spPr>
-      </p:pic>
-      <p:pic>
-        <p:nvPicPr>
-          <p:cNvPr id="16" name="Imagem 15">
-            <a:extLst>
-              <a:ext uri="{FF2B5EF4-FFF2-40B4-BE49-F238E27FC236}">
-                <a16:creationId xmlns:a16="http://schemas.microsoft.com/office/drawing/2014/main" id="{8400B9DE-C3EC-4C31-B4FC-EC2B82FD4220}"/>
-              </a:ext>
-            </a:extLst>
-          </p:cNvPr>
-          <p:cNvPicPr>
-            <a:picLocks noChangeAspect="1"/>
-          </p:cNvPicPr>
-          <p:nvPr/>
-        </p:nvPicPr>
-        <p:blipFill rotWithShape="1">
-          <a:blip r:embed="rId5"/>
-          <a:srcRect l="18628" t="-4161" b="1"/>
-          <a:stretch/>
-        </p:blipFill>
-        <p:spPr>
-          <a:xfrm>
-            <a:off x="6709136" y="1155828"/>
-            <a:ext cx="167780" cy="169735"/>
-          </a:xfrm>
-          <a:prstGeom prst="rect">
-            <a:avLst/>
-          </a:prstGeom>
-        </p:spPr>
-      </p:pic>
-      <p:pic>
-        <p:nvPicPr>
-          <p:cNvPr id="11" name="Picture 10" descr="Icon&#10;&#10;Description automatically generated">
-            <a:extLst>
-              <a:ext uri="{FF2B5EF4-FFF2-40B4-BE49-F238E27FC236}">
-                <a16:creationId xmlns:a16="http://schemas.microsoft.com/office/drawing/2014/main" id="{4DBA45DC-6CB0-40B1-93A2-B6C060F11D1E}"/>
-              </a:ext>
-            </a:extLst>
-          </p:cNvPr>
-          <p:cNvPicPr>
-            <a:picLocks noChangeAspect="1"/>
-          </p:cNvPicPr>
-          <p:nvPr/>
-        </p:nvPicPr>
-        <p:blipFill>
-          <a:blip r:embed="rId6"/>
-          <a:stretch>
-            <a:fillRect/>
-          </a:stretch>
-        </p:blipFill>
-        <p:spPr>
-          <a:xfrm>
-            <a:off x="285867" y="2051918"/>
-            <a:ext cx="802042" cy="802042"/>
-          </a:xfrm>
-          <a:prstGeom prst="rect">
-            <a:avLst/>
-          </a:prstGeom>
-        </p:spPr>
-      </p:pic>
-      <p:sp>
-        <p:nvSpPr>
-          <p:cNvPr id="13" name="Slide Number Placeholder 5">
-            <a:extLst>
-              <a:ext uri="{FF2B5EF4-FFF2-40B4-BE49-F238E27FC236}">
-                <a16:creationId xmlns:a16="http://schemas.microsoft.com/office/drawing/2014/main" id="{D68673AE-A3DB-4238-B5F0-2A1811D6465E}"/>
-              </a:ext>
-            </a:extLst>
-          </p:cNvPr>
-          <p:cNvSpPr txBox="1">
-            <a:spLocks/>
-          </p:cNvSpPr>
-          <p:nvPr/>
-        </p:nvSpPr>
-        <p:spPr>
-          <a:xfrm>
-            <a:off x="11508661" y="6492875"/>
-            <a:ext cx="683339" cy="365125"/>
-          </a:xfrm>
-          <a:prstGeom prst="rect">
-            <a:avLst/>
-          </a:prstGeom>
-        </p:spPr>
-        <p:txBody>
-          <a:bodyPr vert="horz" lIns="91440" tIns="45720" rIns="91440" bIns="45720" rtlCol="0" anchor="ctr"/>
-          <a:lstStyle>
-            <a:defPPr>
-              <a:defRPr lang="en-US"/>
-            </a:defPPr>
-            <a:lvl1pPr marL="0" algn="r" defTabSz="457200" rtl="0" eaLnBrk="1" latinLnBrk="0" hangingPunct="1">
-              <a:defRPr sz="900" kern="1200">
-                <a:solidFill>
-                  <a:schemeClr val="accent1"/>
-                </a:solidFill>
-                <a:latin typeface="+mn-lt"/>
-                <a:ea typeface="+mn-ea"/>
-                <a:cs typeface="+mn-cs"/>
-              </a:defRPr>
-            </a:lvl1pPr>
-            <a:lvl2pPr marL="457200" algn="l" defTabSz="457200" rtl="0" eaLnBrk="1" latinLnBrk="0" hangingPunct="1">
-              <a:defRPr sz="1800" kern="1200">
-                <a:solidFill>
-                  <a:schemeClr val="tx1"/>
-                </a:solidFill>
-                <a:latin typeface="+mn-lt"/>
-                <a:ea typeface="+mn-ea"/>
-                <a:cs typeface="+mn-cs"/>
-              </a:defRPr>
-            </a:lvl2pPr>
-            <a:lvl3pPr marL="914400" algn="l" defTabSz="457200" rtl="0" eaLnBrk="1" latinLnBrk="0" hangingPunct="1">
-              <a:defRPr sz="1800" kern="1200">
-                <a:solidFill>
-                  <a:schemeClr val="tx1"/>
-                </a:solidFill>
-                <a:latin typeface="+mn-lt"/>
-                <a:ea typeface="+mn-ea"/>
-                <a:cs typeface="+mn-cs"/>
-              </a:defRPr>
-            </a:lvl3pPr>
-            <a:lvl4pPr marL="1371600" algn="l" defTabSz="457200" rtl="0" eaLnBrk="1" latinLnBrk="0" hangingPunct="1">
-              <a:defRPr sz="1800" kern="1200">
-                <a:solidFill>
-                  <a:schemeClr val="tx1"/>
-                </a:solidFill>
-                <a:latin typeface="+mn-lt"/>
-                <a:ea typeface="+mn-ea"/>
-                <a:cs typeface="+mn-cs"/>
-              </a:defRPr>
-            </a:lvl4pPr>
-            <a:lvl5pPr marL="1828800" algn="l" defTabSz="457200" rtl="0" eaLnBrk="1" latinLnBrk="0" hangingPunct="1">
-              <a:defRPr sz="1800" kern="1200">
-                <a:solidFill>
-                  <a:schemeClr val="tx1"/>
-                </a:solidFill>
-                <a:latin typeface="+mn-lt"/>
-                <a:ea typeface="+mn-ea"/>
-                <a:cs typeface="+mn-cs"/>
-              </a:defRPr>
-            </a:lvl5pPr>
-            <a:lvl6pPr marL="2286000" algn="l" defTabSz="457200" rtl="0" eaLnBrk="1" latinLnBrk="0" hangingPunct="1">
-              <a:defRPr sz="1800" kern="1200">
-                <a:solidFill>
-                  <a:schemeClr val="tx1"/>
-                </a:solidFill>
-                <a:latin typeface="+mn-lt"/>
-                <a:ea typeface="+mn-ea"/>
-                <a:cs typeface="+mn-cs"/>
-              </a:defRPr>
-            </a:lvl6pPr>
-            <a:lvl7pPr marL="2743200" algn="l" defTabSz="457200" rtl="0" eaLnBrk="1" latinLnBrk="0" hangingPunct="1">
-              <a:defRPr sz="1800" kern="1200">
-                <a:solidFill>
-                  <a:schemeClr val="tx1"/>
-                </a:solidFill>
-                <a:latin typeface="+mn-lt"/>
-                <a:ea typeface="+mn-ea"/>
-                <a:cs typeface="+mn-cs"/>
-              </a:defRPr>
-            </a:lvl7pPr>
-            <a:lvl8pPr marL="3200400" algn="l" defTabSz="457200" rtl="0" eaLnBrk="1" latinLnBrk="0" hangingPunct="1">
-              <a:defRPr sz="1800" kern="1200">
-                <a:solidFill>
-                  <a:schemeClr val="tx1"/>
-                </a:solidFill>
-                <a:latin typeface="+mn-lt"/>
-                <a:ea typeface="+mn-ea"/>
-                <a:cs typeface="+mn-cs"/>
-              </a:defRPr>
-            </a:lvl8pPr>
-            <a:lvl9pPr marL="3657600" algn="l" defTabSz="457200" rtl="0" eaLnBrk="1" latinLnBrk="0" hangingPunct="1">
-              <a:defRPr sz="1800" kern="1200">
-                <a:solidFill>
-                  <a:schemeClr val="tx1"/>
-                </a:solidFill>
-                <a:latin typeface="+mn-lt"/>
-                <a:ea typeface="+mn-ea"/>
-                <a:cs typeface="+mn-cs"/>
-              </a:defRPr>
-            </a:lvl9pPr>
-          </a:lstStyle>
-          <a:p>
-            <a:fld id="{34B7E4EF-A1BD-40F4-AB7B-04F084DD991D}" type="slidenum">
-              <a:rPr lang="en-US" sz="2000" smtClean="0">
-                <a:solidFill>
-                  <a:schemeClr val="bg1"/>
-                </a:solidFill>
-              </a:rPr>
-              <a:pPr/>
-              <a:t>2</a:t>
-            </a:fld>
-            <a:endParaRPr lang="en-US" sz="2000" dirty="0">
-              <a:solidFill>
-                <a:schemeClr val="bg1"/>
-              </a:solidFill>
-            </a:endParaRPr>
-          </a:p>
-        </p:txBody>
-      </p:sp>
-    </p:spTree>
-    <p:extLst>
-      <p:ext uri="{BB962C8B-B14F-4D97-AF65-F5344CB8AC3E}">
-        <p14:creationId xmlns:p14="http://schemas.microsoft.com/office/powerpoint/2010/main" val="128739159"/>
-      </p:ext>
-    </p:extLst>
-  </p:cSld>
-  <p:clrMapOvr>
-    <a:masterClrMapping/>
-  </p:clrMapOvr>
-</p:sld>
-</file>
-
-<file path=ppt/slides/slide3.xml><?xml version="1.0" encoding="utf-8"?>
-<p:sld xmlns:a="http://schemas.openxmlformats.org/drawingml/2006/main" xmlns:r="http://schemas.openxmlformats.org/officeDocument/2006/relationships" xmlns:p="http://schemas.openxmlformats.org/presentationml/2006/main">
-  <p:cSld>
-    <p:spTree>
-      <p:nvGrpSpPr>
-        <p:cNvPr id="1" name=""/>
-        <p:cNvGrpSpPr/>
-        <p:nvPr/>
-      </p:nvGrpSpPr>
-      <p:grpSpPr>
-        <a:xfrm>
-          <a:off x="0" y="0"/>
-          <a:ext cx="0" cy="0"/>
-          <a:chOff x="0" y="0"/>
-          <a:chExt cx="0" cy="0"/>
-        </a:xfrm>
-      </p:grpSpPr>
-      <p:sp>
-        <p:nvSpPr>
-          <p:cNvPr id="3" name="Content Placeholder 2">
-            <a:extLst>
-              <a:ext uri="{FF2B5EF4-FFF2-40B4-BE49-F238E27FC236}">
-                <a16:creationId xmlns:a16="http://schemas.microsoft.com/office/drawing/2014/main" id="{8AF86C82-E853-4C58-8BD9-BC7AA445BF10}"/>
-              </a:ext>
-            </a:extLst>
-          </p:cNvPr>
-          <p:cNvSpPr>
-            <a:spLocks noGrp="1"/>
-          </p:cNvSpPr>
-          <p:nvPr>
-            <p:ph idx="1"/>
-          </p:nvPr>
-        </p:nvSpPr>
-        <p:spPr>
-          <a:xfrm>
-            <a:off x="1102071" y="2004919"/>
-            <a:ext cx="10233800" cy="4351338"/>
-          </a:xfrm>
-        </p:spPr>
-        <p:txBody>
-          <a:bodyPr>
-            <a:normAutofit lnSpcReduction="10000"/>
-          </a:bodyPr>
-          <a:lstStyle/>
-          <a:p>
-            <a:pPr>
-              <a:buFont typeface="Wingdings" panose="05000000000000000000" pitchFamily="2" charset="2"/>
-              <a:buChar char="v"/>
-            </a:pPr>
-            <a:r>
-              <a:rPr lang="en-US" dirty="0"/>
-              <a:t>User Requirements </a:t>
-            </a:r>
-          </a:p>
-          <a:p>
-            <a:pPr marL="1079500" indent="-457200" rtl="0">
-              <a:spcBef>
-                <a:spcPts val="1200"/>
-              </a:spcBef>
-              <a:spcAft>
-                <a:spcPts val="1200"/>
-              </a:spcAft>
-              <a:buFont typeface="+mj-lt"/>
-              <a:buAutoNum type="arabicPeriod" startAt="4"/>
-            </a:pPr>
-            <a:r>
-              <a:rPr lang="en-US" sz="2400" b="0" i="0" u="none" strike="noStrike" dirty="0">
-                <a:solidFill>
-                  <a:schemeClr val="accent2"/>
-                </a:solidFill>
-                <a:effectLst/>
-              </a:rPr>
-              <a:t>List past competitions</a:t>
-            </a:r>
-            <a:endParaRPr lang="en-US" sz="2400" b="0" dirty="0">
-              <a:solidFill>
-                <a:schemeClr val="accent2"/>
-              </a:solidFill>
-              <a:effectLst/>
-            </a:endParaRPr>
-          </a:p>
-          <a:p>
-            <a:pPr marL="1079500" indent="-457200" rtl="0">
-              <a:spcBef>
-                <a:spcPts val="1200"/>
-              </a:spcBef>
-              <a:spcAft>
-                <a:spcPts val="1200"/>
-              </a:spcAft>
-              <a:buFont typeface="+mj-lt"/>
-              <a:buAutoNum type="arabicPeriod" startAt="4"/>
-            </a:pPr>
-            <a:r>
-              <a:rPr lang="en-US" sz="2400" b="0" i="0" u="none" strike="noStrike" dirty="0">
-                <a:solidFill>
-                  <a:schemeClr val="accent2"/>
-                </a:solidFill>
-                <a:effectLst/>
-              </a:rPr>
-              <a:t>List the tests of a competition</a:t>
-            </a:r>
-            <a:endParaRPr lang="en-US" sz="2400" b="0" dirty="0">
-              <a:solidFill>
-                <a:schemeClr val="accent2"/>
-              </a:solidFill>
-              <a:effectLst/>
-            </a:endParaRPr>
-          </a:p>
-          <a:p>
-            <a:pPr marL="1079500" indent="-457200" rtl="0">
-              <a:spcBef>
-                <a:spcPts val="1200"/>
-              </a:spcBef>
-              <a:spcAft>
-                <a:spcPts val="1200"/>
-              </a:spcAft>
-              <a:buFont typeface="+mj-lt"/>
-              <a:buAutoNum type="arabicPeriod" startAt="4"/>
-            </a:pPr>
-            <a:r>
-              <a:rPr lang="en-US" sz="2400" b="0" i="0" u="none" strike="noStrike" dirty="0">
-                <a:solidFill>
-                  <a:schemeClr val="accent2"/>
-                </a:solidFill>
-                <a:effectLst/>
-              </a:rPr>
-              <a:t>Search for and recover the state of a test in a competition</a:t>
-            </a:r>
-            <a:endParaRPr lang="en-US" sz="2400" dirty="0">
-              <a:solidFill>
-                <a:schemeClr val="accent2"/>
-              </a:solidFill>
-            </a:endParaRPr>
-          </a:p>
-          <a:p>
-            <a:pPr marL="1079500" indent="-457200" rtl="0">
-              <a:spcBef>
-                <a:spcPts val="1200"/>
-              </a:spcBef>
-              <a:spcAft>
-                <a:spcPts val="1200"/>
-              </a:spcAft>
-              <a:buFont typeface="+mj-lt"/>
-              <a:buAutoNum type="arabicPeriod" startAt="4"/>
-            </a:pPr>
-            <a:r>
-              <a:rPr lang="en-US" sz="2400" b="0" i="0" u="none" strike="noStrike" dirty="0">
-                <a:solidFill>
-                  <a:schemeClr val="accent2"/>
-                </a:solidFill>
-                <a:effectLst/>
-              </a:rPr>
-              <a:t>Option to generate an HTML files with the results of a competition or a single test.</a:t>
-            </a:r>
-          </a:p>
-          <a:p>
-            <a:pPr marL="1079500" indent="-457200">
-              <a:spcBef>
-                <a:spcPts val="1200"/>
-              </a:spcBef>
-              <a:spcAft>
-                <a:spcPts val="1200"/>
-              </a:spcAft>
-              <a:buFont typeface="+mj-lt"/>
-              <a:buAutoNum type="arabicPeriod" startAt="4"/>
-            </a:pPr>
-            <a:r>
-              <a:rPr lang="en-US" sz="2400" b="0" i="0" u="none" strike="noStrike" dirty="0">
-                <a:solidFill>
-                  <a:srgbClr val="F34BD3"/>
-                </a:solidFill>
-                <a:effectLst/>
-              </a:rPr>
-              <a:t>Options for various kinds of statistical info. (total score per school, avg score per school etc.) </a:t>
-            </a:r>
-            <a:endParaRPr lang="en-US" sz="2400" b="0" dirty="0">
-              <a:solidFill>
-                <a:srgbClr val="F34BD3"/>
-              </a:solidFill>
-              <a:effectLst/>
-            </a:endParaRPr>
-          </a:p>
-          <a:p>
-            <a:pPr marL="914400" rtl="0">
-              <a:spcBef>
-                <a:spcPts val="1200"/>
-              </a:spcBef>
-              <a:spcAft>
-                <a:spcPts val="1200"/>
-              </a:spcAft>
-            </a:pPr>
-            <a:endParaRPr lang="pt-PT" sz="2400" dirty="0">
-              <a:solidFill>
-                <a:srgbClr val="00B050"/>
-              </a:solidFill>
-            </a:endParaRPr>
-          </a:p>
-        </p:txBody>
-      </p:sp>
-      <p:pic>
-        <p:nvPicPr>
-          <p:cNvPr id="9" name="Picture 8" descr="A picture containing light, blur&#10;&#10;Description automatically generated">
-            <a:extLst>
-              <a:ext uri="{FF2B5EF4-FFF2-40B4-BE49-F238E27FC236}">
-                <a16:creationId xmlns:a16="http://schemas.microsoft.com/office/drawing/2014/main" id="{2B5F40A4-56C1-4BAF-831F-BD5998235B46}"/>
-              </a:ext>
-            </a:extLst>
-          </p:cNvPr>
-          <p:cNvPicPr>
-            <a:picLocks noChangeAspect="1"/>
-          </p:cNvPicPr>
-          <p:nvPr/>
-        </p:nvPicPr>
-        <p:blipFill>
-          <a:blip r:embed="rId2"/>
-          <a:stretch>
-            <a:fillRect/>
-          </a:stretch>
-        </p:blipFill>
-        <p:spPr>
-          <a:xfrm>
-            <a:off x="419120" y="1763674"/>
-            <a:ext cx="816623" cy="816623"/>
-          </a:xfrm>
-          <a:prstGeom prst="rect">
-            <a:avLst/>
-          </a:prstGeom>
-        </p:spPr>
-      </p:pic>
-      <p:sp>
-        <p:nvSpPr>
-          <p:cNvPr id="16" name="Slide Number Placeholder 5">
-            <a:extLst>
-              <a:ext uri="{FF2B5EF4-FFF2-40B4-BE49-F238E27FC236}">
-                <a16:creationId xmlns:a16="http://schemas.microsoft.com/office/drawing/2014/main" id="{847E39F9-9DF5-48A1-B389-5EDDA2A314CC}"/>
-              </a:ext>
-            </a:extLst>
-          </p:cNvPr>
-          <p:cNvSpPr txBox="1">
-            <a:spLocks/>
-          </p:cNvSpPr>
-          <p:nvPr/>
-        </p:nvSpPr>
-        <p:spPr>
-          <a:xfrm>
-            <a:off x="11508661" y="6492875"/>
-            <a:ext cx="683339" cy="365125"/>
-          </a:xfrm>
-          <a:prstGeom prst="rect">
-            <a:avLst/>
-          </a:prstGeom>
-        </p:spPr>
-        <p:txBody>
-          <a:bodyPr vert="horz" lIns="91440" tIns="45720" rIns="91440" bIns="45720" rtlCol="0" anchor="ctr"/>
-          <a:lstStyle>
-            <a:defPPr>
-              <a:defRPr lang="en-US"/>
-            </a:defPPr>
-            <a:lvl1pPr marL="0" algn="r" defTabSz="457200" rtl="0" eaLnBrk="1" latinLnBrk="0" hangingPunct="1">
-              <a:defRPr sz="900" kern="1200">
-                <a:solidFill>
-                  <a:schemeClr val="accent1"/>
-                </a:solidFill>
-                <a:latin typeface="+mn-lt"/>
-                <a:ea typeface="+mn-ea"/>
-                <a:cs typeface="+mn-cs"/>
-              </a:defRPr>
-            </a:lvl1pPr>
-            <a:lvl2pPr marL="457200" algn="l" defTabSz="457200" rtl="0" eaLnBrk="1" latinLnBrk="0" hangingPunct="1">
-              <a:defRPr sz="1800" kern="1200">
-                <a:solidFill>
-                  <a:schemeClr val="tx1"/>
-                </a:solidFill>
-                <a:latin typeface="+mn-lt"/>
-                <a:ea typeface="+mn-ea"/>
-                <a:cs typeface="+mn-cs"/>
-              </a:defRPr>
-            </a:lvl2pPr>
-            <a:lvl3pPr marL="914400" algn="l" defTabSz="457200" rtl="0" eaLnBrk="1" latinLnBrk="0" hangingPunct="1">
-              <a:defRPr sz="1800" kern="1200">
-                <a:solidFill>
-                  <a:schemeClr val="tx1"/>
-                </a:solidFill>
-                <a:latin typeface="+mn-lt"/>
-                <a:ea typeface="+mn-ea"/>
-                <a:cs typeface="+mn-cs"/>
-              </a:defRPr>
-            </a:lvl3pPr>
-            <a:lvl4pPr marL="1371600" algn="l" defTabSz="457200" rtl="0" eaLnBrk="1" latinLnBrk="0" hangingPunct="1">
-              <a:defRPr sz="1800" kern="1200">
-                <a:solidFill>
-                  <a:schemeClr val="tx1"/>
-                </a:solidFill>
-                <a:latin typeface="+mn-lt"/>
-                <a:ea typeface="+mn-ea"/>
-                <a:cs typeface="+mn-cs"/>
-              </a:defRPr>
-            </a:lvl4pPr>
-            <a:lvl5pPr marL="1828800" algn="l" defTabSz="457200" rtl="0" eaLnBrk="1" latinLnBrk="0" hangingPunct="1">
-              <a:defRPr sz="1800" kern="1200">
-                <a:solidFill>
-                  <a:schemeClr val="tx1"/>
-                </a:solidFill>
-                <a:latin typeface="+mn-lt"/>
-                <a:ea typeface="+mn-ea"/>
-                <a:cs typeface="+mn-cs"/>
-              </a:defRPr>
-            </a:lvl5pPr>
-            <a:lvl6pPr marL="2286000" algn="l" defTabSz="457200" rtl="0" eaLnBrk="1" latinLnBrk="0" hangingPunct="1">
-              <a:defRPr sz="1800" kern="1200">
-                <a:solidFill>
-                  <a:schemeClr val="tx1"/>
-                </a:solidFill>
-                <a:latin typeface="+mn-lt"/>
-                <a:ea typeface="+mn-ea"/>
-                <a:cs typeface="+mn-cs"/>
-              </a:defRPr>
-            </a:lvl6pPr>
-            <a:lvl7pPr marL="2743200" algn="l" defTabSz="457200" rtl="0" eaLnBrk="1" latinLnBrk="0" hangingPunct="1">
-              <a:defRPr sz="1800" kern="1200">
-                <a:solidFill>
-                  <a:schemeClr val="tx1"/>
-                </a:solidFill>
-                <a:latin typeface="+mn-lt"/>
-                <a:ea typeface="+mn-ea"/>
-                <a:cs typeface="+mn-cs"/>
-              </a:defRPr>
-            </a:lvl7pPr>
-            <a:lvl8pPr marL="3200400" algn="l" defTabSz="457200" rtl="0" eaLnBrk="1" latinLnBrk="0" hangingPunct="1">
-              <a:defRPr sz="1800" kern="1200">
-                <a:solidFill>
-                  <a:schemeClr val="tx1"/>
-                </a:solidFill>
-                <a:latin typeface="+mn-lt"/>
-                <a:ea typeface="+mn-ea"/>
-                <a:cs typeface="+mn-cs"/>
-              </a:defRPr>
-            </a:lvl8pPr>
-            <a:lvl9pPr marL="3657600" algn="l" defTabSz="457200" rtl="0" eaLnBrk="1" latinLnBrk="0" hangingPunct="1">
-              <a:defRPr sz="1800" kern="1200">
-                <a:solidFill>
-                  <a:schemeClr val="tx1"/>
-                </a:solidFill>
-                <a:latin typeface="+mn-lt"/>
-                <a:ea typeface="+mn-ea"/>
-                <a:cs typeface="+mn-cs"/>
-              </a:defRPr>
-            </a:lvl9pPr>
-          </a:lstStyle>
-          <a:p>
-            <a:fld id="{34B7E4EF-A1BD-40F4-AB7B-04F084DD991D}" type="slidenum">
-              <a:rPr lang="en-US" sz="2000" smtClean="0">
-                <a:solidFill>
-                  <a:schemeClr val="bg1"/>
-                </a:solidFill>
-              </a:rPr>
-              <a:pPr/>
-              <a:t>3</a:t>
-            </a:fld>
-            <a:endParaRPr lang="en-US" sz="2000" dirty="0">
-              <a:solidFill>
-                <a:schemeClr val="bg1"/>
-              </a:solidFill>
-            </a:endParaRPr>
-          </a:p>
-        </p:txBody>
-      </p:sp>
-      <p:sp>
-        <p:nvSpPr>
-          <p:cNvPr id="17" name="CaixaDeTexto 9">
-            <a:extLst>
-              <a:ext uri="{FF2B5EF4-FFF2-40B4-BE49-F238E27FC236}">
-                <a16:creationId xmlns:a16="http://schemas.microsoft.com/office/drawing/2014/main" id="{80432242-8744-4C14-989F-6C829342E32E}"/>
-              </a:ext>
-            </a:extLst>
-          </p:cNvPr>
-          <p:cNvSpPr txBox="1"/>
-          <p:nvPr/>
-        </p:nvSpPr>
-        <p:spPr>
-          <a:xfrm>
-            <a:off x="6348589" y="804937"/>
-            <a:ext cx="2699072" cy="1354217"/>
-          </a:xfrm>
-          <a:prstGeom prst="rect">
-            <a:avLst/>
-          </a:prstGeom>
-          <a:noFill/>
-        </p:spPr>
-        <p:txBody>
-          <a:bodyPr wrap="none" rtlCol="0">
-            <a:spAutoFit/>
-          </a:bodyPr>
-          <a:lstStyle/>
-          <a:p>
-            <a:r>
-              <a:rPr lang="pt-PT" b="1" i="0" dirty="0">
-                <a:effectLst/>
-                <a:latin typeface="Whitney"/>
-              </a:rPr>
-              <a:t>Progress Label:</a:t>
-            </a:r>
-            <a:endParaRPr lang="pt-PT" sz="1600" b="1" i="0" dirty="0">
-              <a:effectLst/>
-              <a:latin typeface="Whitney"/>
-            </a:endParaRPr>
-          </a:p>
-          <a:p>
-            <a:r>
-              <a:rPr lang="pt-PT" sz="1600" dirty="0">
-                <a:latin typeface="Whitney"/>
-              </a:rPr>
-              <a:t>	 </a:t>
-            </a:r>
-            <a:r>
-              <a:rPr lang="pt-PT" sz="1600" b="0" i="0" dirty="0">
-                <a:effectLst/>
-                <a:latin typeface="Whitney"/>
-              </a:rPr>
-              <a:t>1 </a:t>
-            </a:r>
-            <a:r>
-              <a:rPr lang="pt-PT" sz="1600" dirty="0">
-                <a:latin typeface="Whitney"/>
-              </a:rPr>
-              <a:t>–</a:t>
-            </a:r>
-            <a:r>
-              <a:rPr lang="pt-PT" sz="1600" b="0" i="0" dirty="0">
-                <a:effectLst/>
-                <a:latin typeface="Whitney"/>
-              </a:rPr>
-              <a:t> To Do (0%)</a:t>
-            </a:r>
-          </a:p>
-          <a:p>
-            <a:r>
-              <a:rPr lang="pt-PT" sz="1600" b="0" i="0" dirty="0">
-                <a:effectLst/>
-                <a:latin typeface="Whitney"/>
-              </a:rPr>
-              <a:t> 	 2 </a:t>
-            </a:r>
-            <a:r>
-              <a:rPr lang="pt-PT" sz="1600" dirty="0">
-                <a:latin typeface="Whitney"/>
-              </a:rPr>
-              <a:t>–</a:t>
-            </a:r>
-            <a:r>
-              <a:rPr lang="pt-PT" sz="1600" b="0" i="0" dirty="0">
-                <a:effectLst/>
-                <a:latin typeface="Whitney"/>
-              </a:rPr>
-              <a:t> Started (~33%)</a:t>
-            </a:r>
-          </a:p>
-          <a:p>
-            <a:r>
-              <a:rPr lang="pt-PT" sz="1600" b="0" i="0" dirty="0">
-                <a:effectLst/>
-                <a:latin typeface="Whitney"/>
-              </a:rPr>
-              <a:t>	 3 – </a:t>
-            </a:r>
-            <a:r>
-              <a:rPr lang="pt-PT" sz="1600" dirty="0">
-                <a:latin typeface="Whitney"/>
-              </a:rPr>
-              <a:t>Almost Done (~66%)</a:t>
-            </a:r>
-            <a:endParaRPr lang="pt-PT" sz="1600" b="0" i="0" dirty="0">
-              <a:effectLst/>
-              <a:latin typeface="Whitney"/>
-            </a:endParaRPr>
-          </a:p>
-          <a:p>
-            <a:r>
-              <a:rPr lang="pt-PT" sz="1600" b="0" i="0" dirty="0">
-                <a:effectLst/>
-                <a:latin typeface="Whitney"/>
-              </a:rPr>
-              <a:t> 	 4 – </a:t>
-            </a:r>
-            <a:r>
-              <a:rPr lang="pt-PT" sz="1600" dirty="0">
-                <a:latin typeface="Whitney"/>
-              </a:rPr>
-              <a:t>Done (~100%)</a:t>
-            </a:r>
-            <a:endParaRPr lang="en-US" sz="1600" b="1" dirty="0"/>
-          </a:p>
-        </p:txBody>
-      </p:sp>
-      <p:pic>
-        <p:nvPicPr>
-          <p:cNvPr id="18" name="Imagem 8">
-            <a:extLst>
-              <a:ext uri="{FF2B5EF4-FFF2-40B4-BE49-F238E27FC236}">
-                <a16:creationId xmlns:a16="http://schemas.microsoft.com/office/drawing/2014/main" id="{C7F05D6B-2922-4E36-9CC7-A7C08474AE59}"/>
-              </a:ext>
-            </a:extLst>
-          </p:cNvPr>
-          <p:cNvPicPr>
-            <a:picLocks noChangeAspect="1"/>
-          </p:cNvPicPr>
-          <p:nvPr/>
-        </p:nvPicPr>
-        <p:blipFill>
-          <a:blip r:embed="rId3"/>
-          <a:stretch>
-            <a:fillRect/>
-          </a:stretch>
-        </p:blipFill>
-        <p:spPr>
-          <a:xfrm>
-            <a:off x="6709137" y="1919475"/>
-            <a:ext cx="167781" cy="162953"/>
-          </a:xfrm>
-          <a:prstGeom prst="rect">
-            <a:avLst/>
-          </a:prstGeom>
-        </p:spPr>
-      </p:pic>
-      <p:pic>
-        <p:nvPicPr>
-          <p:cNvPr id="19" name="Imagem 11">
-            <a:extLst>
-              <a:ext uri="{FF2B5EF4-FFF2-40B4-BE49-F238E27FC236}">
-                <a16:creationId xmlns:a16="http://schemas.microsoft.com/office/drawing/2014/main" id="{98EEE21F-E4B7-4DC6-87C2-B56830536428}"/>
-              </a:ext>
-            </a:extLst>
-          </p:cNvPr>
-          <p:cNvPicPr>
-            <a:picLocks noChangeAspect="1"/>
-          </p:cNvPicPr>
-          <p:nvPr/>
-        </p:nvPicPr>
-        <p:blipFill rotWithShape="1">
-          <a:blip r:embed="rId4"/>
-          <a:srcRect l="3681" t="-4162" b="-1"/>
-          <a:stretch/>
-        </p:blipFill>
-        <p:spPr>
-          <a:xfrm>
-            <a:off x="6709136" y="1400436"/>
-            <a:ext cx="167780" cy="169736"/>
-          </a:xfrm>
-          <a:prstGeom prst="rect">
-            <a:avLst/>
-          </a:prstGeom>
-        </p:spPr>
-      </p:pic>
-      <p:pic>
-        <p:nvPicPr>
-          <p:cNvPr id="20" name="Imagem 13">
-            <a:extLst>
-              <a:ext uri="{FF2B5EF4-FFF2-40B4-BE49-F238E27FC236}">
-                <a16:creationId xmlns:a16="http://schemas.microsoft.com/office/drawing/2014/main" id="{00008B3A-7AE0-4BA5-BB12-2ED902574C7F}"/>
-              </a:ext>
-            </a:extLst>
-          </p:cNvPr>
-          <p:cNvPicPr>
-            <a:picLocks noChangeAspect="1"/>
-          </p:cNvPicPr>
-          <p:nvPr/>
-        </p:nvPicPr>
-        <p:blipFill rotWithShape="1">
-          <a:blip r:embed="rId5"/>
-          <a:srcRect l="3680" t="2921"/>
-          <a:stretch/>
-        </p:blipFill>
-        <p:spPr>
-          <a:xfrm>
-            <a:off x="6709136" y="1670542"/>
-            <a:ext cx="167781" cy="162954"/>
-          </a:xfrm>
-          <a:prstGeom prst="rect">
-            <a:avLst/>
-          </a:prstGeom>
-        </p:spPr>
-      </p:pic>
-      <p:pic>
-        <p:nvPicPr>
-          <p:cNvPr id="21" name="Imagem 15">
-            <a:extLst>
-              <a:ext uri="{FF2B5EF4-FFF2-40B4-BE49-F238E27FC236}">
-                <a16:creationId xmlns:a16="http://schemas.microsoft.com/office/drawing/2014/main" id="{A6396E6F-1D40-43A3-84D5-9A1733214497}"/>
-              </a:ext>
-            </a:extLst>
-          </p:cNvPr>
-          <p:cNvPicPr>
-            <a:picLocks noChangeAspect="1"/>
-          </p:cNvPicPr>
-          <p:nvPr/>
-        </p:nvPicPr>
-        <p:blipFill rotWithShape="1">
-          <a:blip r:embed="rId6"/>
-          <a:srcRect l="18628" t="-4161" b="1"/>
-          <a:stretch/>
-        </p:blipFill>
-        <p:spPr>
-          <a:xfrm>
-            <a:off x="6709136" y="1155828"/>
-            <a:ext cx="167780" cy="169735"/>
-          </a:xfrm>
-          <a:prstGeom prst="rect">
-            <a:avLst/>
-          </a:prstGeom>
-        </p:spPr>
-      </p:pic>
-      <p:sp>
-        <p:nvSpPr>
-          <p:cNvPr id="24" name="Title 1">
-            <a:extLst>
-              <a:ext uri="{FF2B5EF4-FFF2-40B4-BE49-F238E27FC236}">
-                <a16:creationId xmlns:a16="http://schemas.microsoft.com/office/drawing/2014/main" id="{E09026A5-A272-40EE-BA2D-6F31A7DD81CF}"/>
-              </a:ext>
-            </a:extLst>
-          </p:cNvPr>
-          <p:cNvSpPr>
-            <a:spLocks noGrp="1"/>
-          </p:cNvSpPr>
-          <p:nvPr>
-            <p:ph type="title"/>
-          </p:nvPr>
-        </p:nvSpPr>
-        <p:spPr>
-          <a:xfrm>
-            <a:off x="371608" y="189027"/>
-            <a:ext cx="5876792" cy="864467"/>
-          </a:xfrm>
-        </p:spPr>
-        <p:txBody>
-          <a:bodyPr/>
-          <a:lstStyle/>
-          <a:p>
-            <a:r>
-              <a:rPr lang="en-US" b="1" dirty="0"/>
-              <a:t>Functional Requirements</a:t>
-            </a:r>
-            <a:endParaRPr lang="pt-PT" b="1" dirty="0"/>
-          </a:p>
-        </p:txBody>
-      </p:sp>
-    </p:spTree>
-    <p:extLst>
-      <p:ext uri="{BB962C8B-B14F-4D97-AF65-F5344CB8AC3E}">
-        <p14:creationId xmlns:p14="http://schemas.microsoft.com/office/powerpoint/2010/main" val="3273549024"/>
-      </p:ext>
-    </p:extLst>
-  </p:cSld>
-  <p:clrMapOvr>
-    <a:masterClrMapping/>
-  </p:clrMapOvr>
-</p:sld>
-</file>
-
-<file path=ppt/slides/slide4.xml><?xml version="1.0" encoding="utf-8"?>
-<p:sld xmlns:a="http://schemas.openxmlformats.org/drawingml/2006/main" xmlns:r="http://schemas.openxmlformats.org/officeDocument/2006/relationships" xmlns:p="http://schemas.openxmlformats.org/presentationml/2006/main">
-  <p:cSld>
-    <p:spTree>
-      <p:nvGrpSpPr>
-        <p:cNvPr id="1" name=""/>
-        <p:cNvGrpSpPr/>
-        <p:nvPr/>
-      </p:nvGrpSpPr>
-      <p:grpSpPr>
-        <a:xfrm>
-          <a:off x="0" y="0"/>
-          <a:ext cx="0" cy="0"/>
-          <a:chOff x="0" y="0"/>
-          <a:chExt cx="0" cy="0"/>
-        </a:xfrm>
-      </p:grpSpPr>
-      <p:sp>
-        <p:nvSpPr>
-          <p:cNvPr id="3" name="Content Placeholder 2">
-            <a:extLst>
-              <a:ext uri="{FF2B5EF4-FFF2-40B4-BE49-F238E27FC236}">
-                <a16:creationId xmlns:a16="http://schemas.microsoft.com/office/drawing/2014/main" id="{8AF86C82-E853-4C58-8BD9-BC7AA445BF10}"/>
-              </a:ext>
-            </a:extLst>
-          </p:cNvPr>
-          <p:cNvSpPr>
-            <a:spLocks noGrp="1"/>
-          </p:cNvSpPr>
-          <p:nvPr>
-            <p:ph idx="1"/>
-          </p:nvPr>
-        </p:nvSpPr>
-        <p:spPr>
-          <a:xfrm>
-            <a:off x="1120000" y="1986989"/>
-            <a:ext cx="10233800" cy="4351338"/>
-          </a:xfrm>
-        </p:spPr>
-        <p:txBody>
-          <a:bodyPr/>
-          <a:lstStyle/>
-          <a:p>
-            <a:pPr>
-              <a:buFont typeface="Wingdings" panose="05000000000000000000" pitchFamily="2" charset="2"/>
-              <a:buChar char="v"/>
-            </a:pPr>
-            <a:r>
-              <a:rPr lang="en-US" dirty="0"/>
-              <a:t>User Requirements (cont.)</a:t>
-            </a:r>
-          </a:p>
-          <a:p>
-            <a:pPr marL="1143000" indent="-457200" rtl="0">
-              <a:spcBef>
-                <a:spcPts val="1200"/>
-              </a:spcBef>
-              <a:spcAft>
-                <a:spcPts val="1200"/>
-              </a:spcAft>
-              <a:buFont typeface="+mj-lt"/>
-              <a:buAutoNum type="arabicPeriod" startAt="9"/>
-            </a:pPr>
-            <a:r>
-              <a:rPr lang="en-US" sz="2400" b="0" i="0" u="none" strike="noStrike" dirty="0">
-                <a:solidFill>
-                  <a:srgbClr val="00B050"/>
-                </a:solidFill>
-                <a:effectLst/>
-              </a:rPr>
-              <a:t>Register a School</a:t>
-            </a:r>
-            <a:endParaRPr lang="en-US" sz="2400" b="0" dirty="0">
-              <a:solidFill>
-                <a:srgbClr val="00B050"/>
-              </a:solidFill>
-              <a:effectLst/>
-            </a:endParaRPr>
-          </a:p>
-          <a:p>
-            <a:pPr marL="1143000" indent="-457200" rtl="0">
-              <a:spcBef>
-                <a:spcPts val="1200"/>
-              </a:spcBef>
-              <a:spcAft>
-                <a:spcPts val="1200"/>
-              </a:spcAft>
-              <a:buFont typeface="+mj-lt"/>
-              <a:buAutoNum type="arabicPeriod" startAt="9"/>
-            </a:pPr>
-            <a:r>
-              <a:rPr lang="en-US" sz="2400" b="0" i="0" u="none" strike="noStrike" dirty="0">
-                <a:solidFill>
-                  <a:srgbClr val="00B050"/>
-                </a:solidFill>
-                <a:effectLst/>
-              </a:rPr>
-              <a:t>List schools</a:t>
-            </a:r>
-            <a:endParaRPr lang="en-US" sz="2400" b="0" dirty="0">
-              <a:solidFill>
-                <a:srgbClr val="00B050"/>
-              </a:solidFill>
-              <a:effectLst/>
-            </a:endParaRPr>
-          </a:p>
-          <a:p>
-            <a:pPr marL="1143000" indent="-457200" rtl="0">
-              <a:spcBef>
-                <a:spcPts val="1200"/>
-              </a:spcBef>
-              <a:spcAft>
-                <a:spcPts val="1200"/>
-              </a:spcAft>
-              <a:buFont typeface="+mj-lt"/>
-              <a:buAutoNum type="arabicPeriod" startAt="9"/>
-            </a:pPr>
-            <a:r>
-              <a:rPr lang="en-US" sz="2400" dirty="0">
-                <a:solidFill>
-                  <a:schemeClr val="accent2"/>
-                </a:solidFill>
-              </a:rPr>
-              <a:t>R</a:t>
-            </a:r>
-            <a:r>
-              <a:rPr lang="en-US" sz="2400" b="0" i="0" u="none" strike="noStrike" dirty="0">
-                <a:solidFill>
-                  <a:schemeClr val="accent2"/>
-                </a:solidFill>
-                <a:effectLst/>
-              </a:rPr>
-              <a:t>egistration of schools in competitions</a:t>
-            </a:r>
-            <a:endParaRPr lang="en-US" sz="2400" b="0" dirty="0">
-              <a:solidFill>
-                <a:schemeClr val="accent2"/>
-              </a:solidFill>
-              <a:effectLst/>
-            </a:endParaRPr>
-          </a:p>
-          <a:p>
-            <a:pPr marL="1143000" indent="-457200" rtl="0">
-              <a:spcBef>
-                <a:spcPts val="1200"/>
-              </a:spcBef>
-              <a:spcAft>
-                <a:spcPts val="1200"/>
-              </a:spcAft>
-              <a:buFont typeface="+mj-lt"/>
-              <a:buAutoNum type="arabicPeriod" startAt="9"/>
-            </a:pPr>
-            <a:r>
-              <a:rPr lang="en-US" sz="2400" b="0" i="0" u="none" strike="noStrike" dirty="0">
-                <a:solidFill>
-                  <a:schemeClr val="accent2"/>
-                </a:solidFill>
-                <a:effectLst/>
-              </a:rPr>
-              <a:t>Associate a teacher or a student to a school</a:t>
-            </a:r>
-          </a:p>
-          <a:p>
-            <a:pPr marL="1143000" indent="-457200">
-              <a:spcBef>
-                <a:spcPts val="1200"/>
-              </a:spcBef>
-              <a:spcAft>
-                <a:spcPts val="1200"/>
-              </a:spcAft>
-              <a:buFont typeface="+mj-lt"/>
-              <a:buAutoNum type="arabicPeriod" startAt="9"/>
-            </a:pPr>
-            <a:r>
-              <a:rPr lang="en-US" sz="2400" b="0" i="0" u="none" strike="noStrike" dirty="0">
-                <a:solidFill>
-                  <a:schemeClr val="accent2"/>
-                </a:solidFill>
-                <a:effectLst/>
-              </a:rPr>
-              <a:t>Map view of the schools involved in Pmate</a:t>
-            </a:r>
-            <a:endParaRPr lang="en-US" sz="2400" b="0" dirty="0">
-              <a:solidFill>
-                <a:schemeClr val="accent2"/>
-              </a:solidFill>
-              <a:effectLst/>
-            </a:endParaRPr>
-          </a:p>
-        </p:txBody>
-      </p:sp>
-      <p:pic>
-        <p:nvPicPr>
-          <p:cNvPr id="4" name="Picture 3" descr="A picture containing light, blur&#10;&#10;Description automatically generated">
-            <a:extLst>
-              <a:ext uri="{FF2B5EF4-FFF2-40B4-BE49-F238E27FC236}">
-                <a16:creationId xmlns:a16="http://schemas.microsoft.com/office/drawing/2014/main" id="{EA606504-73F6-4FF6-98F8-924E953FC36D}"/>
-              </a:ext>
-            </a:extLst>
-          </p:cNvPr>
-          <p:cNvPicPr>
-            <a:picLocks noChangeAspect="1"/>
-          </p:cNvPicPr>
-          <p:nvPr/>
-        </p:nvPicPr>
-        <p:blipFill>
-          <a:blip r:embed="rId2"/>
-          <a:stretch>
-            <a:fillRect/>
-          </a:stretch>
-        </p:blipFill>
-        <p:spPr>
-          <a:xfrm>
-            <a:off x="419120" y="1763674"/>
-            <a:ext cx="816623" cy="816623"/>
-          </a:xfrm>
-          <a:prstGeom prst="rect">
-            <a:avLst/>
-          </a:prstGeom>
-        </p:spPr>
-      </p:pic>
-      <p:sp>
-        <p:nvSpPr>
-          <p:cNvPr id="21" name="Slide Number Placeholder 5">
-            <a:extLst>
-              <a:ext uri="{FF2B5EF4-FFF2-40B4-BE49-F238E27FC236}">
-                <a16:creationId xmlns:a16="http://schemas.microsoft.com/office/drawing/2014/main" id="{B5CC847D-51AD-4AAE-810D-7C6195A2E219}"/>
-              </a:ext>
-            </a:extLst>
-          </p:cNvPr>
-          <p:cNvSpPr txBox="1">
-            <a:spLocks/>
-          </p:cNvSpPr>
-          <p:nvPr/>
-        </p:nvSpPr>
-        <p:spPr>
-          <a:xfrm>
-            <a:off x="11508661" y="6492875"/>
-            <a:ext cx="683339" cy="365125"/>
-          </a:xfrm>
-          <a:prstGeom prst="rect">
-            <a:avLst/>
-          </a:prstGeom>
-        </p:spPr>
-        <p:txBody>
-          <a:bodyPr vert="horz" lIns="91440" tIns="45720" rIns="91440" bIns="45720" rtlCol="0" anchor="ctr"/>
-          <a:lstStyle>
-            <a:defPPr>
-              <a:defRPr lang="en-US"/>
-            </a:defPPr>
-            <a:lvl1pPr marL="0" algn="r" defTabSz="457200" rtl="0" eaLnBrk="1" latinLnBrk="0" hangingPunct="1">
-              <a:defRPr sz="900" kern="1200">
-                <a:solidFill>
-                  <a:schemeClr val="accent1"/>
-                </a:solidFill>
-                <a:latin typeface="+mn-lt"/>
-                <a:ea typeface="+mn-ea"/>
-                <a:cs typeface="+mn-cs"/>
-              </a:defRPr>
-            </a:lvl1pPr>
-            <a:lvl2pPr marL="457200" algn="l" defTabSz="457200" rtl="0" eaLnBrk="1" latinLnBrk="0" hangingPunct="1">
-              <a:defRPr sz="1800" kern="1200">
-                <a:solidFill>
-                  <a:schemeClr val="tx1"/>
-                </a:solidFill>
-                <a:latin typeface="+mn-lt"/>
-                <a:ea typeface="+mn-ea"/>
-                <a:cs typeface="+mn-cs"/>
-              </a:defRPr>
-            </a:lvl2pPr>
-            <a:lvl3pPr marL="914400" algn="l" defTabSz="457200" rtl="0" eaLnBrk="1" latinLnBrk="0" hangingPunct="1">
-              <a:defRPr sz="1800" kern="1200">
-                <a:solidFill>
-                  <a:schemeClr val="tx1"/>
-                </a:solidFill>
-                <a:latin typeface="+mn-lt"/>
-                <a:ea typeface="+mn-ea"/>
-                <a:cs typeface="+mn-cs"/>
-              </a:defRPr>
-            </a:lvl3pPr>
-            <a:lvl4pPr marL="1371600" algn="l" defTabSz="457200" rtl="0" eaLnBrk="1" latinLnBrk="0" hangingPunct="1">
-              <a:defRPr sz="1800" kern="1200">
-                <a:solidFill>
-                  <a:schemeClr val="tx1"/>
-                </a:solidFill>
-                <a:latin typeface="+mn-lt"/>
-                <a:ea typeface="+mn-ea"/>
-                <a:cs typeface="+mn-cs"/>
-              </a:defRPr>
-            </a:lvl4pPr>
-            <a:lvl5pPr marL="1828800" algn="l" defTabSz="457200" rtl="0" eaLnBrk="1" latinLnBrk="0" hangingPunct="1">
-              <a:defRPr sz="1800" kern="1200">
-                <a:solidFill>
-                  <a:schemeClr val="tx1"/>
-                </a:solidFill>
-                <a:latin typeface="+mn-lt"/>
-                <a:ea typeface="+mn-ea"/>
-                <a:cs typeface="+mn-cs"/>
-              </a:defRPr>
-            </a:lvl5pPr>
-            <a:lvl6pPr marL="2286000" algn="l" defTabSz="457200" rtl="0" eaLnBrk="1" latinLnBrk="0" hangingPunct="1">
-              <a:defRPr sz="1800" kern="1200">
-                <a:solidFill>
-                  <a:schemeClr val="tx1"/>
-                </a:solidFill>
-                <a:latin typeface="+mn-lt"/>
-                <a:ea typeface="+mn-ea"/>
-                <a:cs typeface="+mn-cs"/>
-              </a:defRPr>
-            </a:lvl6pPr>
-            <a:lvl7pPr marL="2743200" algn="l" defTabSz="457200" rtl="0" eaLnBrk="1" latinLnBrk="0" hangingPunct="1">
-              <a:defRPr sz="1800" kern="1200">
-                <a:solidFill>
-                  <a:schemeClr val="tx1"/>
-                </a:solidFill>
-                <a:latin typeface="+mn-lt"/>
-                <a:ea typeface="+mn-ea"/>
-                <a:cs typeface="+mn-cs"/>
-              </a:defRPr>
-            </a:lvl7pPr>
-            <a:lvl8pPr marL="3200400" algn="l" defTabSz="457200" rtl="0" eaLnBrk="1" latinLnBrk="0" hangingPunct="1">
-              <a:defRPr sz="1800" kern="1200">
-                <a:solidFill>
-                  <a:schemeClr val="tx1"/>
-                </a:solidFill>
-                <a:latin typeface="+mn-lt"/>
-                <a:ea typeface="+mn-ea"/>
-                <a:cs typeface="+mn-cs"/>
-              </a:defRPr>
-            </a:lvl8pPr>
-            <a:lvl9pPr marL="3657600" algn="l" defTabSz="457200" rtl="0" eaLnBrk="1" latinLnBrk="0" hangingPunct="1">
-              <a:defRPr sz="1800" kern="1200">
-                <a:solidFill>
-                  <a:schemeClr val="tx1"/>
-                </a:solidFill>
-                <a:latin typeface="+mn-lt"/>
-                <a:ea typeface="+mn-ea"/>
-                <a:cs typeface="+mn-cs"/>
-              </a:defRPr>
-            </a:lvl9pPr>
-          </a:lstStyle>
-          <a:p>
-            <a:fld id="{34B7E4EF-A1BD-40F4-AB7B-04F084DD991D}" type="slidenum">
-              <a:rPr lang="en-US" sz="2000" smtClean="0">
-                <a:solidFill>
-                  <a:schemeClr val="bg1"/>
-                </a:solidFill>
-              </a:rPr>
-              <a:pPr/>
-              <a:t>4</a:t>
-            </a:fld>
-            <a:endParaRPr lang="en-US" sz="2000" dirty="0">
-              <a:solidFill>
-                <a:schemeClr val="bg1"/>
-              </a:solidFill>
-            </a:endParaRPr>
-          </a:p>
-        </p:txBody>
-      </p:sp>
-      <p:sp>
-        <p:nvSpPr>
-          <p:cNvPr id="22" name="CaixaDeTexto 9">
-            <a:extLst>
-              <a:ext uri="{FF2B5EF4-FFF2-40B4-BE49-F238E27FC236}">
-                <a16:creationId xmlns:a16="http://schemas.microsoft.com/office/drawing/2014/main" id="{76BA15B1-9D27-448C-85C2-82376639D542}"/>
-              </a:ext>
-            </a:extLst>
-          </p:cNvPr>
-          <p:cNvSpPr txBox="1"/>
-          <p:nvPr/>
-        </p:nvSpPr>
-        <p:spPr>
-          <a:xfrm>
-            <a:off x="6348589" y="804937"/>
-            <a:ext cx="2699072" cy="1354217"/>
-          </a:xfrm>
-          <a:prstGeom prst="rect">
-            <a:avLst/>
-          </a:prstGeom>
-          <a:noFill/>
-        </p:spPr>
-        <p:txBody>
-          <a:bodyPr wrap="none" rtlCol="0">
-            <a:spAutoFit/>
-          </a:bodyPr>
-          <a:lstStyle/>
-          <a:p>
-            <a:r>
-              <a:rPr lang="pt-PT" b="1" i="0" dirty="0">
-                <a:effectLst/>
-                <a:latin typeface="Whitney"/>
-              </a:rPr>
-              <a:t>Progress Label:</a:t>
-            </a:r>
-            <a:endParaRPr lang="pt-PT" sz="1600" b="1" i="0" dirty="0">
-              <a:effectLst/>
-              <a:latin typeface="Whitney"/>
-            </a:endParaRPr>
-          </a:p>
-          <a:p>
-            <a:r>
-              <a:rPr lang="pt-PT" sz="1600" dirty="0">
-                <a:latin typeface="Whitney"/>
-              </a:rPr>
-              <a:t>	 </a:t>
-            </a:r>
-            <a:r>
-              <a:rPr lang="pt-PT" sz="1600" b="0" i="0" dirty="0">
-                <a:effectLst/>
-                <a:latin typeface="Whitney"/>
-              </a:rPr>
-              <a:t>1 </a:t>
-            </a:r>
-            <a:r>
-              <a:rPr lang="pt-PT" sz="1600" dirty="0">
-                <a:latin typeface="Whitney"/>
-              </a:rPr>
-              <a:t>–</a:t>
-            </a:r>
-            <a:r>
-              <a:rPr lang="pt-PT" sz="1600" b="0" i="0" dirty="0">
-                <a:effectLst/>
-                <a:latin typeface="Whitney"/>
-              </a:rPr>
-              <a:t> To Do (0%)</a:t>
-            </a:r>
-          </a:p>
-          <a:p>
-            <a:r>
-              <a:rPr lang="pt-PT" sz="1600" b="0" i="0" dirty="0">
-                <a:effectLst/>
-                <a:latin typeface="Whitney"/>
-              </a:rPr>
-              <a:t> 	 2 </a:t>
-            </a:r>
-            <a:r>
-              <a:rPr lang="pt-PT" sz="1600" dirty="0">
-                <a:latin typeface="Whitney"/>
-              </a:rPr>
-              <a:t>–</a:t>
-            </a:r>
-            <a:r>
-              <a:rPr lang="pt-PT" sz="1600" b="0" i="0" dirty="0">
-                <a:effectLst/>
-                <a:latin typeface="Whitney"/>
-              </a:rPr>
-              <a:t> Started (~33%)</a:t>
-            </a:r>
-          </a:p>
-          <a:p>
-            <a:r>
-              <a:rPr lang="pt-PT" sz="1600" b="0" i="0" dirty="0">
-                <a:effectLst/>
-                <a:latin typeface="Whitney"/>
-              </a:rPr>
-              <a:t>	 3 – </a:t>
-            </a:r>
-            <a:r>
-              <a:rPr lang="pt-PT" sz="1600" dirty="0">
-                <a:latin typeface="Whitney"/>
-              </a:rPr>
-              <a:t>Almost Done (~66%)</a:t>
-            </a:r>
-            <a:endParaRPr lang="pt-PT" sz="1600" b="0" i="0" dirty="0">
-              <a:effectLst/>
-              <a:latin typeface="Whitney"/>
-            </a:endParaRPr>
-          </a:p>
-          <a:p>
-            <a:r>
-              <a:rPr lang="pt-PT" sz="1600" b="0" i="0" dirty="0">
-                <a:effectLst/>
-                <a:latin typeface="Whitney"/>
-              </a:rPr>
-              <a:t> 	 4 – </a:t>
-            </a:r>
-            <a:r>
-              <a:rPr lang="pt-PT" sz="1600" dirty="0">
-                <a:latin typeface="Whitney"/>
-              </a:rPr>
-              <a:t>Done (~100%)</a:t>
-            </a:r>
-            <a:endParaRPr lang="en-US" sz="1600" b="1" dirty="0"/>
-          </a:p>
-        </p:txBody>
-      </p:sp>
-      <p:pic>
-        <p:nvPicPr>
-          <p:cNvPr id="23" name="Imagem 8">
-            <a:extLst>
-              <a:ext uri="{FF2B5EF4-FFF2-40B4-BE49-F238E27FC236}">
-                <a16:creationId xmlns:a16="http://schemas.microsoft.com/office/drawing/2014/main" id="{D9E53462-995A-4BD0-822C-1DBA99138326}"/>
-              </a:ext>
-            </a:extLst>
-          </p:cNvPr>
-          <p:cNvPicPr>
-            <a:picLocks noChangeAspect="1"/>
-          </p:cNvPicPr>
-          <p:nvPr/>
-        </p:nvPicPr>
-        <p:blipFill>
-          <a:blip r:embed="rId3"/>
-          <a:stretch>
-            <a:fillRect/>
-          </a:stretch>
-        </p:blipFill>
-        <p:spPr>
-          <a:xfrm>
-            <a:off x="6709137" y="1919475"/>
-            <a:ext cx="167781" cy="162953"/>
-          </a:xfrm>
-          <a:prstGeom prst="rect">
-            <a:avLst/>
-          </a:prstGeom>
-        </p:spPr>
-      </p:pic>
-      <p:pic>
-        <p:nvPicPr>
-          <p:cNvPr id="24" name="Imagem 11">
-            <a:extLst>
-              <a:ext uri="{FF2B5EF4-FFF2-40B4-BE49-F238E27FC236}">
-                <a16:creationId xmlns:a16="http://schemas.microsoft.com/office/drawing/2014/main" id="{D2827D9D-6132-4454-8F1F-D34EEB92CA07}"/>
-              </a:ext>
-            </a:extLst>
-          </p:cNvPr>
-          <p:cNvPicPr>
-            <a:picLocks noChangeAspect="1"/>
-          </p:cNvPicPr>
-          <p:nvPr/>
-        </p:nvPicPr>
-        <p:blipFill rotWithShape="1">
-          <a:blip r:embed="rId4"/>
-          <a:srcRect l="3681" t="-4162" b="-1"/>
-          <a:stretch/>
-        </p:blipFill>
-        <p:spPr>
-          <a:xfrm>
-            <a:off x="6709136" y="1400436"/>
-            <a:ext cx="167780" cy="169736"/>
-          </a:xfrm>
-          <a:prstGeom prst="rect">
-            <a:avLst/>
-          </a:prstGeom>
-        </p:spPr>
-      </p:pic>
-      <p:pic>
-        <p:nvPicPr>
-          <p:cNvPr id="25" name="Imagem 13">
-            <a:extLst>
-              <a:ext uri="{FF2B5EF4-FFF2-40B4-BE49-F238E27FC236}">
-                <a16:creationId xmlns:a16="http://schemas.microsoft.com/office/drawing/2014/main" id="{2990E3C0-A48F-4106-9710-5113A1DA0559}"/>
-              </a:ext>
-            </a:extLst>
-          </p:cNvPr>
-          <p:cNvPicPr>
-            <a:picLocks noChangeAspect="1"/>
-          </p:cNvPicPr>
-          <p:nvPr/>
-        </p:nvPicPr>
-        <p:blipFill rotWithShape="1">
-          <a:blip r:embed="rId5"/>
-          <a:srcRect l="3680" t="2921"/>
-          <a:stretch/>
-        </p:blipFill>
-        <p:spPr>
-          <a:xfrm>
-            <a:off x="6709136" y="1670542"/>
-            <a:ext cx="167781" cy="162954"/>
-          </a:xfrm>
-          <a:prstGeom prst="rect">
-            <a:avLst/>
-          </a:prstGeom>
-        </p:spPr>
-      </p:pic>
-      <p:pic>
-        <p:nvPicPr>
-          <p:cNvPr id="26" name="Imagem 15">
-            <a:extLst>
-              <a:ext uri="{FF2B5EF4-FFF2-40B4-BE49-F238E27FC236}">
-                <a16:creationId xmlns:a16="http://schemas.microsoft.com/office/drawing/2014/main" id="{4FFC5C28-4360-4792-9774-FCA78806ACDE}"/>
-              </a:ext>
-            </a:extLst>
-          </p:cNvPr>
-          <p:cNvPicPr>
-            <a:picLocks noChangeAspect="1"/>
-          </p:cNvPicPr>
-          <p:nvPr/>
-        </p:nvPicPr>
-        <p:blipFill rotWithShape="1">
-          <a:blip r:embed="rId6"/>
-          <a:srcRect l="18628" t="-4161" b="1"/>
-          <a:stretch/>
-        </p:blipFill>
-        <p:spPr>
-          <a:xfrm>
-            <a:off x="6709136" y="1155828"/>
-            <a:ext cx="167780" cy="169735"/>
-          </a:xfrm>
-          <a:prstGeom prst="rect">
-            <a:avLst/>
-          </a:prstGeom>
-        </p:spPr>
-      </p:pic>
-      <p:sp>
-        <p:nvSpPr>
-          <p:cNvPr id="29" name="Title 1">
-            <a:extLst>
-              <a:ext uri="{FF2B5EF4-FFF2-40B4-BE49-F238E27FC236}">
-                <a16:creationId xmlns:a16="http://schemas.microsoft.com/office/drawing/2014/main" id="{21BBA51E-0923-42CD-A73D-7BCBF45CB5D2}"/>
-              </a:ext>
-            </a:extLst>
-          </p:cNvPr>
-          <p:cNvSpPr>
-            <a:spLocks noGrp="1"/>
-          </p:cNvSpPr>
-          <p:nvPr>
-            <p:ph type="title"/>
-          </p:nvPr>
-        </p:nvSpPr>
-        <p:spPr>
-          <a:xfrm>
-            <a:off x="371608" y="189027"/>
-            <a:ext cx="5876792" cy="864467"/>
-          </a:xfrm>
-        </p:spPr>
-        <p:txBody>
-          <a:bodyPr/>
-          <a:lstStyle/>
-          <a:p>
-            <a:r>
-              <a:rPr lang="en-US" b="1" dirty="0"/>
-              <a:t>Functional Requirements</a:t>
-            </a:r>
-            <a:endParaRPr lang="pt-PT" b="1" dirty="0"/>
-          </a:p>
-        </p:txBody>
-      </p:sp>
-    </p:spTree>
-    <p:extLst>
-      <p:ext uri="{BB962C8B-B14F-4D97-AF65-F5344CB8AC3E}">
-        <p14:creationId xmlns:p14="http://schemas.microsoft.com/office/powerpoint/2010/main" val="2157179690"/>
-      </p:ext>
-    </p:extLst>
-  </p:cSld>
-  <p:clrMapOvr>
-    <a:masterClrMapping/>
-  </p:clrMapOvr>
-</p:sld>
-</file>
-
-<file path=ppt/slides/slide5.xml><?xml version="1.0" encoding="utf-8"?>
-<p:sld xmlns:a="http://schemas.openxmlformats.org/drawingml/2006/main" xmlns:r="http://schemas.openxmlformats.org/officeDocument/2006/relationships" xmlns:p="http://schemas.openxmlformats.org/presentationml/2006/main">
-  <p:cSld>
-    <p:spTree>
-      <p:nvGrpSpPr>
-        <p:cNvPr id="1" name=""/>
-        <p:cNvGrpSpPr/>
-        <p:nvPr/>
-      </p:nvGrpSpPr>
-      <p:grpSpPr>
-        <a:xfrm>
-          <a:off x="0" y="0"/>
-          <a:ext cx="0" cy="0"/>
-          <a:chOff x="0" y="0"/>
-          <a:chExt cx="0" cy="0"/>
-        </a:xfrm>
-      </p:grpSpPr>
-      <p:sp>
-        <p:nvSpPr>
-          <p:cNvPr id="3" name="Content Placeholder 2">
-            <a:extLst>
-              <a:ext uri="{FF2B5EF4-FFF2-40B4-BE49-F238E27FC236}">
-                <a16:creationId xmlns:a16="http://schemas.microsoft.com/office/drawing/2014/main" id="{8AF86C82-E853-4C58-8BD9-BC7AA445BF10}"/>
-              </a:ext>
-            </a:extLst>
-          </p:cNvPr>
-          <p:cNvSpPr>
-            <a:spLocks noGrp="1"/>
-          </p:cNvSpPr>
-          <p:nvPr>
-            <p:ph idx="1"/>
-          </p:nvPr>
-        </p:nvSpPr>
-        <p:spPr>
-          <a:xfrm>
-            <a:off x="1111036" y="2184213"/>
-            <a:ext cx="10233800" cy="4351338"/>
-          </a:xfrm>
-        </p:spPr>
-        <p:txBody>
-          <a:bodyPr>
-            <a:normAutofit/>
-          </a:bodyPr>
-          <a:lstStyle/>
-          <a:p>
-            <a:pPr>
-              <a:buFont typeface="Wingdings" panose="05000000000000000000" pitchFamily="2" charset="2"/>
-              <a:buChar char="v"/>
-            </a:pPr>
-            <a:r>
-              <a:rPr lang="en-US" dirty="0"/>
-              <a:t>User Requirements (cont.)</a:t>
-            </a:r>
-          </a:p>
-          <a:p>
-            <a:pPr marL="1143000" indent="-457200" rtl="0">
-              <a:spcBef>
-                <a:spcPts val="1200"/>
-              </a:spcBef>
-              <a:spcAft>
-                <a:spcPts val="1200"/>
-              </a:spcAft>
-              <a:buFont typeface="+mj-lt"/>
-              <a:buAutoNum type="arabicPeriod" startAt="14"/>
-            </a:pPr>
-            <a:r>
-              <a:rPr lang="en-US" sz="2400" dirty="0">
-                <a:solidFill>
-                  <a:srgbClr val="00B050"/>
-                </a:solidFill>
-              </a:rPr>
-              <a:t>Create a new test or training game.</a:t>
-            </a:r>
-          </a:p>
-          <a:p>
-            <a:pPr marL="1143000" indent="-457200" rtl="0">
-              <a:spcBef>
-                <a:spcPts val="1200"/>
-              </a:spcBef>
-              <a:spcAft>
-                <a:spcPts val="1200"/>
-              </a:spcAft>
-              <a:buFont typeface="+mj-lt"/>
-              <a:buAutoNum type="arabicPeriod" startAt="14"/>
-            </a:pPr>
-            <a:r>
-              <a:rPr lang="en-US" sz="2400" dirty="0">
-                <a:solidFill>
-                  <a:schemeClr val="accent2"/>
-                </a:solidFill>
-              </a:rPr>
-              <a:t>Copy ‘question models’ from an older test to a new one.</a:t>
-            </a:r>
-          </a:p>
-          <a:p>
-            <a:pPr marL="1143000" indent="-457200" rtl="0">
-              <a:spcBef>
-                <a:spcPts val="1200"/>
-              </a:spcBef>
-              <a:spcAft>
-                <a:spcPts val="1200"/>
-              </a:spcAft>
-              <a:buFont typeface="+mj-lt"/>
-              <a:buAutoNum type="arabicPeriod" startAt="14"/>
-            </a:pPr>
-            <a:r>
-              <a:rPr lang="en-US" sz="2400" dirty="0">
-                <a:solidFill>
-                  <a:schemeClr val="accent2"/>
-                </a:solidFill>
-              </a:rPr>
-              <a:t>List students and professors of a school.</a:t>
-            </a:r>
-          </a:p>
-          <a:p>
-            <a:pPr marL="1143000" indent="-457200" rtl="0">
-              <a:spcBef>
-                <a:spcPts val="1200"/>
-              </a:spcBef>
-              <a:spcAft>
-                <a:spcPts val="1200"/>
-              </a:spcAft>
-              <a:buFont typeface="+mj-lt"/>
-              <a:buAutoNum type="arabicPeriod" startAt="14"/>
-            </a:pPr>
-            <a:r>
-              <a:rPr lang="en-US" sz="2400" dirty="0">
-                <a:solidFill>
-                  <a:schemeClr val="accent2"/>
-                </a:solidFill>
-              </a:rPr>
-              <a:t>Communication via email for a user or a target group of users (teachers, students, etc.).</a:t>
-            </a:r>
-          </a:p>
-        </p:txBody>
-      </p:sp>
-      <p:pic>
-        <p:nvPicPr>
-          <p:cNvPr id="4" name="Picture 3" descr="A picture containing light, blur&#10;&#10;Description automatically generated">
-            <a:extLst>
-              <a:ext uri="{FF2B5EF4-FFF2-40B4-BE49-F238E27FC236}">
-                <a16:creationId xmlns:a16="http://schemas.microsoft.com/office/drawing/2014/main" id="{B90A8D46-EA39-4CBC-B80E-14284456926A}"/>
-              </a:ext>
-            </a:extLst>
-          </p:cNvPr>
-          <p:cNvPicPr>
-            <a:picLocks noChangeAspect="1"/>
-          </p:cNvPicPr>
-          <p:nvPr/>
-        </p:nvPicPr>
-        <p:blipFill>
-          <a:blip r:embed="rId2"/>
-          <a:stretch>
-            <a:fillRect/>
-          </a:stretch>
-        </p:blipFill>
-        <p:spPr>
-          <a:xfrm>
-            <a:off x="419120" y="2014194"/>
-            <a:ext cx="816623" cy="816623"/>
-          </a:xfrm>
-          <a:prstGeom prst="rect">
-            <a:avLst/>
-          </a:prstGeom>
-        </p:spPr>
-      </p:pic>
-      <p:sp>
-        <p:nvSpPr>
-          <p:cNvPr id="16" name="Slide Number Placeholder 5">
-            <a:extLst>
-              <a:ext uri="{FF2B5EF4-FFF2-40B4-BE49-F238E27FC236}">
-                <a16:creationId xmlns:a16="http://schemas.microsoft.com/office/drawing/2014/main" id="{A460D99F-2392-4C28-8813-120E97B3AB48}"/>
-              </a:ext>
-            </a:extLst>
-          </p:cNvPr>
-          <p:cNvSpPr txBox="1">
-            <a:spLocks/>
-          </p:cNvSpPr>
-          <p:nvPr/>
-        </p:nvSpPr>
-        <p:spPr>
-          <a:xfrm>
-            <a:off x="11508661" y="6492875"/>
-            <a:ext cx="683339" cy="365125"/>
-          </a:xfrm>
-          <a:prstGeom prst="rect">
-            <a:avLst/>
-          </a:prstGeom>
-        </p:spPr>
-        <p:txBody>
-          <a:bodyPr vert="horz" lIns="91440" tIns="45720" rIns="91440" bIns="45720" rtlCol="0" anchor="ctr"/>
-          <a:lstStyle>
-            <a:defPPr>
-              <a:defRPr lang="en-US"/>
-            </a:defPPr>
-            <a:lvl1pPr marL="0" algn="r" defTabSz="457200" rtl="0" eaLnBrk="1" latinLnBrk="0" hangingPunct="1">
-              <a:defRPr sz="900" kern="1200">
-                <a:solidFill>
-                  <a:schemeClr val="accent1"/>
-                </a:solidFill>
-                <a:latin typeface="+mn-lt"/>
-                <a:ea typeface="+mn-ea"/>
-                <a:cs typeface="+mn-cs"/>
-              </a:defRPr>
-            </a:lvl1pPr>
-            <a:lvl2pPr marL="457200" algn="l" defTabSz="457200" rtl="0" eaLnBrk="1" latinLnBrk="0" hangingPunct="1">
-              <a:defRPr sz="1800" kern="1200">
-                <a:solidFill>
-                  <a:schemeClr val="tx1"/>
-                </a:solidFill>
-                <a:latin typeface="+mn-lt"/>
-                <a:ea typeface="+mn-ea"/>
-                <a:cs typeface="+mn-cs"/>
-              </a:defRPr>
-            </a:lvl2pPr>
-            <a:lvl3pPr marL="914400" algn="l" defTabSz="457200" rtl="0" eaLnBrk="1" latinLnBrk="0" hangingPunct="1">
-              <a:defRPr sz="1800" kern="1200">
-                <a:solidFill>
-                  <a:schemeClr val="tx1"/>
-                </a:solidFill>
-                <a:latin typeface="+mn-lt"/>
-                <a:ea typeface="+mn-ea"/>
-                <a:cs typeface="+mn-cs"/>
-              </a:defRPr>
-            </a:lvl3pPr>
-            <a:lvl4pPr marL="1371600" algn="l" defTabSz="457200" rtl="0" eaLnBrk="1" latinLnBrk="0" hangingPunct="1">
-              <a:defRPr sz="1800" kern="1200">
-                <a:solidFill>
-                  <a:schemeClr val="tx1"/>
-                </a:solidFill>
-                <a:latin typeface="+mn-lt"/>
-                <a:ea typeface="+mn-ea"/>
-                <a:cs typeface="+mn-cs"/>
-              </a:defRPr>
-            </a:lvl4pPr>
-            <a:lvl5pPr marL="1828800" algn="l" defTabSz="457200" rtl="0" eaLnBrk="1" latinLnBrk="0" hangingPunct="1">
-              <a:defRPr sz="1800" kern="1200">
-                <a:solidFill>
-                  <a:schemeClr val="tx1"/>
-                </a:solidFill>
-                <a:latin typeface="+mn-lt"/>
-                <a:ea typeface="+mn-ea"/>
-                <a:cs typeface="+mn-cs"/>
-              </a:defRPr>
-            </a:lvl5pPr>
-            <a:lvl6pPr marL="2286000" algn="l" defTabSz="457200" rtl="0" eaLnBrk="1" latinLnBrk="0" hangingPunct="1">
-              <a:defRPr sz="1800" kern="1200">
-                <a:solidFill>
-                  <a:schemeClr val="tx1"/>
-                </a:solidFill>
-                <a:latin typeface="+mn-lt"/>
-                <a:ea typeface="+mn-ea"/>
-                <a:cs typeface="+mn-cs"/>
-              </a:defRPr>
-            </a:lvl6pPr>
-            <a:lvl7pPr marL="2743200" algn="l" defTabSz="457200" rtl="0" eaLnBrk="1" latinLnBrk="0" hangingPunct="1">
-              <a:defRPr sz="1800" kern="1200">
-                <a:solidFill>
-                  <a:schemeClr val="tx1"/>
-                </a:solidFill>
-                <a:latin typeface="+mn-lt"/>
-                <a:ea typeface="+mn-ea"/>
-                <a:cs typeface="+mn-cs"/>
-              </a:defRPr>
-            </a:lvl7pPr>
-            <a:lvl8pPr marL="3200400" algn="l" defTabSz="457200" rtl="0" eaLnBrk="1" latinLnBrk="0" hangingPunct="1">
-              <a:defRPr sz="1800" kern="1200">
-                <a:solidFill>
-                  <a:schemeClr val="tx1"/>
-                </a:solidFill>
-                <a:latin typeface="+mn-lt"/>
-                <a:ea typeface="+mn-ea"/>
-                <a:cs typeface="+mn-cs"/>
-              </a:defRPr>
-            </a:lvl8pPr>
-            <a:lvl9pPr marL="3657600" algn="l" defTabSz="457200" rtl="0" eaLnBrk="1" latinLnBrk="0" hangingPunct="1">
-              <a:defRPr sz="1800" kern="1200">
-                <a:solidFill>
-                  <a:schemeClr val="tx1"/>
-                </a:solidFill>
-                <a:latin typeface="+mn-lt"/>
-                <a:ea typeface="+mn-ea"/>
-                <a:cs typeface="+mn-cs"/>
-              </a:defRPr>
-            </a:lvl9pPr>
-          </a:lstStyle>
-          <a:p>
-            <a:fld id="{34B7E4EF-A1BD-40F4-AB7B-04F084DD991D}" type="slidenum">
-              <a:rPr lang="en-US" sz="2000" smtClean="0">
-                <a:solidFill>
-                  <a:schemeClr val="bg1"/>
-                </a:solidFill>
-              </a:rPr>
-              <a:pPr/>
               <a:t>5</a:t>
             </a:fld>
             <a:endParaRPr lang="en-US" sz="2000" dirty="0">
@@ -9707,288 +9192,10 @@
           </a:p>
         </p:txBody>
       </p:sp>
-      <p:sp>
-        <p:nvSpPr>
-          <p:cNvPr id="17" name="CaixaDeTexto 9">
-            <a:extLst>
-              <a:ext uri="{FF2B5EF4-FFF2-40B4-BE49-F238E27FC236}">
-                <a16:creationId xmlns:a16="http://schemas.microsoft.com/office/drawing/2014/main" id="{DA7A5B30-513B-4B83-9007-3D084AF0F136}"/>
-              </a:ext>
-            </a:extLst>
-          </p:cNvPr>
-          <p:cNvSpPr txBox="1"/>
-          <p:nvPr/>
-        </p:nvSpPr>
-        <p:spPr>
-          <a:xfrm>
-            <a:off x="6348589" y="804937"/>
-            <a:ext cx="2699072" cy="1354217"/>
-          </a:xfrm>
-          <a:prstGeom prst="rect">
-            <a:avLst/>
-          </a:prstGeom>
-          <a:noFill/>
-        </p:spPr>
-        <p:txBody>
-          <a:bodyPr wrap="none" rtlCol="0">
-            <a:spAutoFit/>
-          </a:bodyPr>
-          <a:lstStyle/>
-          <a:p>
-            <a:r>
-              <a:rPr lang="pt-PT" b="1" i="0" dirty="0">
-                <a:effectLst/>
-                <a:latin typeface="Whitney"/>
-              </a:rPr>
-              <a:t>Progress Label:</a:t>
-            </a:r>
-            <a:endParaRPr lang="pt-PT" sz="1600" b="1" i="0" dirty="0">
-              <a:effectLst/>
-              <a:latin typeface="Whitney"/>
-            </a:endParaRPr>
-          </a:p>
-          <a:p>
-            <a:r>
-              <a:rPr lang="pt-PT" sz="1600" dirty="0">
-                <a:latin typeface="Whitney"/>
-              </a:rPr>
-              <a:t>	 </a:t>
-            </a:r>
-            <a:r>
-              <a:rPr lang="pt-PT" sz="1600" b="0" i="0" dirty="0">
-                <a:effectLst/>
-                <a:latin typeface="Whitney"/>
-              </a:rPr>
-              <a:t>1 </a:t>
-            </a:r>
-            <a:r>
-              <a:rPr lang="pt-PT" sz="1600" dirty="0">
-                <a:latin typeface="Whitney"/>
-              </a:rPr>
-              <a:t>–</a:t>
-            </a:r>
-            <a:r>
-              <a:rPr lang="pt-PT" sz="1600" b="0" i="0" dirty="0">
-                <a:effectLst/>
-                <a:latin typeface="Whitney"/>
-              </a:rPr>
-              <a:t> To Do (0%)</a:t>
-            </a:r>
-          </a:p>
-          <a:p>
-            <a:r>
-              <a:rPr lang="pt-PT" sz="1600" b="0" i="0" dirty="0">
-                <a:effectLst/>
-                <a:latin typeface="Whitney"/>
-              </a:rPr>
-              <a:t> 	 2 </a:t>
-            </a:r>
-            <a:r>
-              <a:rPr lang="pt-PT" sz="1600" dirty="0">
-                <a:latin typeface="Whitney"/>
-              </a:rPr>
-              <a:t>–</a:t>
-            </a:r>
-            <a:r>
-              <a:rPr lang="pt-PT" sz="1600" b="0" i="0" dirty="0">
-                <a:effectLst/>
-                <a:latin typeface="Whitney"/>
-              </a:rPr>
-              <a:t> Started (~33%)</a:t>
-            </a:r>
-          </a:p>
-          <a:p>
-            <a:r>
-              <a:rPr lang="pt-PT" sz="1600" b="0" i="0" dirty="0">
-                <a:effectLst/>
-                <a:latin typeface="Whitney"/>
-              </a:rPr>
-              <a:t>	 3 – </a:t>
-            </a:r>
-            <a:r>
-              <a:rPr lang="pt-PT" sz="1600" dirty="0">
-                <a:latin typeface="Whitney"/>
-              </a:rPr>
-              <a:t>Almost Done (~66%)</a:t>
-            </a:r>
-            <a:endParaRPr lang="pt-PT" sz="1600" b="0" i="0" dirty="0">
-              <a:effectLst/>
-              <a:latin typeface="Whitney"/>
-            </a:endParaRPr>
-          </a:p>
-          <a:p>
-            <a:r>
-              <a:rPr lang="pt-PT" sz="1600" b="0" i="0" dirty="0">
-                <a:effectLst/>
-                <a:latin typeface="Whitney"/>
-              </a:rPr>
-              <a:t> 	 4 – </a:t>
-            </a:r>
-            <a:r>
-              <a:rPr lang="pt-PT" sz="1600" dirty="0">
-                <a:latin typeface="Whitney"/>
-              </a:rPr>
-              <a:t>Done (~100%)</a:t>
-            </a:r>
-            <a:endParaRPr lang="en-US" sz="1600" b="1" dirty="0"/>
-          </a:p>
-        </p:txBody>
-      </p:sp>
-      <p:pic>
-        <p:nvPicPr>
-          <p:cNvPr id="18" name="Imagem 8">
-            <a:extLst>
-              <a:ext uri="{FF2B5EF4-FFF2-40B4-BE49-F238E27FC236}">
-                <a16:creationId xmlns:a16="http://schemas.microsoft.com/office/drawing/2014/main" id="{01647583-9434-4306-8896-67AFEB6741AE}"/>
-              </a:ext>
-            </a:extLst>
-          </p:cNvPr>
-          <p:cNvPicPr>
-            <a:picLocks noChangeAspect="1"/>
-          </p:cNvPicPr>
-          <p:nvPr/>
-        </p:nvPicPr>
-        <p:blipFill>
-          <a:blip r:embed="rId3"/>
-          <a:stretch>
-            <a:fillRect/>
-          </a:stretch>
-        </p:blipFill>
-        <p:spPr>
-          <a:xfrm>
-            <a:off x="6709137" y="1919475"/>
-            <a:ext cx="167781" cy="162953"/>
-          </a:xfrm>
-          <a:prstGeom prst="rect">
-            <a:avLst/>
-          </a:prstGeom>
-        </p:spPr>
-      </p:pic>
-      <p:pic>
-        <p:nvPicPr>
-          <p:cNvPr id="19" name="Imagem 11">
-            <a:extLst>
-              <a:ext uri="{FF2B5EF4-FFF2-40B4-BE49-F238E27FC236}">
-                <a16:creationId xmlns:a16="http://schemas.microsoft.com/office/drawing/2014/main" id="{EE727FC6-9C55-4C7A-BF98-478EE6271BEF}"/>
-              </a:ext>
-            </a:extLst>
-          </p:cNvPr>
-          <p:cNvPicPr>
-            <a:picLocks noChangeAspect="1"/>
-          </p:cNvPicPr>
-          <p:nvPr/>
-        </p:nvPicPr>
-        <p:blipFill rotWithShape="1">
-          <a:blip r:embed="rId4"/>
-          <a:srcRect l="3681" t="-4162" b="-1"/>
-          <a:stretch/>
-        </p:blipFill>
-        <p:spPr>
-          <a:xfrm>
-            <a:off x="6709136" y="1400436"/>
-            <a:ext cx="167780" cy="169736"/>
-          </a:xfrm>
-          <a:prstGeom prst="rect">
-            <a:avLst/>
-          </a:prstGeom>
-        </p:spPr>
-      </p:pic>
-      <p:pic>
-        <p:nvPicPr>
-          <p:cNvPr id="20" name="Imagem 13">
-            <a:extLst>
-              <a:ext uri="{FF2B5EF4-FFF2-40B4-BE49-F238E27FC236}">
-                <a16:creationId xmlns:a16="http://schemas.microsoft.com/office/drawing/2014/main" id="{2352DFAE-4F69-486F-A80A-DC8A75A7A6B9}"/>
-              </a:ext>
-            </a:extLst>
-          </p:cNvPr>
-          <p:cNvPicPr>
-            <a:picLocks noChangeAspect="1"/>
-          </p:cNvPicPr>
-          <p:nvPr/>
-        </p:nvPicPr>
-        <p:blipFill rotWithShape="1">
-          <a:blip r:embed="rId5"/>
-          <a:srcRect l="3680" t="2921"/>
-          <a:stretch/>
-        </p:blipFill>
-        <p:spPr>
-          <a:xfrm>
-            <a:off x="6709136" y="1670542"/>
-            <a:ext cx="167781" cy="162954"/>
-          </a:xfrm>
-          <a:prstGeom prst="rect">
-            <a:avLst/>
-          </a:prstGeom>
-        </p:spPr>
-      </p:pic>
-      <p:pic>
-        <p:nvPicPr>
-          <p:cNvPr id="21" name="Imagem 15">
-            <a:extLst>
-              <a:ext uri="{FF2B5EF4-FFF2-40B4-BE49-F238E27FC236}">
-                <a16:creationId xmlns:a16="http://schemas.microsoft.com/office/drawing/2014/main" id="{EED8A28D-C509-4471-B377-5490DE2F2727}"/>
-              </a:ext>
-            </a:extLst>
-          </p:cNvPr>
-          <p:cNvPicPr>
-            <a:picLocks noChangeAspect="1"/>
-          </p:cNvPicPr>
-          <p:nvPr/>
-        </p:nvPicPr>
-        <p:blipFill rotWithShape="1">
-          <a:blip r:embed="rId6"/>
-          <a:srcRect l="18628" t="-4161" b="1"/>
-          <a:stretch/>
-        </p:blipFill>
-        <p:spPr>
-          <a:xfrm>
-            <a:off x="6709136" y="1155828"/>
-            <a:ext cx="167780" cy="169735"/>
-          </a:xfrm>
-          <a:prstGeom prst="rect">
-            <a:avLst/>
-          </a:prstGeom>
-        </p:spPr>
-      </p:pic>
-      <p:sp>
-        <p:nvSpPr>
-          <p:cNvPr id="24" name="Title 1">
-            <a:extLst>
-              <a:ext uri="{FF2B5EF4-FFF2-40B4-BE49-F238E27FC236}">
-                <a16:creationId xmlns:a16="http://schemas.microsoft.com/office/drawing/2014/main" id="{080FF603-315F-4EEA-BBE7-877F887D5F50}"/>
-              </a:ext>
-            </a:extLst>
-          </p:cNvPr>
-          <p:cNvSpPr>
-            <a:spLocks noGrp="1"/>
-          </p:cNvSpPr>
-          <p:nvPr>
-            <p:ph type="title"/>
-          </p:nvPr>
-        </p:nvSpPr>
-        <p:spPr>
-          <a:xfrm>
-            <a:off x="371608" y="189027"/>
-            <a:ext cx="5876792" cy="864467"/>
-          </a:xfrm>
-        </p:spPr>
-        <p:txBody>
-          <a:bodyPr/>
-          <a:lstStyle/>
-          <a:p>
-            <a:r>
-              <a:rPr lang="en-US" b="1" dirty="0"/>
-              <a:t>Functional Requirements</a:t>
-            </a:r>
-            <a:endParaRPr lang="pt-PT" b="1" dirty="0"/>
-          </a:p>
-        </p:txBody>
-      </p:sp>
     </p:spTree>
     <p:extLst>
       <p:ext uri="{BB962C8B-B14F-4D97-AF65-F5344CB8AC3E}">
-        <p14:creationId xmlns:p14="http://schemas.microsoft.com/office/powerpoint/2010/main" val="1605841802"/>
+        <p14:creationId xmlns:p14="http://schemas.microsoft.com/office/powerpoint/2010/main" val="2011670256"/>
       </p:ext>
     </p:extLst>
   </p:cSld>
@@ -10017,10 +9224,39 @@
       </p:grpSpPr>
       <p:sp>
         <p:nvSpPr>
+          <p:cNvPr id="2" name="Title 1">
+            <a:extLst>
+              <a:ext uri="{FF2B5EF4-FFF2-40B4-BE49-F238E27FC236}">
+                <a16:creationId xmlns:a16="http://schemas.microsoft.com/office/drawing/2014/main" id="{B14C9DC0-1C4F-4624-8B3B-4F81F695FA3A}"/>
+              </a:ext>
+            </a:extLst>
+          </p:cNvPr>
+          <p:cNvSpPr>
+            <a:spLocks noGrp="1"/>
+          </p:cNvSpPr>
+          <p:nvPr>
+            <p:ph type="title"/>
+          </p:nvPr>
+        </p:nvSpPr>
+        <p:spPr/>
+        <p:txBody>
+          <a:bodyPr/>
+          <a:lstStyle/>
+          <a:p>
+            <a:r>
+              <a:rPr lang="pt-PT" dirty="0"/>
+              <a:t>Future Work</a:t>
+            </a:r>
+            <a:endParaRPr lang="en-GB" dirty="0"/>
+          </a:p>
+        </p:txBody>
+      </p:sp>
+      <p:sp>
+        <p:nvSpPr>
           <p:cNvPr id="3" name="Content Placeholder 2">
             <a:extLst>
               <a:ext uri="{FF2B5EF4-FFF2-40B4-BE49-F238E27FC236}">
-                <a16:creationId xmlns:a16="http://schemas.microsoft.com/office/drawing/2014/main" id="{8AF86C82-E853-4C58-8BD9-BC7AA445BF10}"/>
+                <a16:creationId xmlns:a16="http://schemas.microsoft.com/office/drawing/2014/main" id="{6E15CEC2-BBF5-459E-AE51-F2B5CEAFB99A}"/>
               </a:ext>
             </a:extLst>
           </p:cNvPr>
@@ -10033,568 +9269,66 @@
         </p:nvSpPr>
         <p:spPr>
           <a:xfrm>
-            <a:off x="1128965" y="2202142"/>
-            <a:ext cx="10233800" cy="2827057"/>
+            <a:off x="677334" y="1510145"/>
+            <a:ext cx="8596668" cy="4531217"/>
           </a:xfrm>
         </p:spPr>
         <p:txBody>
-          <a:bodyPr>
-            <a:normAutofit fontScale="92500" lnSpcReduction="10000"/>
-          </a:bodyPr>
+          <a:bodyPr/>
           <a:lstStyle/>
           <a:p>
-            <a:pPr>
-              <a:buFont typeface="Wingdings" panose="05000000000000000000" pitchFamily="2" charset="2"/>
-              <a:buChar char="v"/>
-            </a:pPr>
-            <a:r>
-              <a:rPr lang="en-US" dirty="0"/>
-              <a:t>User Requirements (cont.)</a:t>
-            </a:r>
-          </a:p>
-          <a:p>
-            <a:pPr marL="1076325" lvl="1" indent="-457200">
-              <a:buFont typeface="+mj-lt"/>
-              <a:buAutoNum type="arabicPeriod" startAt="18"/>
-            </a:pPr>
-            <a:r>
-              <a:rPr lang="en-US" sz="2400" dirty="0">
-                <a:solidFill>
-                  <a:schemeClr val="accent2"/>
-                </a:solidFill>
-                <a:latin typeface="+mj-lt"/>
-              </a:rPr>
-              <a:t>List and search users by various fields.</a:t>
-            </a:r>
-          </a:p>
-          <a:p>
-            <a:pPr marL="1076325" lvl="1" indent="-457200">
-              <a:buFont typeface="+mj-lt"/>
-              <a:buAutoNum type="arabicPeriod" startAt="18"/>
-            </a:pPr>
-            <a:r>
-              <a:rPr lang="en-US" sz="2400" dirty="0">
-                <a:solidFill>
-                  <a:schemeClr val="accent2"/>
-                </a:solidFill>
-                <a:latin typeface="+mj-lt"/>
-              </a:rPr>
-              <a:t>Edit users and add/remove their roles.</a:t>
-            </a:r>
-          </a:p>
-          <a:p>
-            <a:pPr marL="1076325" lvl="1" indent="-457200">
-              <a:buFont typeface="+mj-lt"/>
-              <a:buAutoNum type="arabicPeriod" startAt="18"/>
-            </a:pPr>
-            <a:r>
-              <a:rPr lang="en-US" sz="2400" dirty="0">
-                <a:solidFill>
-                  <a:schemeClr val="accent2"/>
-                </a:solidFill>
-                <a:latin typeface="+mj-lt"/>
-              </a:rPr>
-              <a:t>Create new roles or remove existing ones.</a:t>
-            </a:r>
-          </a:p>
-          <a:p>
-            <a:pPr marL="1076325" lvl="1" indent="-457200">
-              <a:buFont typeface="+mj-lt"/>
-              <a:buAutoNum type="arabicPeriod" startAt="18"/>
-            </a:pPr>
-            <a:r>
-              <a:rPr lang="en-US" sz="2400" dirty="0">
-                <a:solidFill>
-                  <a:schemeClr val="accent2"/>
-                </a:solidFill>
-              </a:rPr>
-              <a:t>Show History of Schools a user belonged to.</a:t>
-            </a:r>
-          </a:p>
-          <a:p>
-            <a:pPr marL="1076325" lvl="1" indent="-457200">
-              <a:buFont typeface="+mj-lt"/>
-              <a:buAutoNum type="arabicPeriod" startAt="18"/>
-            </a:pPr>
-            <a:r>
-              <a:rPr lang="en-US" sz="2400" dirty="0">
-                <a:solidFill>
-                  <a:srgbClr val="F34BD3"/>
-                </a:solidFill>
-                <a:latin typeface="+mj-lt"/>
-              </a:rPr>
-              <a:t>New tab with a group chat for the administrators’ easier communication.</a:t>
-            </a:r>
-          </a:p>
-          <a:p>
-            <a:pPr marL="685800" indent="0" rtl="0">
-              <a:spcBef>
-                <a:spcPts val="1200"/>
-              </a:spcBef>
-              <a:spcAft>
-                <a:spcPts val="1200"/>
-              </a:spcAft>
-              <a:buNone/>
-            </a:pPr>
-            <a:endParaRPr lang="pt-PT" sz="1700" dirty="0">
-              <a:solidFill>
-                <a:srgbClr val="FF0000"/>
-              </a:solidFill>
-              <a:latin typeface="+mj-lt"/>
-            </a:endParaRPr>
-          </a:p>
-        </p:txBody>
-      </p:sp>
-      <p:pic>
-        <p:nvPicPr>
-          <p:cNvPr id="4" name="Picture 3" descr="A picture containing light, blur&#10;&#10;Description automatically generated">
+            <a:r>
+              <a:rPr lang="pt-PT" dirty="0"/>
+              <a:t>Group Chat Feature between Admins.</a:t>
+            </a:r>
+          </a:p>
+          <a:p>
+            <a:r>
+              <a:rPr lang="pt-PT" dirty="0"/>
+              <a:t>Authentication with University of Aveiro’s IDP</a:t>
+            </a:r>
+          </a:p>
+          <a:p>
+            <a:r>
+              <a:rPr lang="en-GB" dirty="0"/>
+              <a:t>Display statistical information.</a:t>
+            </a:r>
+          </a:p>
+        </p:txBody>
+      </p:sp>
+      <p:sp>
+        <p:nvSpPr>
+          <p:cNvPr id="4" name="Slide Number Placeholder 3">
             <a:extLst>
               <a:ext uri="{FF2B5EF4-FFF2-40B4-BE49-F238E27FC236}">
-                <a16:creationId xmlns:a16="http://schemas.microsoft.com/office/drawing/2014/main" id="{20EAA8C4-1972-40D0-9ED3-2FBE7C808581}"/>
+                <a16:creationId xmlns:a16="http://schemas.microsoft.com/office/drawing/2014/main" id="{4FBF450D-21E8-4981-9FDB-5425D8AE16E4}"/>
               </a:ext>
             </a:extLst>
           </p:cNvPr>
-          <p:cNvPicPr>
-            <a:picLocks noChangeAspect="1"/>
-          </p:cNvPicPr>
-          <p:nvPr/>
-        </p:nvPicPr>
-        <p:blipFill>
-          <a:blip r:embed="rId2"/>
-          <a:stretch>
-            <a:fillRect/>
-          </a:stretch>
-        </p:blipFill>
-        <p:spPr>
-          <a:xfrm>
-            <a:off x="420923" y="2014194"/>
-            <a:ext cx="816623" cy="816623"/>
-          </a:xfrm>
-          <a:prstGeom prst="rect">
-            <a:avLst/>
-          </a:prstGeom>
-        </p:spPr>
-      </p:pic>
-      <p:sp>
-        <p:nvSpPr>
-          <p:cNvPr id="16" name="Slide Number Placeholder 5">
-            <a:extLst>
-              <a:ext uri="{FF2B5EF4-FFF2-40B4-BE49-F238E27FC236}">
-                <a16:creationId xmlns:a16="http://schemas.microsoft.com/office/drawing/2014/main" id="{AB5C4E99-3DAB-47A9-99C7-8BC92A406CCE}"/>
-              </a:ext>
-            </a:extLst>
-          </p:cNvPr>
-          <p:cNvSpPr txBox="1">
-            <a:spLocks/>
-          </p:cNvSpPr>
-          <p:nvPr/>
-        </p:nvSpPr>
-        <p:spPr>
-          <a:xfrm>
-            <a:off x="11508661" y="6492875"/>
-            <a:ext cx="683339" cy="365125"/>
-          </a:xfrm>
-          <a:prstGeom prst="rect">
-            <a:avLst/>
-          </a:prstGeom>
-        </p:spPr>
-        <p:txBody>
-          <a:bodyPr vert="horz" lIns="91440" tIns="45720" rIns="91440" bIns="45720" rtlCol="0" anchor="ctr"/>
-          <a:lstStyle>
-            <a:defPPr>
-              <a:defRPr lang="en-US"/>
-            </a:defPPr>
-            <a:lvl1pPr marL="0" algn="r" defTabSz="457200" rtl="0" eaLnBrk="1" latinLnBrk="0" hangingPunct="1">
-              <a:defRPr sz="900" kern="1200">
-                <a:solidFill>
-                  <a:schemeClr val="accent1"/>
-                </a:solidFill>
-                <a:latin typeface="+mn-lt"/>
-                <a:ea typeface="+mn-ea"/>
-                <a:cs typeface="+mn-cs"/>
-              </a:defRPr>
-            </a:lvl1pPr>
-            <a:lvl2pPr marL="457200" algn="l" defTabSz="457200" rtl="0" eaLnBrk="1" latinLnBrk="0" hangingPunct="1">
-              <a:defRPr sz="1800" kern="1200">
-                <a:solidFill>
-                  <a:schemeClr val="tx1"/>
-                </a:solidFill>
-                <a:latin typeface="+mn-lt"/>
-                <a:ea typeface="+mn-ea"/>
-                <a:cs typeface="+mn-cs"/>
-              </a:defRPr>
-            </a:lvl2pPr>
-            <a:lvl3pPr marL="914400" algn="l" defTabSz="457200" rtl="0" eaLnBrk="1" latinLnBrk="0" hangingPunct="1">
-              <a:defRPr sz="1800" kern="1200">
-                <a:solidFill>
-                  <a:schemeClr val="tx1"/>
-                </a:solidFill>
-                <a:latin typeface="+mn-lt"/>
-                <a:ea typeface="+mn-ea"/>
-                <a:cs typeface="+mn-cs"/>
-              </a:defRPr>
-            </a:lvl3pPr>
-            <a:lvl4pPr marL="1371600" algn="l" defTabSz="457200" rtl="0" eaLnBrk="1" latinLnBrk="0" hangingPunct="1">
-              <a:defRPr sz="1800" kern="1200">
-                <a:solidFill>
-                  <a:schemeClr val="tx1"/>
-                </a:solidFill>
-                <a:latin typeface="+mn-lt"/>
-                <a:ea typeface="+mn-ea"/>
-                <a:cs typeface="+mn-cs"/>
-              </a:defRPr>
-            </a:lvl4pPr>
-            <a:lvl5pPr marL="1828800" algn="l" defTabSz="457200" rtl="0" eaLnBrk="1" latinLnBrk="0" hangingPunct="1">
-              <a:defRPr sz="1800" kern="1200">
-                <a:solidFill>
-                  <a:schemeClr val="tx1"/>
-                </a:solidFill>
-                <a:latin typeface="+mn-lt"/>
-                <a:ea typeface="+mn-ea"/>
-                <a:cs typeface="+mn-cs"/>
-              </a:defRPr>
-            </a:lvl5pPr>
-            <a:lvl6pPr marL="2286000" algn="l" defTabSz="457200" rtl="0" eaLnBrk="1" latinLnBrk="0" hangingPunct="1">
-              <a:defRPr sz="1800" kern="1200">
-                <a:solidFill>
-                  <a:schemeClr val="tx1"/>
-                </a:solidFill>
-                <a:latin typeface="+mn-lt"/>
-                <a:ea typeface="+mn-ea"/>
-                <a:cs typeface="+mn-cs"/>
-              </a:defRPr>
-            </a:lvl6pPr>
-            <a:lvl7pPr marL="2743200" algn="l" defTabSz="457200" rtl="0" eaLnBrk="1" latinLnBrk="0" hangingPunct="1">
-              <a:defRPr sz="1800" kern="1200">
-                <a:solidFill>
-                  <a:schemeClr val="tx1"/>
-                </a:solidFill>
-                <a:latin typeface="+mn-lt"/>
-                <a:ea typeface="+mn-ea"/>
-                <a:cs typeface="+mn-cs"/>
-              </a:defRPr>
-            </a:lvl7pPr>
-            <a:lvl8pPr marL="3200400" algn="l" defTabSz="457200" rtl="0" eaLnBrk="1" latinLnBrk="0" hangingPunct="1">
-              <a:defRPr sz="1800" kern="1200">
-                <a:solidFill>
-                  <a:schemeClr val="tx1"/>
-                </a:solidFill>
-                <a:latin typeface="+mn-lt"/>
-                <a:ea typeface="+mn-ea"/>
-                <a:cs typeface="+mn-cs"/>
-              </a:defRPr>
-            </a:lvl8pPr>
-            <a:lvl9pPr marL="3657600" algn="l" defTabSz="457200" rtl="0" eaLnBrk="1" latinLnBrk="0" hangingPunct="1">
-              <a:defRPr sz="1800" kern="1200">
-                <a:solidFill>
-                  <a:schemeClr val="tx1"/>
-                </a:solidFill>
-                <a:latin typeface="+mn-lt"/>
-                <a:ea typeface="+mn-ea"/>
-                <a:cs typeface="+mn-cs"/>
-              </a:defRPr>
-            </a:lvl9pPr>
-          </a:lstStyle>
+          <p:cNvSpPr>
+            <a:spLocks noGrp="1"/>
+          </p:cNvSpPr>
+          <p:nvPr>
+            <p:ph type="sldNum" sz="quarter" idx="12"/>
+          </p:nvPr>
+        </p:nvSpPr>
+        <p:spPr/>
+        <p:txBody>
+          <a:bodyPr/>
+          <a:lstStyle/>
           <a:p>
             <a:fld id="{34B7E4EF-A1BD-40F4-AB7B-04F084DD991D}" type="slidenum">
-              <a:rPr lang="en-US" sz="2000" smtClean="0">
-                <a:solidFill>
-                  <a:schemeClr val="bg1"/>
-                </a:solidFill>
-              </a:rPr>
-              <a:pPr/>
+              <a:rPr lang="en-US" smtClean="0"/>
               <a:t>6</a:t>
             </a:fld>
-            <a:endParaRPr lang="en-US" sz="2000" dirty="0">
-              <a:solidFill>
-                <a:schemeClr val="bg1"/>
-              </a:solidFill>
-            </a:endParaRPr>
-          </a:p>
-        </p:txBody>
-      </p:sp>
-      <p:sp>
-        <p:nvSpPr>
-          <p:cNvPr id="17" name="CaixaDeTexto 9">
-            <a:extLst>
-              <a:ext uri="{FF2B5EF4-FFF2-40B4-BE49-F238E27FC236}">
-                <a16:creationId xmlns:a16="http://schemas.microsoft.com/office/drawing/2014/main" id="{C6073385-9A74-4870-A3F7-173B27BE9705}"/>
-              </a:ext>
-            </a:extLst>
-          </p:cNvPr>
-          <p:cNvSpPr txBox="1"/>
-          <p:nvPr/>
-        </p:nvSpPr>
-        <p:spPr>
-          <a:xfrm>
-            <a:off x="6348589" y="804937"/>
-            <a:ext cx="2699072" cy="1354217"/>
-          </a:xfrm>
-          <a:prstGeom prst="rect">
-            <a:avLst/>
-          </a:prstGeom>
-          <a:noFill/>
-        </p:spPr>
-        <p:txBody>
-          <a:bodyPr wrap="none" rtlCol="0">
-            <a:spAutoFit/>
-          </a:bodyPr>
-          <a:lstStyle/>
-          <a:p>
-            <a:r>
-              <a:rPr lang="pt-PT" b="1" i="0" dirty="0">
-                <a:effectLst/>
-                <a:latin typeface="Whitney"/>
-              </a:rPr>
-              <a:t>Progress Label:</a:t>
-            </a:r>
-            <a:endParaRPr lang="pt-PT" sz="1600" b="1" i="0" dirty="0">
-              <a:effectLst/>
-              <a:latin typeface="Whitney"/>
-            </a:endParaRPr>
-          </a:p>
-          <a:p>
-            <a:r>
-              <a:rPr lang="pt-PT" sz="1600" dirty="0">
-                <a:latin typeface="Whitney"/>
-              </a:rPr>
-              <a:t>	 </a:t>
-            </a:r>
-            <a:r>
-              <a:rPr lang="pt-PT" sz="1600" b="0" i="0" dirty="0">
-                <a:effectLst/>
-                <a:latin typeface="Whitney"/>
-              </a:rPr>
-              <a:t>1 </a:t>
-            </a:r>
-            <a:r>
-              <a:rPr lang="pt-PT" sz="1600" dirty="0">
-                <a:latin typeface="Whitney"/>
-              </a:rPr>
-              <a:t>–</a:t>
-            </a:r>
-            <a:r>
-              <a:rPr lang="pt-PT" sz="1600" b="0" i="0" dirty="0">
-                <a:effectLst/>
-                <a:latin typeface="Whitney"/>
-              </a:rPr>
-              <a:t> To Do (0%)</a:t>
-            </a:r>
-          </a:p>
-          <a:p>
-            <a:r>
-              <a:rPr lang="pt-PT" sz="1600" b="0" i="0" dirty="0">
-                <a:effectLst/>
-                <a:latin typeface="Whitney"/>
-              </a:rPr>
-              <a:t> 	 2 </a:t>
-            </a:r>
-            <a:r>
-              <a:rPr lang="pt-PT" sz="1600" dirty="0">
-                <a:latin typeface="Whitney"/>
-              </a:rPr>
-              <a:t>–</a:t>
-            </a:r>
-            <a:r>
-              <a:rPr lang="pt-PT" sz="1600" b="0" i="0" dirty="0">
-                <a:effectLst/>
-                <a:latin typeface="Whitney"/>
-              </a:rPr>
-              <a:t> Started (~33%)</a:t>
-            </a:r>
-          </a:p>
-          <a:p>
-            <a:r>
-              <a:rPr lang="pt-PT" sz="1600" b="0" i="0" dirty="0">
-                <a:effectLst/>
-                <a:latin typeface="Whitney"/>
-              </a:rPr>
-              <a:t>	 3 – </a:t>
-            </a:r>
-            <a:r>
-              <a:rPr lang="pt-PT" sz="1600" dirty="0">
-                <a:latin typeface="Whitney"/>
-              </a:rPr>
-              <a:t>Almost Done (~66%)</a:t>
-            </a:r>
-            <a:endParaRPr lang="pt-PT" sz="1600" b="0" i="0" dirty="0">
-              <a:effectLst/>
-              <a:latin typeface="Whitney"/>
-            </a:endParaRPr>
-          </a:p>
-          <a:p>
-            <a:r>
-              <a:rPr lang="pt-PT" sz="1600" b="0" i="0" dirty="0">
-                <a:effectLst/>
-                <a:latin typeface="Whitney"/>
-              </a:rPr>
-              <a:t> 	 4 – </a:t>
-            </a:r>
-            <a:r>
-              <a:rPr lang="pt-PT" sz="1600" dirty="0">
-                <a:latin typeface="Whitney"/>
-              </a:rPr>
-              <a:t>Done (~100%)</a:t>
-            </a:r>
-            <a:endParaRPr lang="en-US" sz="1600" b="1" dirty="0"/>
-          </a:p>
-        </p:txBody>
-      </p:sp>
-      <p:pic>
-        <p:nvPicPr>
-          <p:cNvPr id="18" name="Imagem 8">
-            <a:extLst>
-              <a:ext uri="{FF2B5EF4-FFF2-40B4-BE49-F238E27FC236}">
-                <a16:creationId xmlns:a16="http://schemas.microsoft.com/office/drawing/2014/main" id="{2E88E8A9-F3B7-4836-AD2A-509FC4172A05}"/>
-              </a:ext>
-            </a:extLst>
-          </p:cNvPr>
-          <p:cNvPicPr>
-            <a:picLocks noChangeAspect="1"/>
-          </p:cNvPicPr>
-          <p:nvPr/>
-        </p:nvPicPr>
-        <p:blipFill>
-          <a:blip r:embed="rId3"/>
-          <a:stretch>
-            <a:fillRect/>
-          </a:stretch>
-        </p:blipFill>
-        <p:spPr>
-          <a:xfrm>
-            <a:off x="6709137" y="1919475"/>
-            <a:ext cx="167781" cy="162953"/>
-          </a:xfrm>
-          <a:prstGeom prst="rect">
-            <a:avLst/>
-          </a:prstGeom>
-        </p:spPr>
-      </p:pic>
-      <p:pic>
-        <p:nvPicPr>
-          <p:cNvPr id="19" name="Imagem 11">
-            <a:extLst>
-              <a:ext uri="{FF2B5EF4-FFF2-40B4-BE49-F238E27FC236}">
-                <a16:creationId xmlns:a16="http://schemas.microsoft.com/office/drawing/2014/main" id="{959B239B-C774-4CA6-9B70-9CEB7535E7FF}"/>
-              </a:ext>
-            </a:extLst>
-          </p:cNvPr>
-          <p:cNvPicPr>
-            <a:picLocks noChangeAspect="1"/>
-          </p:cNvPicPr>
-          <p:nvPr/>
-        </p:nvPicPr>
-        <p:blipFill rotWithShape="1">
-          <a:blip r:embed="rId4"/>
-          <a:srcRect l="3681" t="-4162" b="-1"/>
-          <a:stretch/>
-        </p:blipFill>
-        <p:spPr>
-          <a:xfrm>
-            <a:off x="6709136" y="1400436"/>
-            <a:ext cx="167780" cy="169736"/>
-          </a:xfrm>
-          <a:prstGeom prst="rect">
-            <a:avLst/>
-          </a:prstGeom>
-        </p:spPr>
-      </p:pic>
-      <p:pic>
-        <p:nvPicPr>
-          <p:cNvPr id="20" name="Imagem 13">
-            <a:extLst>
-              <a:ext uri="{FF2B5EF4-FFF2-40B4-BE49-F238E27FC236}">
-                <a16:creationId xmlns:a16="http://schemas.microsoft.com/office/drawing/2014/main" id="{9DA1948C-96DB-4B49-9C85-1EE92931EA19}"/>
-              </a:ext>
-            </a:extLst>
-          </p:cNvPr>
-          <p:cNvPicPr>
-            <a:picLocks noChangeAspect="1"/>
-          </p:cNvPicPr>
-          <p:nvPr/>
-        </p:nvPicPr>
-        <p:blipFill rotWithShape="1">
-          <a:blip r:embed="rId5"/>
-          <a:srcRect l="3680" t="2921"/>
-          <a:stretch/>
-        </p:blipFill>
-        <p:spPr>
-          <a:xfrm>
-            <a:off x="6709136" y="1670542"/>
-            <a:ext cx="167781" cy="162954"/>
-          </a:xfrm>
-          <a:prstGeom prst="rect">
-            <a:avLst/>
-          </a:prstGeom>
-        </p:spPr>
-      </p:pic>
-      <p:pic>
-        <p:nvPicPr>
-          <p:cNvPr id="21" name="Imagem 15">
-            <a:extLst>
-              <a:ext uri="{FF2B5EF4-FFF2-40B4-BE49-F238E27FC236}">
-                <a16:creationId xmlns:a16="http://schemas.microsoft.com/office/drawing/2014/main" id="{7EB29E7B-D63C-4861-9C10-C329F72ADDBE}"/>
-              </a:ext>
-            </a:extLst>
-          </p:cNvPr>
-          <p:cNvPicPr>
-            <a:picLocks noChangeAspect="1"/>
-          </p:cNvPicPr>
-          <p:nvPr/>
-        </p:nvPicPr>
-        <p:blipFill rotWithShape="1">
-          <a:blip r:embed="rId6"/>
-          <a:srcRect l="18628" t="-4161" b="1"/>
-          <a:stretch/>
-        </p:blipFill>
-        <p:spPr>
-          <a:xfrm>
-            <a:off x="6709136" y="1155828"/>
-            <a:ext cx="167780" cy="169735"/>
-          </a:xfrm>
-          <a:prstGeom prst="rect">
-            <a:avLst/>
-          </a:prstGeom>
-        </p:spPr>
-      </p:pic>
-      <p:sp>
-        <p:nvSpPr>
-          <p:cNvPr id="24" name="Title 1">
-            <a:extLst>
-              <a:ext uri="{FF2B5EF4-FFF2-40B4-BE49-F238E27FC236}">
-                <a16:creationId xmlns:a16="http://schemas.microsoft.com/office/drawing/2014/main" id="{72A2A593-8855-4F01-9B8F-ADD210663CD1}"/>
-              </a:ext>
-            </a:extLst>
-          </p:cNvPr>
-          <p:cNvSpPr>
-            <a:spLocks noGrp="1"/>
-          </p:cNvSpPr>
-          <p:nvPr>
-            <p:ph type="title"/>
-          </p:nvPr>
-        </p:nvSpPr>
-        <p:spPr>
-          <a:xfrm>
-            <a:off x="371608" y="189027"/>
-            <a:ext cx="5876792" cy="864467"/>
-          </a:xfrm>
-        </p:spPr>
-        <p:txBody>
-          <a:bodyPr/>
-          <a:lstStyle/>
-          <a:p>
-            <a:r>
-              <a:rPr lang="en-US" b="1" dirty="0"/>
-              <a:t>Functional Requirements</a:t>
-            </a:r>
-            <a:endParaRPr lang="pt-PT" b="1" dirty="0"/>
+            <a:endParaRPr lang="en-US" dirty="0"/>
           </a:p>
         </p:txBody>
       </p:sp>
     </p:spTree>
     <p:extLst>
       <p:ext uri="{BB962C8B-B14F-4D97-AF65-F5344CB8AC3E}">
-        <p14:creationId xmlns:p14="http://schemas.microsoft.com/office/powerpoint/2010/main" val="3145755465"/>
+        <p14:creationId xmlns:p14="http://schemas.microsoft.com/office/powerpoint/2010/main" val="4109571799"/>
       </p:ext>
     </p:extLst>
   </p:cSld>
@@ -10626,7 +9360,7 @@
           <p:cNvPr id="2" name="Title 1">
             <a:extLst>
               <a:ext uri="{FF2B5EF4-FFF2-40B4-BE49-F238E27FC236}">
-                <a16:creationId xmlns:a16="http://schemas.microsoft.com/office/drawing/2014/main" id="{9440C020-4DE9-472F-8CFF-8A07F3AD3D64}"/>
+                <a16:creationId xmlns:a16="http://schemas.microsoft.com/office/drawing/2014/main" id="{ED6EA955-D7B8-4D4E-9D0A-566BA93282CD}"/>
               </a:ext>
             </a:extLst>
           </p:cNvPr>
@@ -10639,776 +9373,56 @@
         </p:nvSpPr>
         <p:spPr>
           <a:xfrm>
-            <a:off x="534141" y="413030"/>
-            <a:ext cx="10058400" cy="1371600"/>
+            <a:off x="677334" y="2768600"/>
+            <a:ext cx="8596668" cy="1320800"/>
           </a:xfrm>
         </p:spPr>
         <p:txBody>
           <a:bodyPr/>
           <a:lstStyle/>
           <a:p>
-            <a:r>
-              <a:rPr lang="pt-PT" b="1" dirty="0"/>
-              <a:t>Plan</a:t>
-            </a:r>
-            <a:endParaRPr lang="en-GB" b="1" dirty="0"/>
-          </a:p>
-        </p:txBody>
-      </p:sp>
-      <p:graphicFrame>
-        <p:nvGraphicFramePr>
-          <p:cNvPr id="4" name="Table 4">
+            <a:pPr algn="ctr"/>
+            <a:r>
+              <a:rPr lang="pt-PT" dirty="0"/>
+              <a:t>Project Demo</a:t>
+            </a:r>
+            <a:endParaRPr lang="en-GB" dirty="0"/>
+          </a:p>
+        </p:txBody>
+      </p:sp>
+      <p:sp>
+        <p:nvSpPr>
+          <p:cNvPr id="4" name="Slide Number Placeholder 3">
             <a:extLst>
               <a:ext uri="{FF2B5EF4-FFF2-40B4-BE49-F238E27FC236}">
-                <a16:creationId xmlns:a16="http://schemas.microsoft.com/office/drawing/2014/main" id="{2AA371E5-E722-4B11-86DF-3AD60B6D9C6A}"/>
+                <a16:creationId xmlns:a16="http://schemas.microsoft.com/office/drawing/2014/main" id="{6D19AF68-3E14-4402-9D55-93393023868A}"/>
               </a:ext>
             </a:extLst>
           </p:cNvPr>
-          <p:cNvGraphicFramePr>
-            <a:graphicFrameLocks noGrp="1"/>
-          </p:cNvGraphicFramePr>
-          <p:nvPr>
-            <p:extLst>
-              <p:ext uri="{D42A27DB-BD31-4B8C-83A1-F6EECF244321}">
-                <p14:modId xmlns:p14="http://schemas.microsoft.com/office/powerpoint/2010/main" val="4124380216"/>
-              </p:ext>
-            </p:extLst>
-          </p:nvPr>
-        </p:nvGraphicFramePr>
-        <p:xfrm>
-          <a:off x="1066388" y="1380462"/>
-          <a:ext cx="8128000" cy="4394200"/>
-        </p:xfrm>
-        <a:graphic>
-          <a:graphicData uri="http://schemas.openxmlformats.org/drawingml/2006/table">
-            <a:tbl>
-              <a:tblPr firstRow="1" bandRow="1">
-                <a:effectLst>
-                  <a:outerShdw blurRad="50800" dist="38100" dir="2700000" algn="tl" rotWithShape="0">
-                    <a:prstClr val="black">
-                      <a:alpha val="40000"/>
-                    </a:prstClr>
-                  </a:outerShdw>
-                </a:effectLst>
-                <a:tableStyleId>{5C22544A-7EE6-4342-B048-85BDC9FD1C3A}</a:tableStyleId>
-              </a:tblPr>
-              <a:tblGrid>
-                <a:gridCol w="2032000">
-                  <a:extLst>
-                    <a:ext uri="{9D8B030D-6E8A-4147-A177-3AD203B41FA5}">
-                      <a16:colId xmlns:a16="http://schemas.microsoft.com/office/drawing/2014/main" val="2989444139"/>
-                    </a:ext>
-                  </a:extLst>
-                </a:gridCol>
-                <a:gridCol w="2032000">
-                  <a:extLst>
-                    <a:ext uri="{9D8B030D-6E8A-4147-A177-3AD203B41FA5}">
-                      <a16:colId xmlns:a16="http://schemas.microsoft.com/office/drawing/2014/main" val="363588773"/>
-                    </a:ext>
-                  </a:extLst>
-                </a:gridCol>
-                <a:gridCol w="2032000">
-                  <a:extLst>
-                    <a:ext uri="{9D8B030D-6E8A-4147-A177-3AD203B41FA5}">
-                      <a16:colId xmlns:a16="http://schemas.microsoft.com/office/drawing/2014/main" val="3657889724"/>
-                    </a:ext>
-                  </a:extLst>
-                </a:gridCol>
-                <a:gridCol w="2032000">
-                  <a:extLst>
-                    <a:ext uri="{9D8B030D-6E8A-4147-A177-3AD203B41FA5}">
-                      <a16:colId xmlns:a16="http://schemas.microsoft.com/office/drawing/2014/main" val="3609038037"/>
-                    </a:ext>
-                  </a:extLst>
-                </a:gridCol>
-              </a:tblGrid>
-              <a:tr h="370840">
-                <a:tc>
-                  <a:txBody>
-                    <a:bodyPr/>
-                    <a:lstStyle/>
-                    <a:p>
-                      <a:pPr algn="ctr"/>
-                      <a:r>
-                        <a:rPr lang="pt-PT" dirty="0"/>
-                        <a:t>Feature</a:t>
-                      </a:r>
-                      <a:endParaRPr lang="en-GB" dirty="0"/>
-                    </a:p>
-                  </a:txBody>
-                  <a:tcPr/>
-                </a:tc>
-                <a:tc>
-                  <a:txBody>
-                    <a:bodyPr/>
-                    <a:lstStyle/>
-                    <a:p>
-                      <a:pPr algn="ctr"/>
-                      <a:r>
-                        <a:rPr lang="pt-PT" dirty="0"/>
-                        <a:t>Progress (%)</a:t>
-                      </a:r>
-                      <a:endParaRPr lang="en-GB" dirty="0"/>
-                    </a:p>
-                  </a:txBody>
-                  <a:tcPr/>
-                </a:tc>
-                <a:tc>
-                  <a:txBody>
-                    <a:bodyPr/>
-                    <a:lstStyle/>
-                    <a:p>
-                      <a:pPr algn="ctr"/>
-                      <a:r>
-                        <a:rPr lang="pt-PT" sz="1600" dirty="0"/>
-                        <a:t>Time until implementation</a:t>
-                      </a:r>
-                    </a:p>
-                    <a:p>
-                      <a:pPr algn="ctr"/>
-                      <a:r>
-                        <a:rPr lang="en-GB" sz="1600" dirty="0"/>
-                        <a:t>(week)</a:t>
-                      </a:r>
-                    </a:p>
-                  </a:txBody>
-                  <a:tcPr/>
-                </a:tc>
-                <a:tc>
-                  <a:txBody>
-                    <a:bodyPr/>
-                    <a:lstStyle/>
-                    <a:p>
-                      <a:pPr algn="ctr"/>
-                      <a:r>
-                        <a:rPr lang="pt-PT" dirty="0"/>
-                        <a:t>Responsible members</a:t>
-                      </a:r>
-                      <a:endParaRPr lang="en-GB" dirty="0"/>
-                    </a:p>
-                  </a:txBody>
-                  <a:tcPr/>
-                </a:tc>
-                <a:extLst>
-                  <a:ext uri="{0D108BD9-81ED-4DB2-BD59-A6C34878D82A}">
-                    <a16:rowId xmlns:a16="http://schemas.microsoft.com/office/drawing/2014/main" val="1587062829"/>
-                  </a:ext>
-                </a:extLst>
-              </a:tr>
-              <a:tr h="370840">
-                <a:tc>
-                  <a:txBody>
-                    <a:bodyPr/>
-                    <a:lstStyle/>
-                    <a:p>
-                      <a:pPr algn="ctr"/>
-                      <a:r>
-                        <a:rPr lang="en-US" dirty="0"/>
-                        <a:t>Create/ List /Delete Roles</a:t>
-                      </a:r>
-                      <a:endParaRPr lang="en-GB" dirty="0"/>
-                    </a:p>
-                  </a:txBody>
-                  <a:tcPr/>
-                </a:tc>
-                <a:tc>
-                  <a:txBody>
-                    <a:bodyPr/>
-                    <a:lstStyle/>
-                    <a:p>
-                      <a:pPr algn="ctr"/>
-                      <a:r>
-                        <a:rPr lang="pt-PT" dirty="0"/>
-                        <a:t>100</a:t>
-                      </a:r>
-                      <a:endParaRPr lang="en-GB" dirty="0"/>
-                    </a:p>
-                  </a:txBody>
-                  <a:tcPr/>
-                </a:tc>
-                <a:tc>
-                  <a:txBody>
-                    <a:bodyPr/>
-                    <a:lstStyle/>
-                    <a:p>
-                      <a:pPr algn="ctr"/>
-                      <a:r>
-                        <a:rPr lang="pt-PT" dirty="0"/>
-                        <a:t>26/04 – 02/05</a:t>
-                      </a:r>
-                      <a:endParaRPr lang="en-GB" dirty="0"/>
-                    </a:p>
-                  </a:txBody>
-                  <a:tcPr/>
-                </a:tc>
-                <a:tc>
-                  <a:txBody>
-                    <a:bodyPr/>
-                    <a:lstStyle/>
-                    <a:p>
-                      <a:pPr algn="ctr"/>
-                      <a:r>
-                        <a:rPr lang="pt-PT" dirty="0"/>
-                        <a:t> Fabio</a:t>
-                      </a:r>
-                      <a:endParaRPr lang="en-GB" dirty="0"/>
-                    </a:p>
-                  </a:txBody>
-                  <a:tcPr/>
-                </a:tc>
-                <a:extLst>
-                  <a:ext uri="{0D108BD9-81ED-4DB2-BD59-A6C34878D82A}">
-                    <a16:rowId xmlns:a16="http://schemas.microsoft.com/office/drawing/2014/main" val="385277236"/>
-                  </a:ext>
-                </a:extLst>
-              </a:tr>
-              <a:tr h="370840">
-                <a:tc>
-                  <a:txBody>
-                    <a:bodyPr/>
-                    <a:lstStyle/>
-                    <a:p>
-                      <a:pPr algn="ctr"/>
-                      <a:r>
-                        <a:rPr lang="pt-PT" dirty="0"/>
-                        <a:t>Manage access through Roles</a:t>
-                      </a:r>
-                      <a:endParaRPr lang="en-GB" dirty="0"/>
-                    </a:p>
-                  </a:txBody>
-                  <a:tcPr/>
-                </a:tc>
-                <a:tc>
-                  <a:txBody>
-                    <a:bodyPr/>
-                    <a:lstStyle/>
-                    <a:p>
-                      <a:pPr algn="ctr"/>
-                      <a:r>
-                        <a:rPr lang="pt-PT" dirty="0"/>
-                        <a:t>100</a:t>
-                      </a:r>
-                      <a:endParaRPr lang="en-GB" dirty="0"/>
-                    </a:p>
-                  </a:txBody>
-                  <a:tcPr/>
-                </a:tc>
-                <a:tc>
-                  <a:txBody>
-                    <a:bodyPr/>
-                    <a:lstStyle/>
-                    <a:p>
-                      <a:pPr algn="ctr"/>
-                      <a:r>
-                        <a:rPr lang="pt-PT" dirty="0"/>
-                        <a:t>26/04 – 02/05</a:t>
-                      </a:r>
-                      <a:endParaRPr lang="en-GB" dirty="0"/>
-                    </a:p>
-                  </a:txBody>
-                  <a:tcPr/>
-                </a:tc>
-                <a:tc>
-                  <a:txBody>
-                    <a:bodyPr/>
-                    <a:lstStyle/>
-                    <a:p>
-                      <a:pPr algn="ctr"/>
-                      <a:r>
-                        <a:rPr lang="pt-PT" dirty="0"/>
-                        <a:t>Fabio</a:t>
-                      </a:r>
-                      <a:endParaRPr lang="en-GB" dirty="0"/>
-                    </a:p>
-                  </a:txBody>
-                  <a:tcPr/>
-                </a:tc>
-                <a:extLst>
-                  <a:ext uri="{0D108BD9-81ED-4DB2-BD59-A6C34878D82A}">
-                    <a16:rowId xmlns:a16="http://schemas.microsoft.com/office/drawing/2014/main" val="2140165639"/>
-                  </a:ext>
-                </a:extLst>
-              </a:tr>
-              <a:tr h="370840">
-                <a:tc>
-                  <a:txBody>
-                    <a:bodyPr/>
-                    <a:lstStyle/>
-                    <a:p>
-                      <a:pPr algn="ctr"/>
-                      <a:r>
-                        <a:rPr lang="en-GB" dirty="0"/>
-                        <a:t>Register*/Login</a:t>
-                      </a:r>
-                    </a:p>
-                  </a:txBody>
-                  <a:tcPr/>
-                </a:tc>
-                <a:tc>
-                  <a:txBody>
-                    <a:bodyPr/>
-                    <a:lstStyle/>
-                    <a:p>
-                      <a:pPr algn="ctr"/>
-                      <a:r>
-                        <a:rPr lang="en-GB" dirty="0"/>
-                        <a:t>100</a:t>
-                      </a:r>
-                    </a:p>
-                  </a:txBody>
-                  <a:tcPr/>
-                </a:tc>
-                <a:tc>
-                  <a:txBody>
-                    <a:bodyPr/>
-                    <a:lstStyle/>
-                    <a:p>
-                      <a:pPr algn="ctr"/>
-                      <a:r>
-                        <a:rPr lang="pt-PT" dirty="0"/>
-                        <a:t>0</a:t>
-                      </a:r>
-                      <a:r>
-                        <a:rPr lang="en-GB" dirty="0"/>
-                        <a:t>3/05 – 09/05</a:t>
-                      </a:r>
-                    </a:p>
-                  </a:txBody>
-                  <a:tcPr/>
-                </a:tc>
-                <a:tc>
-                  <a:txBody>
-                    <a:bodyPr/>
-                    <a:lstStyle/>
-                    <a:p>
-                      <a:pPr algn="ctr"/>
-                      <a:r>
-                        <a:rPr lang="pt-PT" dirty="0"/>
-                        <a:t>Pedro</a:t>
-                      </a:r>
-                      <a:endParaRPr lang="en-GB" dirty="0"/>
-                    </a:p>
-                  </a:txBody>
-                  <a:tcPr/>
-                </a:tc>
-                <a:extLst>
-                  <a:ext uri="{0D108BD9-81ED-4DB2-BD59-A6C34878D82A}">
-                    <a16:rowId xmlns:a16="http://schemas.microsoft.com/office/drawing/2014/main" val="3309412754"/>
-                  </a:ext>
-                </a:extLst>
-              </a:tr>
-              <a:tr h="370840">
-                <a:tc>
-                  <a:txBody>
-                    <a:bodyPr/>
-                    <a:lstStyle/>
-                    <a:p>
-                      <a:pPr algn="ctr"/>
-                      <a:r>
-                        <a:rPr lang="pt-PT" dirty="0"/>
-                        <a:t>Register/Edit/List Schools</a:t>
-                      </a:r>
-                      <a:endParaRPr lang="en-GB" dirty="0"/>
-                    </a:p>
-                  </a:txBody>
-                  <a:tcPr/>
-                </a:tc>
-                <a:tc>
-                  <a:txBody>
-                    <a:bodyPr/>
-                    <a:lstStyle/>
-                    <a:p>
-                      <a:pPr algn="ctr"/>
-                      <a:r>
-                        <a:rPr lang="pt-PT" dirty="0"/>
-                        <a:t>100</a:t>
-                      </a:r>
-                    </a:p>
-                  </a:txBody>
-                  <a:tcPr/>
-                </a:tc>
-                <a:tc>
-                  <a:txBody>
-                    <a:bodyPr/>
-                    <a:lstStyle/>
-                    <a:p>
-                      <a:pPr algn="ctr"/>
-                      <a:r>
-                        <a:rPr lang="pt-PT" dirty="0"/>
-                        <a:t>03/05 – 09/05</a:t>
-                      </a:r>
-                      <a:endParaRPr lang="en-GB" dirty="0"/>
-                    </a:p>
-                  </a:txBody>
-                  <a:tcPr/>
-                </a:tc>
-                <a:tc>
-                  <a:txBody>
-                    <a:bodyPr/>
-                    <a:lstStyle/>
-                    <a:p>
-                      <a:pPr algn="ctr"/>
-                      <a:r>
-                        <a:rPr lang="pt-PT" dirty="0"/>
-                        <a:t>Maria</a:t>
-                      </a:r>
-                      <a:endParaRPr lang="en-GB" dirty="0"/>
-                    </a:p>
-                  </a:txBody>
-                  <a:tcPr/>
-                </a:tc>
-                <a:extLst>
-                  <a:ext uri="{0D108BD9-81ED-4DB2-BD59-A6C34878D82A}">
-                    <a16:rowId xmlns:a16="http://schemas.microsoft.com/office/drawing/2014/main" val="784145136"/>
-                  </a:ext>
-                </a:extLst>
-              </a:tr>
-              <a:tr h="370840">
-                <a:tc>
-                  <a:txBody>
-                    <a:bodyPr/>
-                    <a:lstStyle/>
-                    <a:p>
-                      <a:pPr algn="ctr"/>
-                      <a:r>
-                        <a:rPr lang="pt-PT" dirty="0"/>
-                        <a:t>Create/Edit/List</a:t>
-                      </a:r>
-                    </a:p>
-                    <a:p>
-                      <a:pPr algn="ctr"/>
-                      <a:r>
-                        <a:rPr lang="pt-PT" dirty="0"/>
-                        <a:t>Training Games</a:t>
-                      </a:r>
-                      <a:endParaRPr lang="en-GB" dirty="0"/>
-                    </a:p>
-                  </a:txBody>
-                  <a:tcPr/>
-                </a:tc>
-                <a:tc>
-                  <a:txBody>
-                    <a:bodyPr/>
-                    <a:lstStyle/>
-                    <a:p>
-                      <a:pPr algn="ctr"/>
-                      <a:r>
-                        <a:rPr lang="pt-PT" dirty="0"/>
-                        <a:t>100</a:t>
-                      </a:r>
-                    </a:p>
-                  </a:txBody>
-                  <a:tcPr/>
-                </a:tc>
-                <a:tc>
-                  <a:txBody>
-                    <a:bodyPr/>
-                    <a:lstStyle/>
-                    <a:p>
-                      <a:pPr algn="ctr"/>
-                      <a:r>
-                        <a:rPr lang="pt-PT" dirty="0"/>
-                        <a:t>03/05 – 09/05</a:t>
-                      </a:r>
-                      <a:endParaRPr lang="en-GB" dirty="0"/>
-                    </a:p>
-                  </a:txBody>
-                  <a:tcPr/>
-                </a:tc>
-                <a:tc>
-                  <a:txBody>
-                    <a:bodyPr/>
-                    <a:lstStyle/>
-                    <a:p>
-                      <a:pPr algn="ctr"/>
-                      <a:r>
-                        <a:rPr lang="pt-PT" dirty="0"/>
-                        <a:t>Diogo, Pedro</a:t>
-                      </a:r>
-                      <a:endParaRPr lang="en-GB" dirty="0"/>
-                    </a:p>
-                  </a:txBody>
-                  <a:tcPr/>
-                </a:tc>
-                <a:extLst>
-                  <a:ext uri="{0D108BD9-81ED-4DB2-BD59-A6C34878D82A}">
-                    <a16:rowId xmlns:a16="http://schemas.microsoft.com/office/drawing/2014/main" val="2768611862"/>
-                  </a:ext>
-                </a:extLst>
-              </a:tr>
-              <a:tr h="370840">
-                <a:tc>
-                  <a:txBody>
-                    <a:bodyPr/>
-                    <a:lstStyle/>
-                    <a:p>
-                      <a:pPr algn="ctr"/>
-                      <a:r>
-                        <a:rPr lang="pt-PT" dirty="0"/>
-                        <a:t>Create/Edit/List Competitions</a:t>
-                      </a:r>
-                      <a:endParaRPr lang="en-GB" dirty="0"/>
-                    </a:p>
-                  </a:txBody>
-                  <a:tcPr/>
-                </a:tc>
-                <a:tc>
-                  <a:txBody>
-                    <a:bodyPr/>
-                    <a:lstStyle/>
-                    <a:p>
-                      <a:pPr algn="ctr"/>
-                      <a:r>
-                        <a:rPr lang="pt-PT" dirty="0"/>
-                        <a:t>100</a:t>
-                      </a:r>
-                    </a:p>
-                  </a:txBody>
-                  <a:tcPr/>
-                </a:tc>
-                <a:tc>
-                  <a:txBody>
-                    <a:bodyPr/>
-                    <a:lstStyle/>
-                    <a:p>
-                      <a:pPr algn="ctr"/>
-                      <a:r>
-                        <a:rPr lang="pt-PT" dirty="0"/>
-                        <a:t>03/05 – 16/05</a:t>
-                      </a:r>
-                      <a:endParaRPr lang="en-GB" dirty="0"/>
-                    </a:p>
-                  </a:txBody>
-                  <a:tcPr/>
-                </a:tc>
-                <a:tc>
-                  <a:txBody>
-                    <a:bodyPr/>
-                    <a:lstStyle/>
-                    <a:p>
-                      <a:pPr algn="ctr"/>
-                      <a:r>
-                        <a:rPr lang="pt-PT" dirty="0"/>
-                        <a:t>Luis, Pedro</a:t>
-                      </a:r>
-                      <a:endParaRPr lang="en-GB" dirty="0"/>
-                    </a:p>
-                  </a:txBody>
-                  <a:tcPr/>
-                </a:tc>
-                <a:extLst>
-                  <a:ext uri="{0D108BD9-81ED-4DB2-BD59-A6C34878D82A}">
-                    <a16:rowId xmlns:a16="http://schemas.microsoft.com/office/drawing/2014/main" val="2908153542"/>
-                  </a:ext>
-                </a:extLst>
-              </a:tr>
-            </a:tbl>
-          </a:graphicData>
-        </a:graphic>
-      </p:graphicFrame>
-      <p:sp>
-        <p:nvSpPr>
-          <p:cNvPr id="5" name="TextBox 4">
-            <a:extLst>
-              <a:ext uri="{FF2B5EF4-FFF2-40B4-BE49-F238E27FC236}">
-                <a16:creationId xmlns:a16="http://schemas.microsoft.com/office/drawing/2014/main" id="{B8F4964C-186D-4BAA-AA8B-35A12DF6EB6E}"/>
-              </a:ext>
-            </a:extLst>
-          </p:cNvPr>
-          <p:cNvSpPr txBox="1"/>
-          <p:nvPr/>
-        </p:nvSpPr>
-        <p:spPr>
-          <a:xfrm>
-            <a:off x="804441" y="6121804"/>
-            <a:ext cx="7107459" cy="646331"/>
-          </a:xfrm>
-          <a:prstGeom prst="rect">
-            <a:avLst/>
-          </a:prstGeom>
-          <a:noFill/>
-        </p:spPr>
-        <p:txBody>
-          <a:bodyPr wrap="none" rtlCol="0">
-            <a:spAutoFit/>
-          </a:bodyPr>
+          <p:cNvSpPr>
+            <a:spLocks noGrp="1"/>
+          </p:cNvSpPr>
+          <p:nvPr>
+            <p:ph type="sldNum" sz="quarter" idx="12"/>
+          </p:nvPr>
+        </p:nvSpPr>
+        <p:spPr/>
+        <p:txBody>
+          <a:bodyPr/>
           <a:lstStyle/>
           <a:p>
-            <a:r>
-              <a:rPr lang="pt-PT" dirty="0"/>
-              <a:t>  * - </a:t>
-            </a:r>
-            <a:r>
-              <a:rPr lang="en-GB" b="1" dirty="0"/>
-              <a:t>Elaboration Phase: </a:t>
-            </a:r>
-            <a:r>
-              <a:rPr lang="en-GB" dirty="0"/>
-              <a:t>Register only on the main </a:t>
-            </a:r>
-            <a:r>
-              <a:rPr lang="en-GB" dirty="0" err="1"/>
-              <a:t>Pmate</a:t>
-            </a:r>
-            <a:r>
-              <a:rPr lang="en-GB" dirty="0"/>
-              <a:t> website; </a:t>
-            </a:r>
-          </a:p>
-          <a:p>
-            <a:r>
-              <a:rPr lang="en-GB" b="1" dirty="0"/>
-              <a:t>	Since Transition:</a:t>
-            </a:r>
-            <a:r>
-              <a:rPr lang="en-GB" dirty="0"/>
-              <a:t> Possible through the BackOffice</a:t>
-            </a:r>
-          </a:p>
-        </p:txBody>
-      </p:sp>
-      <p:sp>
-        <p:nvSpPr>
-          <p:cNvPr id="7" name="Slide Number Placeholder 5">
-            <a:extLst>
-              <a:ext uri="{FF2B5EF4-FFF2-40B4-BE49-F238E27FC236}">
-                <a16:creationId xmlns:a16="http://schemas.microsoft.com/office/drawing/2014/main" id="{1320BE0F-4ED2-4DF9-800D-7F7AA75927CB}"/>
-              </a:ext>
-            </a:extLst>
-          </p:cNvPr>
-          <p:cNvSpPr txBox="1">
-            <a:spLocks/>
-          </p:cNvSpPr>
-          <p:nvPr/>
-        </p:nvSpPr>
-        <p:spPr>
-          <a:xfrm>
-            <a:off x="11508661" y="6492875"/>
-            <a:ext cx="683339" cy="365125"/>
-          </a:xfrm>
-          <a:prstGeom prst="rect">
-            <a:avLst/>
-          </a:prstGeom>
-        </p:spPr>
-        <p:txBody>
-          <a:bodyPr vert="horz" lIns="91440" tIns="45720" rIns="91440" bIns="45720" rtlCol="0" anchor="ctr"/>
-          <a:lstStyle>
-            <a:defPPr>
-              <a:defRPr lang="en-US"/>
-            </a:defPPr>
-            <a:lvl1pPr marL="0" algn="r" defTabSz="457200" rtl="0" eaLnBrk="1" latinLnBrk="0" hangingPunct="1">
-              <a:defRPr sz="900" kern="1200">
-                <a:solidFill>
-                  <a:schemeClr val="accent1"/>
-                </a:solidFill>
-                <a:latin typeface="+mn-lt"/>
-                <a:ea typeface="+mn-ea"/>
-                <a:cs typeface="+mn-cs"/>
-              </a:defRPr>
-            </a:lvl1pPr>
-            <a:lvl2pPr marL="457200" algn="l" defTabSz="457200" rtl="0" eaLnBrk="1" latinLnBrk="0" hangingPunct="1">
-              <a:defRPr sz="1800" kern="1200">
-                <a:solidFill>
-                  <a:schemeClr val="tx1"/>
-                </a:solidFill>
-                <a:latin typeface="+mn-lt"/>
-                <a:ea typeface="+mn-ea"/>
-                <a:cs typeface="+mn-cs"/>
-              </a:defRPr>
-            </a:lvl2pPr>
-            <a:lvl3pPr marL="914400" algn="l" defTabSz="457200" rtl="0" eaLnBrk="1" latinLnBrk="0" hangingPunct="1">
-              <a:defRPr sz="1800" kern="1200">
-                <a:solidFill>
-                  <a:schemeClr val="tx1"/>
-                </a:solidFill>
-                <a:latin typeface="+mn-lt"/>
-                <a:ea typeface="+mn-ea"/>
-                <a:cs typeface="+mn-cs"/>
-              </a:defRPr>
-            </a:lvl3pPr>
-            <a:lvl4pPr marL="1371600" algn="l" defTabSz="457200" rtl="0" eaLnBrk="1" latinLnBrk="0" hangingPunct="1">
-              <a:defRPr sz="1800" kern="1200">
-                <a:solidFill>
-                  <a:schemeClr val="tx1"/>
-                </a:solidFill>
-                <a:latin typeface="+mn-lt"/>
-                <a:ea typeface="+mn-ea"/>
-                <a:cs typeface="+mn-cs"/>
-              </a:defRPr>
-            </a:lvl4pPr>
-            <a:lvl5pPr marL="1828800" algn="l" defTabSz="457200" rtl="0" eaLnBrk="1" latinLnBrk="0" hangingPunct="1">
-              <a:defRPr sz="1800" kern="1200">
-                <a:solidFill>
-                  <a:schemeClr val="tx1"/>
-                </a:solidFill>
-                <a:latin typeface="+mn-lt"/>
-                <a:ea typeface="+mn-ea"/>
-                <a:cs typeface="+mn-cs"/>
-              </a:defRPr>
-            </a:lvl5pPr>
-            <a:lvl6pPr marL="2286000" algn="l" defTabSz="457200" rtl="0" eaLnBrk="1" latinLnBrk="0" hangingPunct="1">
-              <a:defRPr sz="1800" kern="1200">
-                <a:solidFill>
-                  <a:schemeClr val="tx1"/>
-                </a:solidFill>
-                <a:latin typeface="+mn-lt"/>
-                <a:ea typeface="+mn-ea"/>
-                <a:cs typeface="+mn-cs"/>
-              </a:defRPr>
-            </a:lvl6pPr>
-            <a:lvl7pPr marL="2743200" algn="l" defTabSz="457200" rtl="0" eaLnBrk="1" latinLnBrk="0" hangingPunct="1">
-              <a:defRPr sz="1800" kern="1200">
-                <a:solidFill>
-                  <a:schemeClr val="tx1"/>
-                </a:solidFill>
-                <a:latin typeface="+mn-lt"/>
-                <a:ea typeface="+mn-ea"/>
-                <a:cs typeface="+mn-cs"/>
-              </a:defRPr>
-            </a:lvl7pPr>
-            <a:lvl8pPr marL="3200400" algn="l" defTabSz="457200" rtl="0" eaLnBrk="1" latinLnBrk="0" hangingPunct="1">
-              <a:defRPr sz="1800" kern="1200">
-                <a:solidFill>
-                  <a:schemeClr val="tx1"/>
-                </a:solidFill>
-                <a:latin typeface="+mn-lt"/>
-                <a:ea typeface="+mn-ea"/>
-                <a:cs typeface="+mn-cs"/>
-              </a:defRPr>
-            </a:lvl8pPr>
-            <a:lvl9pPr marL="3657600" algn="l" defTabSz="457200" rtl="0" eaLnBrk="1" latinLnBrk="0" hangingPunct="1">
-              <a:defRPr sz="1800" kern="1200">
-                <a:solidFill>
-                  <a:schemeClr val="tx1"/>
-                </a:solidFill>
-                <a:latin typeface="+mn-lt"/>
-                <a:ea typeface="+mn-ea"/>
-                <a:cs typeface="+mn-cs"/>
-              </a:defRPr>
-            </a:lvl9pPr>
-          </a:lstStyle>
-          <a:p>
             <a:fld id="{34B7E4EF-A1BD-40F4-AB7B-04F084DD991D}" type="slidenum">
-              <a:rPr lang="en-US" sz="2000" smtClean="0">
-                <a:solidFill>
-                  <a:schemeClr val="bg1"/>
-                </a:solidFill>
-              </a:rPr>
-              <a:pPr/>
+              <a:rPr lang="en-US" smtClean="0"/>
               <a:t>7</a:t>
             </a:fld>
-            <a:endParaRPr lang="en-US" sz="2000" dirty="0">
-              <a:solidFill>
-                <a:schemeClr val="bg1"/>
-              </a:solidFill>
-            </a:endParaRPr>
+            <a:endParaRPr lang="en-US" dirty="0"/>
           </a:p>
         </p:txBody>
       </p:sp>
     </p:spTree>
     <p:extLst>
       <p:ext uri="{BB962C8B-B14F-4D97-AF65-F5344CB8AC3E}">
-        <p14:creationId xmlns:p14="http://schemas.microsoft.com/office/powerpoint/2010/main" val="1125755975"/>
+        <p14:creationId xmlns:p14="http://schemas.microsoft.com/office/powerpoint/2010/main" val="3492988224"/>
       </p:ext>
     </p:extLst>
   </p:cSld>
@@ -11421,6 +9435,14 @@
 <file path=ppt/slides/slide8.xml><?xml version="1.0" encoding="utf-8"?>
 <p:sld xmlns:a="http://schemas.openxmlformats.org/drawingml/2006/main" xmlns:r="http://schemas.openxmlformats.org/officeDocument/2006/relationships" xmlns:p="http://schemas.openxmlformats.org/presentationml/2006/main">
   <p:cSld>
+    <p:bg>
+      <p:bgPr>
+        <a:solidFill>
+          <a:schemeClr val="bg1"/>
+        </a:solidFill>
+        <a:effectLst/>
+      </p:bgPr>
+    </p:bg>
     <p:spTree>
       <p:nvGrpSpPr>
         <p:cNvPr id="1" name=""/>
@@ -11440,7 +9462,7 @@
           <p:cNvPr id="2" name="Title 1">
             <a:extLst>
               <a:ext uri="{FF2B5EF4-FFF2-40B4-BE49-F238E27FC236}">
-                <a16:creationId xmlns:a16="http://schemas.microsoft.com/office/drawing/2014/main" id="{9440C020-4DE9-472F-8CFF-8A07F3AD3D64}"/>
+                <a16:creationId xmlns:a16="http://schemas.microsoft.com/office/drawing/2014/main" id="{7A4919D0-F177-4BBA-9A0B-DBA69E2ED764}"/>
               </a:ext>
             </a:extLst>
           </p:cNvPr>
@@ -11453,47 +9475,144 @@
         </p:nvSpPr>
         <p:spPr>
           <a:xfrm>
-            <a:off x="560773" y="358017"/>
-            <a:ext cx="10058400" cy="1371600"/>
+            <a:off x="4614862" y="3114103"/>
+            <a:ext cx="2962275" cy="629793"/>
           </a:xfrm>
         </p:spPr>
         <p:txBody>
-          <a:bodyPr/>
+          <a:bodyPr>
+            <a:normAutofit fontScale="90000"/>
+          </a:bodyPr>
           <a:lstStyle/>
           <a:p>
-            <a:r>
-              <a:rPr lang="pt-PT" b="1" dirty="0"/>
-              <a:t>Plan</a:t>
-            </a:r>
-            <a:endParaRPr lang="en-GB" b="1" dirty="0"/>
-          </a:p>
-        </p:txBody>
-      </p:sp>
-      <p:sp>
-        <p:nvSpPr>
-          <p:cNvPr id="6" name="Slide Number Placeholder 5">
+            <a:pPr algn="ctr"/>
+            <a:r>
+              <a:rPr lang="en-US" b="1" dirty="0"/>
+              <a:t>QUESTIONS?</a:t>
+            </a:r>
+          </a:p>
+        </p:txBody>
+      </p:sp>
+      <p:sp>
+        <p:nvSpPr>
+          <p:cNvPr id="7" name="Slide Number Placeholder 5">
             <a:extLst>
               <a:ext uri="{FF2B5EF4-FFF2-40B4-BE49-F238E27FC236}">
-                <a16:creationId xmlns:a16="http://schemas.microsoft.com/office/drawing/2014/main" id="{093ACF8D-E1CC-471F-8951-1084A22E059C}"/>
+                <a16:creationId xmlns:a16="http://schemas.microsoft.com/office/drawing/2014/main" id="{2DD08593-97EE-4778-B974-625B9AC77ACC}"/>
               </a:ext>
             </a:extLst>
           </p:cNvPr>
-          <p:cNvSpPr>
-            <a:spLocks noGrp="1"/>
-          </p:cNvSpPr>
-          <p:nvPr>
-            <p:ph type="sldNum" sz="quarter" idx="12"/>
-          </p:nvPr>
+          <p:cNvSpPr txBox="1">
+            <a:spLocks/>
+          </p:cNvSpPr>
+          <p:nvPr/>
         </p:nvSpPr>
         <p:spPr>
           <a:xfrm>
             <a:off x="11508661" y="6492875"/>
             <a:ext cx="683339" cy="365125"/>
           </a:xfrm>
+          <a:prstGeom prst="rect">
+            <a:avLst/>
+          </a:prstGeom>
         </p:spPr>
         <p:txBody>
-          <a:bodyPr/>
-          <a:lstStyle/>
+          <a:bodyPr vert="horz" lIns="91440" tIns="45720" rIns="91440" bIns="45720" rtlCol="0" anchor="ctr"/>
+          <a:lstStyle>
+            <a:defPPr>
+              <a:defRPr lang="en-US"/>
+            </a:defPPr>
+            <a:lvl1pPr marL="0" algn="r" defTabSz="457200" rtl="0" eaLnBrk="1" latinLnBrk="0" hangingPunct="1">
+              <a:defRPr sz="900" kern="1200">
+                <a:solidFill>
+                  <a:schemeClr val="accent1"/>
+                </a:solidFill>
+                <a:latin typeface="+mn-lt"/>
+                <a:ea typeface="+mn-ea"/>
+                <a:cs typeface="+mn-cs"/>
+              </a:defRPr>
+            </a:lvl1pPr>
+            <a:lvl2pPr marL="457200" algn="l" defTabSz="457200" rtl="0" eaLnBrk="1" latinLnBrk="0" hangingPunct="1">
+              <a:defRPr sz="1800" kern="1200">
+                <a:solidFill>
+                  <a:schemeClr val="tx1"/>
+                </a:solidFill>
+                <a:latin typeface="+mn-lt"/>
+                <a:ea typeface="+mn-ea"/>
+                <a:cs typeface="+mn-cs"/>
+              </a:defRPr>
+            </a:lvl2pPr>
+            <a:lvl3pPr marL="914400" algn="l" defTabSz="457200" rtl="0" eaLnBrk="1" latinLnBrk="0" hangingPunct="1">
+              <a:defRPr sz="1800" kern="1200">
+                <a:solidFill>
+                  <a:schemeClr val="tx1"/>
+                </a:solidFill>
+                <a:latin typeface="+mn-lt"/>
+                <a:ea typeface="+mn-ea"/>
+                <a:cs typeface="+mn-cs"/>
+              </a:defRPr>
+            </a:lvl3pPr>
+            <a:lvl4pPr marL="1371600" algn="l" defTabSz="457200" rtl="0" eaLnBrk="1" latinLnBrk="0" hangingPunct="1">
+              <a:defRPr sz="1800" kern="1200">
+                <a:solidFill>
+                  <a:schemeClr val="tx1"/>
+                </a:solidFill>
+                <a:latin typeface="+mn-lt"/>
+                <a:ea typeface="+mn-ea"/>
+                <a:cs typeface="+mn-cs"/>
+              </a:defRPr>
+            </a:lvl4pPr>
+            <a:lvl5pPr marL="1828800" algn="l" defTabSz="457200" rtl="0" eaLnBrk="1" latinLnBrk="0" hangingPunct="1">
+              <a:defRPr sz="1800" kern="1200">
+                <a:solidFill>
+                  <a:schemeClr val="tx1"/>
+                </a:solidFill>
+                <a:latin typeface="+mn-lt"/>
+                <a:ea typeface="+mn-ea"/>
+                <a:cs typeface="+mn-cs"/>
+              </a:defRPr>
+            </a:lvl5pPr>
+            <a:lvl6pPr marL="2286000" algn="l" defTabSz="457200" rtl="0" eaLnBrk="1" latinLnBrk="0" hangingPunct="1">
+              <a:defRPr sz="1800" kern="1200">
+                <a:solidFill>
+                  <a:schemeClr val="tx1"/>
+                </a:solidFill>
+                <a:latin typeface="+mn-lt"/>
+                <a:ea typeface="+mn-ea"/>
+                <a:cs typeface="+mn-cs"/>
+              </a:defRPr>
+            </a:lvl6pPr>
+            <a:lvl7pPr marL="2743200" algn="l" defTabSz="457200" rtl="0" eaLnBrk="1" latinLnBrk="0" hangingPunct="1">
+              <a:defRPr sz="1800" kern="1200">
+                <a:solidFill>
+                  <a:schemeClr val="tx1"/>
+                </a:solidFill>
+                <a:latin typeface="+mn-lt"/>
+                <a:ea typeface="+mn-ea"/>
+                <a:cs typeface="+mn-cs"/>
+              </a:defRPr>
+            </a:lvl7pPr>
+            <a:lvl8pPr marL="3200400" algn="l" defTabSz="457200" rtl="0" eaLnBrk="1" latinLnBrk="0" hangingPunct="1">
+              <a:defRPr sz="1800" kern="1200">
+                <a:solidFill>
+                  <a:schemeClr val="tx1"/>
+                </a:solidFill>
+                <a:latin typeface="+mn-lt"/>
+                <a:ea typeface="+mn-ea"/>
+                <a:cs typeface="+mn-cs"/>
+              </a:defRPr>
+            </a:lvl8pPr>
+            <a:lvl9pPr marL="3657600" algn="l" defTabSz="457200" rtl="0" eaLnBrk="1" latinLnBrk="0" hangingPunct="1">
+              <a:defRPr sz="1800" kern="1200">
+                <a:solidFill>
+                  <a:schemeClr val="tx1"/>
+                </a:solidFill>
+                <a:latin typeface="+mn-lt"/>
+                <a:ea typeface="+mn-ea"/>
+                <a:cs typeface="+mn-cs"/>
+              </a:defRPr>
+            </a:lvl9pPr>
+          </a:lstStyle>
           <a:p>
             <a:fld id="{34B7E4EF-A1BD-40F4-AB7B-04F084DD991D}" type="slidenum">
               <a:rPr lang="en-US" sz="2000" smtClean="0">
@@ -11501,6 +9620,7 @@
                   <a:schemeClr val="bg1"/>
                 </a:solidFill>
               </a:rPr>
+              <a:pPr/>
               <a:t>8</a:t>
             </a:fld>
             <a:endParaRPr lang="en-US" sz="2000" dirty="0">
@@ -11511,1029 +9631,10 @@
           </a:p>
         </p:txBody>
       </p:sp>
-      <p:graphicFrame>
-        <p:nvGraphicFramePr>
-          <p:cNvPr id="4" name="Table 4">
-            <a:extLst>
-              <a:ext uri="{FF2B5EF4-FFF2-40B4-BE49-F238E27FC236}">
-                <a16:creationId xmlns:a16="http://schemas.microsoft.com/office/drawing/2014/main" id="{2AA371E5-E722-4B11-86DF-3AD60B6D9C6A}"/>
-              </a:ext>
-            </a:extLst>
-          </p:cNvPr>
-          <p:cNvGraphicFramePr>
-            <a:graphicFrameLocks noGrp="1"/>
-          </p:cNvGraphicFramePr>
-          <p:nvPr>
-            <p:extLst>
-              <p:ext uri="{D42A27DB-BD31-4B8C-83A1-F6EECF244321}">
-                <p14:modId xmlns:p14="http://schemas.microsoft.com/office/powerpoint/2010/main" val="3744423622"/>
-              </p:ext>
-            </p:extLst>
-          </p:nvPr>
-        </p:nvGraphicFramePr>
-        <p:xfrm>
-          <a:off x="1155866" y="1281084"/>
-          <a:ext cx="8118136" cy="3931920"/>
-        </p:xfrm>
-        <a:graphic>
-          <a:graphicData uri="http://schemas.openxmlformats.org/drawingml/2006/table">
-            <a:tbl>
-              <a:tblPr firstRow="1" bandRow="1">
-                <a:effectLst>
-                  <a:outerShdw blurRad="50800" dist="38100" dir="2700000" algn="tl" rotWithShape="0">
-                    <a:prstClr val="black">
-                      <a:alpha val="40000"/>
-                    </a:prstClr>
-                  </a:outerShdw>
-                </a:effectLst>
-                <a:tableStyleId>{5C22544A-7EE6-4342-B048-85BDC9FD1C3A}</a:tableStyleId>
-              </a:tblPr>
-              <a:tblGrid>
-                <a:gridCol w="2022136">
-                  <a:extLst>
-                    <a:ext uri="{9D8B030D-6E8A-4147-A177-3AD203B41FA5}">
-                      <a16:colId xmlns:a16="http://schemas.microsoft.com/office/drawing/2014/main" val="2989444139"/>
-                    </a:ext>
-                  </a:extLst>
-                </a:gridCol>
-                <a:gridCol w="2032000">
-                  <a:extLst>
-                    <a:ext uri="{9D8B030D-6E8A-4147-A177-3AD203B41FA5}">
-                      <a16:colId xmlns:a16="http://schemas.microsoft.com/office/drawing/2014/main" val="363588773"/>
-                    </a:ext>
-                  </a:extLst>
-                </a:gridCol>
-                <a:gridCol w="2032000">
-                  <a:extLst>
-                    <a:ext uri="{9D8B030D-6E8A-4147-A177-3AD203B41FA5}">
-                      <a16:colId xmlns:a16="http://schemas.microsoft.com/office/drawing/2014/main" val="3657889724"/>
-                    </a:ext>
-                  </a:extLst>
-                </a:gridCol>
-                <a:gridCol w="2032000">
-                  <a:extLst>
-                    <a:ext uri="{9D8B030D-6E8A-4147-A177-3AD203B41FA5}">
-                      <a16:colId xmlns:a16="http://schemas.microsoft.com/office/drawing/2014/main" val="3609038037"/>
-                    </a:ext>
-                  </a:extLst>
-                </a:gridCol>
-              </a:tblGrid>
-              <a:tr h="318462">
-                <a:tc>
-                  <a:txBody>
-                    <a:bodyPr/>
-                    <a:lstStyle/>
-                    <a:p>
-                      <a:pPr algn="ctr"/>
-                      <a:r>
-                        <a:rPr lang="pt-PT" dirty="0"/>
-                        <a:t>Feature</a:t>
-                      </a:r>
-                      <a:endParaRPr lang="en-GB" dirty="0"/>
-                    </a:p>
-                  </a:txBody>
-                  <a:tcPr/>
-                </a:tc>
-                <a:tc>
-                  <a:txBody>
-                    <a:bodyPr/>
-                    <a:lstStyle/>
-                    <a:p>
-                      <a:pPr algn="ctr"/>
-                      <a:r>
-                        <a:rPr lang="pt-PT" dirty="0"/>
-                        <a:t>Progress (%)</a:t>
-                      </a:r>
-                      <a:endParaRPr lang="en-GB" dirty="0"/>
-                    </a:p>
-                  </a:txBody>
-                  <a:tcPr/>
-                </a:tc>
-                <a:tc>
-                  <a:txBody>
-                    <a:bodyPr/>
-                    <a:lstStyle/>
-                    <a:p>
-                      <a:pPr algn="ctr"/>
-                      <a:r>
-                        <a:rPr lang="pt-PT" sz="1600" dirty="0"/>
-                        <a:t>Time until implementation</a:t>
-                      </a:r>
-                    </a:p>
-                    <a:p>
-                      <a:pPr algn="ctr"/>
-                      <a:r>
-                        <a:rPr lang="en-GB" sz="1600" dirty="0"/>
-                        <a:t>(weeks)</a:t>
-                      </a:r>
-                    </a:p>
-                  </a:txBody>
-                  <a:tcPr/>
-                </a:tc>
-                <a:tc>
-                  <a:txBody>
-                    <a:bodyPr/>
-                    <a:lstStyle/>
-                    <a:p>
-                      <a:pPr algn="ctr"/>
-                      <a:r>
-                        <a:rPr lang="pt-PT" dirty="0"/>
-                        <a:t>Responsible members</a:t>
-                      </a:r>
-                      <a:endParaRPr lang="en-GB" dirty="0"/>
-                    </a:p>
-                  </a:txBody>
-                  <a:tcPr/>
-                </a:tc>
-                <a:extLst>
-                  <a:ext uri="{0D108BD9-81ED-4DB2-BD59-A6C34878D82A}">
-                    <a16:rowId xmlns:a16="http://schemas.microsoft.com/office/drawing/2014/main" val="1587062829"/>
-                  </a:ext>
-                </a:extLst>
-              </a:tr>
-              <a:tr h="370840">
-                <a:tc>
-                  <a:txBody>
-                    <a:bodyPr/>
-                    <a:lstStyle/>
-                    <a:p>
-                      <a:pPr algn="ctr"/>
-                      <a:r>
-                        <a:rPr lang="pt-PT" dirty="0"/>
-                        <a:t>Create/List</a:t>
-                      </a:r>
-                    </a:p>
-                    <a:p>
-                      <a:pPr algn="ctr"/>
-                      <a:r>
-                        <a:rPr lang="pt-PT" dirty="0"/>
-                        <a:t>Tests</a:t>
-                      </a:r>
-                      <a:endParaRPr lang="en-GB" dirty="0"/>
-                    </a:p>
-                  </a:txBody>
-                  <a:tcPr/>
-                </a:tc>
-                <a:tc>
-                  <a:txBody>
-                    <a:bodyPr/>
-                    <a:lstStyle/>
-                    <a:p>
-                      <a:pPr algn="ctr"/>
-                      <a:r>
-                        <a:rPr lang="pt-PT" dirty="0"/>
-                        <a:t>100</a:t>
-                      </a:r>
-                    </a:p>
-                  </a:txBody>
-                  <a:tcPr/>
-                </a:tc>
-                <a:tc>
-                  <a:txBody>
-                    <a:bodyPr/>
-                    <a:lstStyle/>
-                    <a:p>
-                      <a:pPr algn="ctr"/>
-                      <a:r>
-                        <a:rPr lang="pt-PT" dirty="0"/>
-                        <a:t>03/05 – 16/05</a:t>
-                      </a:r>
-                      <a:endParaRPr lang="en-GB" dirty="0"/>
-                    </a:p>
-                  </a:txBody>
-                  <a:tcPr/>
-                </a:tc>
-                <a:tc>
-                  <a:txBody>
-                    <a:bodyPr/>
-                    <a:lstStyle/>
-                    <a:p>
-                      <a:pPr algn="ctr"/>
-                      <a:r>
-                        <a:rPr lang="pt-PT" dirty="0"/>
-                        <a:t>Luis, Pedro</a:t>
-                      </a:r>
-                      <a:endParaRPr lang="en-GB" dirty="0"/>
-                    </a:p>
-                  </a:txBody>
-                  <a:tcPr/>
-                </a:tc>
-                <a:extLst>
-                  <a:ext uri="{0D108BD9-81ED-4DB2-BD59-A6C34878D82A}">
-                    <a16:rowId xmlns:a16="http://schemas.microsoft.com/office/drawing/2014/main" val="1373976847"/>
-                  </a:ext>
-                </a:extLst>
-              </a:tr>
-              <a:tr h="370840">
-                <a:tc>
-                  <a:txBody>
-                    <a:bodyPr/>
-                    <a:lstStyle/>
-                    <a:p>
-                      <a:pPr algn="ctr"/>
-                      <a:r>
-                        <a:rPr lang="pt-PT" dirty="0"/>
-                        <a:t>List and Search Users</a:t>
-                      </a:r>
-                      <a:endParaRPr lang="en-GB" dirty="0"/>
-                    </a:p>
-                  </a:txBody>
-                  <a:tcPr/>
-                </a:tc>
-                <a:tc>
-                  <a:txBody>
-                    <a:bodyPr/>
-                    <a:lstStyle/>
-                    <a:p>
-                      <a:pPr algn="ctr"/>
-                      <a:r>
-                        <a:rPr lang="pt-PT" dirty="0"/>
-                        <a:t>100</a:t>
-                      </a:r>
-                    </a:p>
-                  </a:txBody>
-                  <a:tcPr/>
-                </a:tc>
-                <a:tc>
-                  <a:txBody>
-                    <a:bodyPr/>
-                    <a:lstStyle/>
-                    <a:p>
-                      <a:pPr marL="0" marR="0" lvl="0" indent="0" algn="ctr" defTabSz="914400" rtl="0" eaLnBrk="1" fontAlgn="auto" latinLnBrk="0" hangingPunct="1">
-                        <a:lnSpc>
-                          <a:spcPct val="100000"/>
-                        </a:lnSpc>
-                        <a:spcBef>
-                          <a:spcPts val="0"/>
-                        </a:spcBef>
-                        <a:spcAft>
-                          <a:spcPts val="0"/>
-                        </a:spcAft>
-                        <a:buClrTx/>
-                        <a:buSzTx/>
-                        <a:buFontTx/>
-                        <a:buNone/>
-                        <a:tabLst/>
-                        <a:defRPr/>
-                      </a:pPr>
-                      <a:r>
-                        <a:rPr lang="pt-PT" dirty="0"/>
-                        <a:t>03/05 – 16/05</a:t>
-                      </a:r>
-                      <a:endParaRPr lang="en-GB" dirty="0"/>
-                    </a:p>
-                  </a:txBody>
-                  <a:tcPr/>
-                </a:tc>
-                <a:tc>
-                  <a:txBody>
-                    <a:bodyPr/>
-                    <a:lstStyle/>
-                    <a:p>
-                      <a:pPr algn="ctr"/>
-                      <a:r>
-                        <a:rPr lang="pt-PT" dirty="0"/>
-                        <a:t>Diogo</a:t>
-                      </a:r>
-                      <a:endParaRPr lang="en-GB" dirty="0"/>
-                    </a:p>
-                  </a:txBody>
-                  <a:tcPr/>
-                </a:tc>
-                <a:extLst>
-                  <a:ext uri="{0D108BD9-81ED-4DB2-BD59-A6C34878D82A}">
-                    <a16:rowId xmlns:a16="http://schemas.microsoft.com/office/drawing/2014/main" val="3138978490"/>
-                  </a:ext>
-                </a:extLst>
-              </a:tr>
-              <a:tr h="370840">
-                <a:tc>
-                  <a:txBody>
-                    <a:bodyPr/>
-                    <a:lstStyle/>
-                    <a:p>
-                      <a:pPr algn="ctr"/>
-                      <a:r>
-                        <a:rPr lang="en-GB" dirty="0"/>
-                        <a:t>Edit Users and Add/Remove their roles</a:t>
-                      </a:r>
-                    </a:p>
-                  </a:txBody>
-                  <a:tcPr/>
-                </a:tc>
-                <a:tc>
-                  <a:txBody>
-                    <a:bodyPr/>
-                    <a:lstStyle/>
-                    <a:p>
-                      <a:pPr algn="ctr"/>
-                      <a:r>
-                        <a:rPr lang="pt-PT" dirty="0"/>
-                        <a:t>100</a:t>
-                      </a:r>
-                    </a:p>
-                  </a:txBody>
-                  <a:tcPr/>
-                </a:tc>
-                <a:tc>
-                  <a:txBody>
-                    <a:bodyPr/>
-                    <a:lstStyle/>
-                    <a:p>
-                      <a:pPr marL="0" marR="0" lvl="0" indent="0" algn="ctr" defTabSz="914400" rtl="0" eaLnBrk="1" fontAlgn="auto" latinLnBrk="0" hangingPunct="1">
-                        <a:lnSpc>
-                          <a:spcPct val="100000"/>
-                        </a:lnSpc>
-                        <a:spcBef>
-                          <a:spcPts val="0"/>
-                        </a:spcBef>
-                        <a:spcAft>
-                          <a:spcPts val="0"/>
-                        </a:spcAft>
-                        <a:buClrTx/>
-                        <a:buSzTx/>
-                        <a:buFontTx/>
-                        <a:buNone/>
-                        <a:tabLst/>
-                        <a:defRPr/>
-                      </a:pPr>
-                      <a:r>
-                        <a:rPr lang="en-GB" dirty="0"/>
-                        <a:t>03/05 – 16/05</a:t>
-                      </a:r>
-                    </a:p>
-                  </a:txBody>
-                  <a:tcPr/>
-                </a:tc>
-                <a:tc>
-                  <a:txBody>
-                    <a:bodyPr/>
-                    <a:lstStyle/>
-                    <a:p>
-                      <a:pPr algn="ctr"/>
-                      <a:r>
-                        <a:rPr lang="en-GB" dirty="0"/>
-                        <a:t>Fabio</a:t>
-                      </a:r>
-                    </a:p>
-                  </a:txBody>
-                  <a:tcPr/>
-                </a:tc>
-                <a:extLst>
-                  <a:ext uri="{0D108BD9-81ED-4DB2-BD59-A6C34878D82A}">
-                    <a16:rowId xmlns:a16="http://schemas.microsoft.com/office/drawing/2014/main" val="2073879530"/>
-                  </a:ext>
-                </a:extLst>
-              </a:tr>
-              <a:tr h="370840">
-                <a:tc>
-                  <a:txBody>
-                    <a:bodyPr/>
-                    <a:lstStyle/>
-                    <a:p>
-                      <a:pPr algn="ctr"/>
-                      <a:r>
-                        <a:rPr lang="en-GB" dirty="0"/>
-                        <a:t>Show History of schools a User belonged to</a:t>
-                      </a:r>
-                    </a:p>
-                  </a:txBody>
-                  <a:tcPr/>
-                </a:tc>
-                <a:tc>
-                  <a:txBody>
-                    <a:bodyPr/>
-                    <a:lstStyle/>
-                    <a:p>
-                      <a:pPr algn="ctr"/>
-                      <a:r>
-                        <a:rPr lang="pt-PT" dirty="0"/>
-                        <a:t>100</a:t>
-                      </a:r>
-                    </a:p>
-                  </a:txBody>
-                  <a:tcPr/>
-                </a:tc>
-                <a:tc>
-                  <a:txBody>
-                    <a:bodyPr/>
-                    <a:lstStyle/>
-                    <a:p>
-                      <a:pPr marL="0" marR="0" lvl="0" indent="0" algn="ctr" defTabSz="914400" rtl="0" eaLnBrk="1" fontAlgn="auto" latinLnBrk="0" hangingPunct="1">
-                        <a:lnSpc>
-                          <a:spcPct val="100000"/>
-                        </a:lnSpc>
-                        <a:spcBef>
-                          <a:spcPts val="0"/>
-                        </a:spcBef>
-                        <a:spcAft>
-                          <a:spcPts val="0"/>
-                        </a:spcAft>
-                        <a:buClrTx/>
-                        <a:buSzTx/>
-                        <a:buFontTx/>
-                        <a:buNone/>
-                        <a:tabLst/>
-                        <a:defRPr/>
-                      </a:pPr>
-                      <a:r>
-                        <a:rPr lang="en-GB" dirty="0"/>
-                        <a:t>03/05 – 16/05</a:t>
-                      </a:r>
-                    </a:p>
-                    <a:p>
-                      <a:pPr marL="0" marR="0" lvl="0" indent="0" algn="ctr" defTabSz="914400" rtl="0" eaLnBrk="1" fontAlgn="auto" latinLnBrk="0" hangingPunct="1">
-                        <a:lnSpc>
-                          <a:spcPct val="100000"/>
-                        </a:lnSpc>
-                        <a:spcBef>
-                          <a:spcPts val="0"/>
-                        </a:spcBef>
-                        <a:spcAft>
-                          <a:spcPts val="0"/>
-                        </a:spcAft>
-                        <a:buClrTx/>
-                        <a:buSzTx/>
-                        <a:buFontTx/>
-                        <a:buNone/>
-                        <a:tabLst/>
-                        <a:defRPr/>
-                      </a:pPr>
-                      <a:endParaRPr lang="en-GB" dirty="0"/>
-                    </a:p>
-                  </a:txBody>
-                  <a:tcPr/>
-                </a:tc>
-                <a:tc>
-                  <a:txBody>
-                    <a:bodyPr/>
-                    <a:lstStyle/>
-                    <a:p>
-                      <a:pPr algn="ctr"/>
-                      <a:r>
-                        <a:rPr lang="en-GB" dirty="0"/>
-                        <a:t>Fabio</a:t>
-                      </a:r>
-                    </a:p>
-                  </a:txBody>
-                  <a:tcPr/>
-                </a:tc>
-                <a:extLst>
-                  <a:ext uri="{0D108BD9-81ED-4DB2-BD59-A6C34878D82A}">
-                    <a16:rowId xmlns:a16="http://schemas.microsoft.com/office/drawing/2014/main" val="2613799084"/>
-                  </a:ext>
-                </a:extLst>
-              </a:tr>
-            </a:tbl>
-          </a:graphicData>
-        </a:graphic>
-      </p:graphicFrame>
     </p:spTree>
     <p:extLst>
       <p:ext uri="{BB962C8B-B14F-4D97-AF65-F5344CB8AC3E}">
-        <p14:creationId xmlns:p14="http://schemas.microsoft.com/office/powerpoint/2010/main" val="3573623762"/>
-      </p:ext>
-    </p:extLst>
-  </p:cSld>
-  <p:clrMapOvr>
-    <a:masterClrMapping/>
-  </p:clrMapOvr>
-</p:sld>
-</file>
-
-<file path=ppt/slides/slide9.xml><?xml version="1.0" encoding="utf-8"?>
-<p:sld xmlns:a="http://schemas.openxmlformats.org/drawingml/2006/main" xmlns:r="http://schemas.openxmlformats.org/officeDocument/2006/relationships" xmlns:p="http://schemas.openxmlformats.org/presentationml/2006/main">
-  <p:cSld>
-    <p:spTree>
-      <p:nvGrpSpPr>
-        <p:cNvPr id="1" name=""/>
-        <p:cNvGrpSpPr/>
-        <p:nvPr/>
-      </p:nvGrpSpPr>
-      <p:grpSpPr>
-        <a:xfrm>
-          <a:off x="0" y="0"/>
-          <a:ext cx="0" cy="0"/>
-          <a:chOff x="0" y="0"/>
-          <a:chExt cx="0" cy="0"/>
-        </a:xfrm>
-      </p:grpSpPr>
-      <p:sp>
-        <p:nvSpPr>
-          <p:cNvPr id="2" name="Title 1">
-            <a:extLst>
-              <a:ext uri="{FF2B5EF4-FFF2-40B4-BE49-F238E27FC236}">
-                <a16:creationId xmlns:a16="http://schemas.microsoft.com/office/drawing/2014/main" id="{9440C020-4DE9-472F-8CFF-8A07F3AD3D64}"/>
-              </a:ext>
-            </a:extLst>
-          </p:cNvPr>
-          <p:cNvSpPr>
-            <a:spLocks noGrp="1"/>
-          </p:cNvSpPr>
-          <p:nvPr>
-            <p:ph type="title"/>
-          </p:nvPr>
-        </p:nvSpPr>
-        <p:spPr>
-          <a:xfrm>
-            <a:off x="560773" y="358017"/>
-            <a:ext cx="10058400" cy="1371600"/>
-          </a:xfrm>
-        </p:spPr>
-        <p:txBody>
-          <a:bodyPr/>
-          <a:lstStyle/>
-          <a:p>
-            <a:r>
-              <a:rPr lang="pt-PT" b="1" dirty="0"/>
-              <a:t>Plan</a:t>
-            </a:r>
-            <a:endParaRPr lang="en-GB" b="1" dirty="0"/>
-          </a:p>
-        </p:txBody>
-      </p:sp>
-      <p:sp>
-        <p:nvSpPr>
-          <p:cNvPr id="6" name="Slide Number Placeholder 5">
-            <a:extLst>
-              <a:ext uri="{FF2B5EF4-FFF2-40B4-BE49-F238E27FC236}">
-                <a16:creationId xmlns:a16="http://schemas.microsoft.com/office/drawing/2014/main" id="{093ACF8D-E1CC-471F-8951-1084A22E059C}"/>
-              </a:ext>
-            </a:extLst>
-          </p:cNvPr>
-          <p:cNvSpPr>
-            <a:spLocks noGrp="1"/>
-          </p:cNvSpPr>
-          <p:nvPr>
-            <p:ph type="sldNum" sz="quarter" idx="12"/>
-          </p:nvPr>
-        </p:nvSpPr>
-        <p:spPr>
-          <a:xfrm>
-            <a:off x="11508661" y="6492875"/>
-            <a:ext cx="683339" cy="365125"/>
-          </a:xfrm>
-        </p:spPr>
-        <p:txBody>
-          <a:bodyPr/>
-          <a:lstStyle/>
-          <a:p>
-            <a:fld id="{34B7E4EF-A1BD-40F4-AB7B-04F084DD991D}" type="slidenum">
-              <a:rPr lang="en-US" sz="2000" smtClean="0">
-                <a:solidFill>
-                  <a:schemeClr val="bg1"/>
-                </a:solidFill>
-              </a:rPr>
-              <a:t>9</a:t>
-            </a:fld>
-            <a:endParaRPr lang="en-US" sz="2000" dirty="0">
-              <a:solidFill>
-                <a:schemeClr val="bg1"/>
-              </a:solidFill>
-            </a:endParaRPr>
-          </a:p>
-        </p:txBody>
-      </p:sp>
-      <p:graphicFrame>
-        <p:nvGraphicFramePr>
-          <p:cNvPr id="4" name="Table 4">
-            <a:extLst>
-              <a:ext uri="{FF2B5EF4-FFF2-40B4-BE49-F238E27FC236}">
-                <a16:creationId xmlns:a16="http://schemas.microsoft.com/office/drawing/2014/main" id="{2AA371E5-E722-4B11-86DF-3AD60B6D9C6A}"/>
-              </a:ext>
-            </a:extLst>
-          </p:cNvPr>
-          <p:cNvGraphicFramePr>
-            <a:graphicFrameLocks noGrp="1"/>
-          </p:cNvGraphicFramePr>
-          <p:nvPr>
-            <p:extLst>
-              <p:ext uri="{D42A27DB-BD31-4B8C-83A1-F6EECF244321}">
-                <p14:modId xmlns:p14="http://schemas.microsoft.com/office/powerpoint/2010/main" val="3331650364"/>
-              </p:ext>
-            </p:extLst>
-          </p:nvPr>
-        </p:nvGraphicFramePr>
-        <p:xfrm>
-          <a:off x="1155866" y="1281084"/>
-          <a:ext cx="8118136" cy="4206240"/>
-        </p:xfrm>
-        <a:graphic>
-          <a:graphicData uri="http://schemas.openxmlformats.org/drawingml/2006/table">
-            <a:tbl>
-              <a:tblPr firstRow="1" bandRow="1">
-                <a:effectLst>
-                  <a:outerShdw blurRad="50800" dist="38100" dir="2700000" algn="tl" rotWithShape="0">
-                    <a:prstClr val="black">
-                      <a:alpha val="40000"/>
-                    </a:prstClr>
-                  </a:outerShdw>
-                </a:effectLst>
-                <a:tableStyleId>{5C22544A-7EE6-4342-B048-85BDC9FD1C3A}</a:tableStyleId>
-              </a:tblPr>
-              <a:tblGrid>
-                <a:gridCol w="2022136">
-                  <a:extLst>
-                    <a:ext uri="{9D8B030D-6E8A-4147-A177-3AD203B41FA5}">
-                      <a16:colId xmlns:a16="http://schemas.microsoft.com/office/drawing/2014/main" val="2989444139"/>
-                    </a:ext>
-                  </a:extLst>
-                </a:gridCol>
-                <a:gridCol w="2032000">
-                  <a:extLst>
-                    <a:ext uri="{9D8B030D-6E8A-4147-A177-3AD203B41FA5}">
-                      <a16:colId xmlns:a16="http://schemas.microsoft.com/office/drawing/2014/main" val="363588773"/>
-                    </a:ext>
-                  </a:extLst>
-                </a:gridCol>
-                <a:gridCol w="2032000">
-                  <a:extLst>
-                    <a:ext uri="{9D8B030D-6E8A-4147-A177-3AD203B41FA5}">
-                      <a16:colId xmlns:a16="http://schemas.microsoft.com/office/drawing/2014/main" val="3657889724"/>
-                    </a:ext>
-                  </a:extLst>
-                </a:gridCol>
-                <a:gridCol w="2032000">
-                  <a:extLst>
-                    <a:ext uri="{9D8B030D-6E8A-4147-A177-3AD203B41FA5}">
-                      <a16:colId xmlns:a16="http://schemas.microsoft.com/office/drawing/2014/main" val="3609038037"/>
-                    </a:ext>
-                  </a:extLst>
-                </a:gridCol>
-              </a:tblGrid>
-              <a:tr h="318462">
-                <a:tc>
-                  <a:txBody>
-                    <a:bodyPr/>
-                    <a:lstStyle/>
-                    <a:p>
-                      <a:pPr algn="ctr"/>
-                      <a:r>
-                        <a:rPr lang="pt-PT" dirty="0"/>
-                        <a:t>Feature</a:t>
-                      </a:r>
-                      <a:endParaRPr lang="en-GB" dirty="0"/>
-                    </a:p>
-                  </a:txBody>
-                  <a:tcPr/>
-                </a:tc>
-                <a:tc>
-                  <a:txBody>
-                    <a:bodyPr/>
-                    <a:lstStyle/>
-                    <a:p>
-                      <a:pPr algn="ctr"/>
-                      <a:r>
-                        <a:rPr lang="pt-PT" dirty="0"/>
-                        <a:t>Progress (%)</a:t>
-                      </a:r>
-                      <a:endParaRPr lang="en-GB" dirty="0"/>
-                    </a:p>
-                  </a:txBody>
-                  <a:tcPr/>
-                </a:tc>
-                <a:tc>
-                  <a:txBody>
-                    <a:bodyPr/>
-                    <a:lstStyle/>
-                    <a:p>
-                      <a:pPr algn="ctr"/>
-                      <a:r>
-                        <a:rPr lang="pt-PT" sz="1600" dirty="0"/>
-                        <a:t>Time until implementation</a:t>
-                      </a:r>
-                    </a:p>
-                    <a:p>
-                      <a:pPr algn="ctr"/>
-                      <a:r>
-                        <a:rPr lang="en-GB" sz="1600" dirty="0"/>
-                        <a:t>(weeks)</a:t>
-                      </a:r>
-                    </a:p>
-                  </a:txBody>
-                  <a:tcPr/>
-                </a:tc>
-                <a:tc>
-                  <a:txBody>
-                    <a:bodyPr/>
-                    <a:lstStyle/>
-                    <a:p>
-                      <a:pPr algn="ctr"/>
-                      <a:r>
-                        <a:rPr lang="pt-PT" dirty="0"/>
-                        <a:t>Responsible members</a:t>
-                      </a:r>
-                      <a:endParaRPr lang="en-GB" dirty="0"/>
-                    </a:p>
-                  </a:txBody>
-                  <a:tcPr/>
-                </a:tc>
-                <a:extLst>
-                  <a:ext uri="{0D108BD9-81ED-4DB2-BD59-A6C34878D82A}">
-                    <a16:rowId xmlns:a16="http://schemas.microsoft.com/office/drawing/2014/main" val="1587062829"/>
-                  </a:ext>
-                </a:extLst>
-              </a:tr>
-              <a:tr h="370840">
-                <a:tc>
-                  <a:txBody>
-                    <a:bodyPr/>
-                    <a:lstStyle/>
-                    <a:p>
-                      <a:pPr algn="ctr"/>
-                      <a:r>
-                        <a:rPr lang="pt-PT" dirty="0"/>
-                        <a:t>External Authentication</a:t>
-                      </a:r>
-                    </a:p>
-                  </a:txBody>
-                  <a:tcPr/>
-                </a:tc>
-                <a:tc>
-                  <a:txBody>
-                    <a:bodyPr/>
-                    <a:lstStyle/>
-                    <a:p>
-                      <a:pPr algn="ctr"/>
-                      <a:r>
-                        <a:rPr lang="pt-PT" dirty="0"/>
-                        <a:t>~66</a:t>
-                      </a:r>
-                      <a:endParaRPr lang="en-GB" dirty="0"/>
-                    </a:p>
-                  </a:txBody>
-                  <a:tcPr/>
-                </a:tc>
-                <a:tc>
-                  <a:txBody>
-                    <a:bodyPr/>
-                    <a:lstStyle/>
-                    <a:p>
-                      <a:pPr algn="ctr"/>
-                      <a:r>
-                        <a:rPr lang="pt-PT" dirty="0"/>
-                        <a:t>03/05 – 16/05</a:t>
-                      </a:r>
-                      <a:endParaRPr lang="en-GB" dirty="0"/>
-                    </a:p>
-                  </a:txBody>
-                  <a:tcPr/>
-                </a:tc>
-                <a:tc>
-                  <a:txBody>
-                    <a:bodyPr/>
-                    <a:lstStyle/>
-                    <a:p>
-                      <a:pPr algn="ctr"/>
-                      <a:r>
-                        <a:rPr lang="pt-PT" dirty="0"/>
-                        <a:t>Fabio</a:t>
-                      </a:r>
-                      <a:endParaRPr lang="en-GB" dirty="0"/>
-                    </a:p>
-                  </a:txBody>
-                  <a:tcPr/>
-                </a:tc>
-                <a:extLst>
-                  <a:ext uri="{0D108BD9-81ED-4DB2-BD59-A6C34878D82A}">
-                    <a16:rowId xmlns:a16="http://schemas.microsoft.com/office/drawing/2014/main" val="1237313691"/>
-                  </a:ext>
-                </a:extLst>
-              </a:tr>
-              <a:tr h="370840">
-                <a:tc>
-                  <a:txBody>
-                    <a:bodyPr/>
-                    <a:lstStyle/>
-                    <a:p>
-                      <a:pPr algn="ctr"/>
-                      <a:r>
-                        <a:rPr lang="en-GB" dirty="0"/>
-                        <a:t>Associate a teacher/student to a school</a:t>
-                      </a:r>
-                    </a:p>
-                  </a:txBody>
-                  <a:tcPr/>
-                </a:tc>
-                <a:tc>
-                  <a:txBody>
-                    <a:bodyPr/>
-                    <a:lstStyle/>
-                    <a:p>
-                      <a:pPr algn="ctr"/>
-                      <a:endParaRPr lang="pt-PT" dirty="0"/>
-                    </a:p>
-                    <a:p>
-                      <a:pPr algn="ctr"/>
-                      <a:r>
-                        <a:rPr lang="pt-PT" dirty="0"/>
-                        <a:t>100</a:t>
-                      </a:r>
-                    </a:p>
-                  </a:txBody>
-                  <a:tcPr/>
-                </a:tc>
-                <a:tc>
-                  <a:txBody>
-                    <a:bodyPr/>
-                    <a:lstStyle/>
-                    <a:p>
-                      <a:pPr algn="ctr"/>
-                      <a:endParaRPr lang="pt-PT" dirty="0"/>
-                    </a:p>
-                    <a:p>
-                      <a:pPr algn="ctr"/>
-                      <a:r>
-                        <a:rPr lang="en-GB" dirty="0"/>
-                        <a:t>10/05 – 16/05</a:t>
-                      </a:r>
-                    </a:p>
-                  </a:txBody>
-                  <a:tcPr/>
-                </a:tc>
-                <a:tc>
-                  <a:txBody>
-                    <a:bodyPr/>
-                    <a:lstStyle/>
-                    <a:p>
-                      <a:pPr algn="ctr"/>
-                      <a:endParaRPr lang="pt-PT" dirty="0"/>
-                    </a:p>
-                    <a:p>
-                      <a:pPr algn="ctr"/>
-                      <a:r>
-                        <a:rPr lang="en-GB" dirty="0"/>
-                        <a:t>Maria</a:t>
-                      </a:r>
-                    </a:p>
-                  </a:txBody>
-                  <a:tcPr/>
-                </a:tc>
-                <a:extLst>
-                  <a:ext uri="{0D108BD9-81ED-4DB2-BD59-A6C34878D82A}">
-                    <a16:rowId xmlns:a16="http://schemas.microsoft.com/office/drawing/2014/main" val="3542695060"/>
-                  </a:ext>
-                </a:extLst>
-              </a:tr>
-              <a:tr h="370840">
-                <a:tc>
-                  <a:txBody>
-                    <a:bodyPr/>
-                    <a:lstStyle/>
-                    <a:p>
-                      <a:pPr algn="ctr"/>
-                      <a:r>
-                        <a:rPr lang="en-GB" dirty="0"/>
-                        <a:t>List Students and teachers by school</a:t>
-                      </a:r>
-                    </a:p>
-                  </a:txBody>
-                  <a:tcPr/>
-                </a:tc>
-                <a:tc>
-                  <a:txBody>
-                    <a:bodyPr/>
-                    <a:lstStyle/>
-                    <a:p>
-                      <a:pPr algn="ctr"/>
-                      <a:r>
-                        <a:rPr lang="pt-PT" dirty="0"/>
-                        <a:t>100</a:t>
-                      </a:r>
-                      <a:endParaRPr lang="en-GB" dirty="0"/>
-                    </a:p>
-                  </a:txBody>
-                  <a:tcPr/>
-                </a:tc>
-                <a:tc>
-                  <a:txBody>
-                    <a:bodyPr/>
-                    <a:lstStyle/>
-                    <a:p>
-                      <a:pPr algn="ctr"/>
-                      <a:r>
-                        <a:rPr lang="en-GB" sz="1800" b="0" i="0" kern="1200" dirty="0">
-                          <a:solidFill>
-                            <a:schemeClr val="dk1"/>
-                          </a:solidFill>
-                          <a:effectLst/>
-                          <a:latin typeface="+mn-lt"/>
-                          <a:ea typeface="+mn-ea"/>
-                          <a:cs typeface="+mn-cs"/>
-                        </a:rPr>
-                        <a:t>17/05 - 23/05</a:t>
-                      </a:r>
-                      <a:endParaRPr lang="en-GB" dirty="0"/>
-                    </a:p>
-                  </a:txBody>
-                  <a:tcPr/>
-                </a:tc>
-                <a:tc>
-                  <a:txBody>
-                    <a:bodyPr/>
-                    <a:lstStyle/>
-                    <a:p>
-                      <a:pPr algn="ctr"/>
-                      <a:r>
-                        <a:rPr lang="pt-PT" dirty="0"/>
-                        <a:t>Fabio</a:t>
-                      </a:r>
-                      <a:endParaRPr lang="en-GB" dirty="0"/>
-                    </a:p>
-                  </a:txBody>
-                  <a:tcPr/>
-                </a:tc>
-                <a:extLst>
-                  <a:ext uri="{0D108BD9-81ED-4DB2-BD59-A6C34878D82A}">
-                    <a16:rowId xmlns:a16="http://schemas.microsoft.com/office/drawing/2014/main" val="1861145588"/>
-                  </a:ext>
-                </a:extLst>
-              </a:tr>
-              <a:tr h="370840">
-                <a:tc>
-                  <a:txBody>
-                    <a:bodyPr/>
-                    <a:lstStyle/>
-                    <a:p>
-                      <a:pPr algn="ctr"/>
-                      <a:r>
-                        <a:rPr lang="en-GB" dirty="0"/>
-                        <a:t>Generate an HTML of a competition</a:t>
-                      </a:r>
-                    </a:p>
-                  </a:txBody>
-                  <a:tcPr/>
-                </a:tc>
-                <a:tc>
-                  <a:txBody>
-                    <a:bodyPr/>
-                    <a:lstStyle/>
-                    <a:p>
-                      <a:pPr algn="ctr"/>
-                      <a:endParaRPr lang="pt-PT" dirty="0"/>
-                    </a:p>
-                    <a:p>
-                      <a:pPr algn="ctr"/>
-                      <a:r>
-                        <a:rPr lang="pt-PT" dirty="0"/>
-                        <a:t>100</a:t>
-                      </a:r>
-                      <a:endParaRPr lang="en-GB" dirty="0"/>
-                    </a:p>
-                  </a:txBody>
-                  <a:tcPr/>
-                </a:tc>
-                <a:tc>
-                  <a:txBody>
-                    <a:bodyPr/>
-                    <a:lstStyle/>
-                    <a:p>
-                      <a:pPr algn="ctr"/>
-                      <a:endParaRPr lang="pt-PT" dirty="0"/>
-                    </a:p>
-                    <a:p>
-                      <a:pPr algn="ctr"/>
-                      <a:r>
-                        <a:rPr lang="en-GB" dirty="0"/>
-                        <a:t>17/05 – 23/05</a:t>
-                      </a:r>
-                    </a:p>
-                  </a:txBody>
-                  <a:tcPr/>
-                </a:tc>
-                <a:tc>
-                  <a:txBody>
-                    <a:bodyPr/>
-                    <a:lstStyle/>
-                    <a:p>
-                      <a:pPr algn="ctr"/>
-                      <a:endParaRPr lang="pt-PT" dirty="0"/>
-                    </a:p>
-                    <a:p>
-                      <a:pPr algn="ctr"/>
-                      <a:r>
-                        <a:rPr lang="pt-PT" dirty="0"/>
-                        <a:t>Fabio</a:t>
-                      </a:r>
-                      <a:endParaRPr lang="en-GB" dirty="0"/>
-                    </a:p>
-                  </a:txBody>
-                  <a:tcPr/>
-                </a:tc>
-                <a:extLst>
-                  <a:ext uri="{0D108BD9-81ED-4DB2-BD59-A6C34878D82A}">
-                    <a16:rowId xmlns:a16="http://schemas.microsoft.com/office/drawing/2014/main" val="3378147321"/>
-                  </a:ext>
-                </a:extLst>
-              </a:tr>
-            </a:tbl>
-          </a:graphicData>
-        </a:graphic>
-      </p:graphicFrame>
-    </p:spTree>
-    <p:extLst>
-      <p:ext uri="{BB962C8B-B14F-4D97-AF65-F5344CB8AC3E}">
-        <p14:creationId xmlns:p14="http://schemas.microsoft.com/office/powerpoint/2010/main" val="2691641579"/>
+        <p14:creationId xmlns:p14="http://schemas.microsoft.com/office/powerpoint/2010/main" val="183243182"/>
       </p:ext>
     </p:extLst>
   </p:cSld>
@@ -13096,12 +10197,12 @@
 </file>
 
 <file path=customXml/item1.xml><?xml version="1.0" encoding="utf-8"?>
-<p:properties xmlns:p="http://schemas.microsoft.com/office/2006/metadata/properties" xmlns:xsi="http://www.w3.org/2001/XMLSchema-instance" xmlns:pc="http://schemas.microsoft.com/office/infopath/2007/PartnerControls">
-  <documentManagement>
-    <Status xmlns="71af3243-3dd4-4a8d-8c0d-dd76da1f02a5">Not started</Status>
-    <MediaServiceKeyPoints xmlns="71af3243-3dd4-4a8d-8c0d-dd76da1f02a5" xsi:nil="true"/>
-  </documentManagement>
-</p:properties>
+<?mso-contentType ?>
+<FormTemplates xmlns="http://schemas.microsoft.com/sharepoint/v3/contenttype/forms">
+  <Display>DocumentLibraryForm</Display>
+  <Edit>DocumentLibraryForm</Edit>
+  <New>DocumentLibraryForm</New>
+</FormTemplates>
 </file>
 
 <file path=customXml/item2.xml><?xml version="1.0" encoding="utf-8"?>
@@ -13326,27 +10427,18 @@
 </file>
 
 <file path=customXml/item3.xml><?xml version="1.0" encoding="utf-8"?>
-<?mso-contentType ?>
-<FormTemplates xmlns="http://schemas.microsoft.com/sharepoint/v3/contenttype/forms">
-  <Display>DocumentLibraryForm</Display>
-  <Edit>DocumentLibraryForm</Edit>
-  <New>DocumentLibraryForm</New>
-</FormTemplates>
+<p:properties xmlns:p="http://schemas.microsoft.com/office/2006/metadata/properties" xmlns:xsi="http://www.w3.org/2001/XMLSchema-instance" xmlns:pc="http://schemas.microsoft.com/office/infopath/2007/PartnerControls">
+  <documentManagement>
+    <Status xmlns="71af3243-3dd4-4a8d-8c0d-dd76da1f02a5">Not started</Status>
+    <MediaServiceKeyPoints xmlns="71af3243-3dd4-4a8d-8c0d-dd76da1f02a5" xsi:nil="true"/>
+  </documentManagement>
+</p:properties>
 </file>
 
 <file path=customXml/itemProps1.xml><?xml version="1.0" encoding="utf-8"?>
-<ds:datastoreItem xmlns:ds="http://schemas.openxmlformats.org/officeDocument/2006/customXml" ds:itemID="{137651BA-F45C-4845-9AB3-E0A65B39F5E1}">
+<ds:datastoreItem xmlns:ds="http://schemas.openxmlformats.org/officeDocument/2006/customXml" ds:itemID="{CDB58277-F8DF-46FF-84EC-EF41B835E69F}">
   <ds:schemaRefs>
-    <ds:schemaRef ds:uri="http://www.w3.org/XML/1998/namespace"/>
-    <ds:schemaRef ds:uri="71af3243-3dd4-4a8d-8c0d-dd76da1f02a5"/>
-    <ds:schemaRef ds:uri="http://purl.org/dc/dcmitype/"/>
-    <ds:schemaRef ds:uri="http://purl.org/dc/terms/"/>
-    <ds:schemaRef ds:uri="http://schemas.microsoft.com/office/infopath/2007/PartnerControls"/>
-    <ds:schemaRef ds:uri="http://schemas.microsoft.com/office/2006/documentManagement/types"/>
-    <ds:schemaRef ds:uri="http://schemas.openxmlformats.org/package/2006/metadata/core-properties"/>
-    <ds:schemaRef ds:uri="16c05727-aa75-4e4a-9b5f-8a80a1165891"/>
-    <ds:schemaRef ds:uri="http://schemas.microsoft.com/office/2006/metadata/properties"/>
-    <ds:schemaRef ds:uri="http://purl.org/dc/elements/1.1/"/>
+    <ds:schemaRef ds:uri="http://schemas.microsoft.com/sharepoint/v3/contenttype/forms"/>
   </ds:schemaRefs>
 </ds:datastoreItem>
 </file>
@@ -13371,9 +10463,18 @@
 </file>
 
 <file path=customXml/itemProps3.xml><?xml version="1.0" encoding="utf-8"?>
-<ds:datastoreItem xmlns:ds="http://schemas.openxmlformats.org/officeDocument/2006/customXml" ds:itemID="{CDB58277-F8DF-46FF-84EC-EF41B835E69F}">
+<ds:datastoreItem xmlns:ds="http://schemas.openxmlformats.org/officeDocument/2006/customXml" ds:itemID="{137651BA-F45C-4845-9AB3-E0A65B39F5E1}">
   <ds:schemaRefs>
-    <ds:schemaRef ds:uri="http://schemas.microsoft.com/sharepoint/v3/contenttype/forms"/>
+    <ds:schemaRef ds:uri="http://www.w3.org/XML/1998/namespace"/>
+    <ds:schemaRef ds:uri="71af3243-3dd4-4a8d-8c0d-dd76da1f02a5"/>
+    <ds:schemaRef ds:uri="http://purl.org/dc/dcmitype/"/>
+    <ds:schemaRef ds:uri="http://purl.org/dc/terms/"/>
+    <ds:schemaRef ds:uri="http://schemas.microsoft.com/office/infopath/2007/PartnerControls"/>
+    <ds:schemaRef ds:uri="http://schemas.microsoft.com/office/2006/documentManagement/types"/>
+    <ds:schemaRef ds:uri="http://schemas.openxmlformats.org/package/2006/metadata/core-properties"/>
+    <ds:schemaRef ds:uri="16c05727-aa75-4e4a-9b5f-8a80a1165891"/>
+    <ds:schemaRef ds:uri="http://schemas.microsoft.com/office/2006/metadata/properties"/>
+    <ds:schemaRef ds:uri="http://purl.org/dc/elements/1.1/"/>
   </ds:schemaRefs>
 </ds:datastoreItem>
 </file>
--- a/Docs/PowerPoints/PMATE-Transition(Final).pptx
+++ b/Docs/PowerPoints/PMATE-Transition(Final).pptx
@@ -7392,7 +7392,7 @@
           <p:nvPr>
             <p:extLst>
               <p:ext uri="{D42A27DB-BD31-4B8C-83A1-F6EECF244321}">
-                <p14:modId xmlns:p14="http://schemas.microsoft.com/office/powerpoint/2010/main" val="3744423622"/>
+                <p14:modId xmlns:p14="http://schemas.microsoft.com/office/powerpoint/2010/main" val="2404252162"/>
               </p:ext>
             </p:extLst>
           </p:nvPr>
@@ -7738,8 +7738,12 @@
                     <a:p>
                       <a:pPr algn="ctr"/>
                       <a:r>
+                        <a:rPr lang="pt-PT" dirty="0"/>
+                        <a:t>M</a:t>
+                      </a:r>
+                      <a:r>
                         <a:rPr lang="en-GB" dirty="0"/>
-                        <a:t>Fabio</a:t>
+                        <a:t>aria</a:t>
                       </a:r>
                     </a:p>
                   </a:txBody>
@@ -7975,7 +7979,7 @@
           <p:nvPr>
             <p:extLst>
               <p:ext uri="{D42A27DB-BD31-4B8C-83A1-F6EECF244321}">
-                <p14:modId xmlns:p14="http://schemas.microsoft.com/office/powerpoint/2010/main" val="3331650364"/>
+                <p14:modId xmlns:p14="http://schemas.microsoft.com/office/powerpoint/2010/main" val="3290418614"/>
               </p:ext>
             </p:extLst>
           </p:nvPr>
@@ -8379,7 +8383,7 @@
                       <a:pPr algn="ctr"/>
                       <a:r>
                         <a:rPr lang="pt-PT" dirty="0"/>
-                        <a:t>Fabio</a:t>
+                        <a:t>Fabio, Pedro</a:t>
                       </a:r>
                       <a:endParaRPr lang="en-GB" dirty="0"/>
                     </a:p>
@@ -8475,7 +8479,7 @@
           <p:nvPr>
             <p:extLst>
               <p:ext uri="{D42A27DB-BD31-4B8C-83A1-F6EECF244321}">
-                <p14:modId xmlns:p14="http://schemas.microsoft.com/office/powerpoint/2010/main" val="3759392224"/>
+                <p14:modId xmlns:p14="http://schemas.microsoft.com/office/powerpoint/2010/main" val="3979441508"/>
               </p:ext>
             </p:extLst>
           </p:nvPr>
@@ -9059,7 +9063,7 @@
                       <a:pPr algn="ctr"/>
                       <a:r>
                         <a:rPr lang="pt-PT" dirty="0"/>
-                        <a:t>Luis</a:t>
+                        <a:t>Pedro</a:t>
                       </a:r>
                       <a:endParaRPr lang="en-GB" dirty="0"/>
                     </a:p>
